--- a/02_活動圖/活動圖_訂單管理.pptx
+++ b/02_活動圖/活動圖_訂單管理.pptx
@@ -107,7 +107,7 @@
   </p:defaultTextStyle>
   <p:extLst>
     <p:ext uri="{EFAFB233-063F-42B5-8137-9DF3F51BA10A}">
-      <p15:sldGuideLst xmlns="" xmlns:p15="http://schemas.microsoft.com/office/powerpoint/2012/main"/>
+      <p15:sldGuideLst xmlns:p15="http://schemas.microsoft.com/office/powerpoint/2012/main" xmlns=""/>
     </p:ext>
   </p:extLst>
 </p:presentation>
@@ -3384,1864 +3384,2157 @@
           <a:chExt cx="0" cy="0"/>
         </a:xfrm>
       </p:grpSpPr>
-      <p:grpSp>
-        <p:nvGrpSpPr>
-          <p:cNvPr id="65" name="群組 64"/>
-          <p:cNvGrpSpPr/>
+      <p:sp>
+        <p:nvSpPr>
+          <p:cNvPr id="43" name="菱形 42"/>
+          <p:cNvSpPr/>
           <p:nvPr/>
-        </p:nvGrpSpPr>
-        <p:grpSpPr>
-          <a:xfrm>
-            <a:off x="4371817" y="-253424"/>
-            <a:ext cx="2691655" cy="7726886"/>
-            <a:chOff x="4386052" y="-1189344"/>
-            <a:chExt cx="2691655" cy="7726886"/>
-          </a:xfrm>
-        </p:grpSpPr>
-        <p:grpSp>
-          <p:nvGrpSpPr>
-            <p:cNvPr id="46" name="群組 45"/>
-            <p:cNvGrpSpPr/>
-            <p:nvPr/>
-          </p:nvGrpSpPr>
-          <p:grpSpPr>
-            <a:xfrm>
-              <a:off x="4386052" y="-1189344"/>
-              <a:ext cx="2691655" cy="7726886"/>
-              <a:chOff x="4323623" y="-952259"/>
-              <a:chExt cx="2691655" cy="7726886"/>
-            </a:xfrm>
-          </p:grpSpPr>
-          <p:sp>
-            <p:nvSpPr>
-              <p:cNvPr id="40" name="矩形 39"/>
-              <p:cNvSpPr/>
-              <p:nvPr/>
-            </p:nvSpPr>
-            <p:spPr>
-              <a:xfrm>
-                <a:off x="5193177" y="5610232"/>
-                <a:ext cx="827842" cy="382446"/>
-              </a:xfrm>
-              <a:prstGeom prst="rect">
-                <a:avLst/>
-              </a:prstGeom>
-              <a:solidFill>
-                <a:schemeClr val="bg2">
-                  <a:lumMod val="90000"/>
-                </a:schemeClr>
-              </a:solidFill>
-              <a:ln>
+        </p:nvSpPr>
+        <p:spPr>
+          <a:xfrm>
+            <a:off x="158537" y="1247413"/>
+            <a:ext cx="1244705" cy="907761"/>
+          </a:xfrm>
+          <a:prstGeom prst="diamond">
+            <a:avLst/>
+          </a:prstGeom>
+          <a:solidFill>
+            <a:schemeClr val="accent6">
+              <a:lumMod val="40000"/>
+              <a:lumOff val="60000"/>
+            </a:schemeClr>
+          </a:solidFill>
+          <a:ln>
+            <a:solidFill>
+              <a:schemeClr val="accent6">
+                <a:lumMod val="50000"/>
+              </a:schemeClr>
+            </a:solidFill>
+          </a:ln>
+        </p:spPr>
+        <p:style>
+          <a:lnRef idx="2">
+            <a:schemeClr val="accent1">
+              <a:shade val="50000"/>
+            </a:schemeClr>
+          </a:lnRef>
+          <a:fillRef idx="1">
+            <a:schemeClr val="accent1"/>
+          </a:fillRef>
+          <a:effectRef idx="0">
+            <a:schemeClr val="accent1"/>
+          </a:effectRef>
+          <a:fontRef idx="minor">
+            <a:schemeClr val="lt1"/>
+          </a:fontRef>
+        </p:style>
+        <p:txBody>
+          <a:bodyPr rtlCol="0" anchor="ctr"/>
+          <a:lstStyle/>
+          <a:p>
+            <a:pPr algn="ctr"/>
+            <a:endParaRPr lang="zh-TW" altLang="en-US"/>
+          </a:p>
+        </p:txBody>
+      </p:sp>
+      <p:cxnSp>
+        <p:nvCxnSpPr>
+          <p:cNvPr id="44" name="直線單箭頭接點 43"/>
+          <p:cNvCxnSpPr>
+            <a:stCxn id="93" idx="4"/>
+            <a:endCxn id="52" idx="0"/>
+          </p:cNvCxnSpPr>
+          <p:nvPr/>
+        </p:nvCxnSpPr>
+        <p:spPr>
+          <a:xfrm>
+            <a:off x="7756178" y="618440"/>
+            <a:ext cx="0" cy="509036"/>
+          </a:xfrm>
+          <a:prstGeom prst="straightConnector1">
+            <a:avLst/>
+          </a:prstGeom>
+          <a:ln>
+            <a:solidFill>
+              <a:srgbClr val="C00000"/>
+            </a:solidFill>
+            <a:tailEnd type="arrow"/>
+          </a:ln>
+        </p:spPr>
+        <p:style>
+          <a:lnRef idx="1">
+            <a:schemeClr val="accent1"/>
+          </a:lnRef>
+          <a:fillRef idx="0">
+            <a:schemeClr val="accent1"/>
+          </a:fillRef>
+          <a:effectRef idx="0">
+            <a:schemeClr val="accent1"/>
+          </a:effectRef>
+          <a:fontRef idx="minor">
+            <a:schemeClr val="tx1"/>
+          </a:fontRef>
+        </p:style>
+      </p:cxnSp>
+      <p:sp>
+        <p:nvSpPr>
+          <p:cNvPr id="50" name="圓角矩形 49"/>
+          <p:cNvSpPr/>
+          <p:nvPr/>
+        </p:nvSpPr>
+        <p:spPr>
+          <a:xfrm>
+            <a:off x="184726" y="4588188"/>
+            <a:ext cx="1112061" cy="573791"/>
+          </a:xfrm>
+          <a:prstGeom prst="roundRect">
+            <a:avLst/>
+          </a:prstGeom>
+          <a:solidFill>
+            <a:schemeClr val="bg1">
+              <a:lumMod val="75000"/>
+            </a:schemeClr>
+          </a:solidFill>
+          <a:ln>
+            <a:solidFill>
+              <a:schemeClr val="bg1">
+                <a:lumMod val="75000"/>
+              </a:schemeClr>
+            </a:solidFill>
+          </a:ln>
+        </p:spPr>
+        <p:style>
+          <a:lnRef idx="2">
+            <a:schemeClr val="accent1">
+              <a:shade val="50000"/>
+            </a:schemeClr>
+          </a:lnRef>
+          <a:fillRef idx="1">
+            <a:schemeClr val="accent1"/>
+          </a:fillRef>
+          <a:effectRef idx="0">
+            <a:schemeClr val="accent1"/>
+          </a:effectRef>
+          <a:fontRef idx="minor">
+            <a:schemeClr val="lt1"/>
+          </a:fontRef>
+        </p:style>
+        <p:txBody>
+          <a:bodyPr rtlCol="0" anchor="ctr"/>
+          <a:lstStyle/>
+          <a:p>
+            <a:pPr algn="ctr"/>
+            <a:endParaRPr lang="zh-TW" altLang="en-US"/>
+          </a:p>
+        </p:txBody>
+      </p:sp>
+      <p:sp>
+        <p:nvSpPr>
+          <p:cNvPr id="51" name="矩形 50"/>
+          <p:cNvSpPr/>
+          <p:nvPr/>
+        </p:nvSpPr>
+        <p:spPr>
+          <a:xfrm>
+            <a:off x="256077" y="2519344"/>
+            <a:ext cx="896448" cy="1416509"/>
+          </a:xfrm>
+          <a:prstGeom prst="rect">
+            <a:avLst/>
+          </a:prstGeom>
+          <a:solidFill>
+            <a:schemeClr val="accent1">
+              <a:lumMod val="20000"/>
+              <a:lumOff val="80000"/>
+            </a:schemeClr>
+          </a:solidFill>
+          <a:ln>
+            <a:solidFill>
+              <a:schemeClr val="accent1">
+                <a:lumMod val="20000"/>
+                <a:lumOff val="80000"/>
+              </a:schemeClr>
+            </a:solidFill>
+          </a:ln>
+        </p:spPr>
+        <p:style>
+          <a:lnRef idx="2">
+            <a:schemeClr val="accent1">
+              <a:shade val="50000"/>
+            </a:schemeClr>
+          </a:lnRef>
+          <a:fillRef idx="1">
+            <a:schemeClr val="accent1"/>
+          </a:fillRef>
+          <a:effectRef idx="0">
+            <a:schemeClr val="accent1"/>
+          </a:effectRef>
+          <a:fontRef idx="minor">
+            <a:schemeClr val="lt1"/>
+          </a:fontRef>
+        </p:style>
+        <p:txBody>
+          <a:bodyPr rtlCol="0" anchor="ctr"/>
+          <a:lstStyle/>
+          <a:p>
+            <a:pPr lvl="0"/>
+            <a:r>
+              <a:rPr lang="en-US" altLang="zh-TW" sz="1100" b="1" dirty="0" smtClean="0">
                 <a:solidFill>
-                  <a:schemeClr val="bg2">
-                    <a:lumMod val="90000"/>
-                  </a:schemeClr>
+                  <a:schemeClr val="tx1"/>
                 </a:solidFill>
-              </a:ln>
-            </p:spPr>
-            <p:style>
-              <a:lnRef idx="2">
-                <a:schemeClr val="accent1">
-                  <a:shade val="50000"/>
-                </a:schemeClr>
-              </a:lnRef>
-              <a:fillRef idx="1">
-                <a:schemeClr val="accent1"/>
-              </a:fillRef>
-              <a:effectRef idx="0">
-                <a:schemeClr val="accent1"/>
-              </a:effectRef>
-              <a:fontRef idx="minor">
-                <a:schemeClr val="lt1"/>
-              </a:fontRef>
-            </p:style>
-            <p:txBody>
-              <a:bodyPr rtlCol="0" anchor="ctr"/>
-              <a:lstStyle/>
-              <a:p>
-                <a:pPr algn="ctr"/>
-                <a:r>
-                  <a:rPr lang="zh-TW" altLang="en-US" sz="1200" b="1" dirty="0" smtClean="0">
-                    <a:solidFill>
-                      <a:schemeClr val="tx1"/>
-                    </a:solidFill>
-                    <a:latin typeface="標楷體" panose="03000509000000000000" pitchFamily="65" charset="-120"/>
-                    <a:ea typeface="標楷體" panose="03000509000000000000" pitchFamily="65" charset="-120"/>
-                  </a:rPr>
-                  <a:t>確認收貨</a:t>
-                </a:r>
-                <a:endParaRPr lang="zh-TW" altLang="en-US" sz="1200" b="1" dirty="0">
-                  <a:solidFill>
-                    <a:schemeClr val="tx1"/>
-                  </a:solidFill>
-                  <a:latin typeface="標楷體" panose="03000509000000000000" pitchFamily="65" charset="-120"/>
-                  <a:ea typeface="標楷體" panose="03000509000000000000" pitchFamily="65" charset="-120"/>
-                </a:endParaRPr>
-              </a:p>
-            </p:txBody>
-          </p:sp>
-          <p:sp>
-            <p:nvSpPr>
-              <p:cNvPr id="4" name="文字方塊 3"/>
-              <p:cNvSpPr txBox="1"/>
-              <p:nvPr/>
-            </p:nvSpPr>
-            <p:spPr>
-              <a:xfrm>
-                <a:off x="5366688" y="-952259"/>
-                <a:ext cx="492443" cy="276999"/>
-              </a:xfrm>
-              <a:prstGeom prst="rect">
-                <a:avLst/>
-              </a:prstGeom>
-              <a:noFill/>
-            </p:spPr>
-            <p:txBody>
-              <a:bodyPr wrap="none" rtlCol="0">
-                <a:spAutoFit/>
-              </a:bodyPr>
-              <a:lstStyle/>
-              <a:p>
-                <a:r>
-                  <a:rPr lang="zh-TW" altLang="en-US" sz="1200" b="1" dirty="0" smtClean="0">
-                    <a:latin typeface="標楷體" panose="03000509000000000000" pitchFamily="65" charset="-120"/>
-                    <a:ea typeface="標楷體" panose="03000509000000000000" pitchFamily="65" charset="-120"/>
-                  </a:rPr>
-                  <a:t>開</a:t>
-                </a:r>
-                <a:r>
-                  <a:rPr lang="zh-TW" altLang="en-US" sz="1200" b="1" dirty="0">
-                    <a:latin typeface="標楷體" panose="03000509000000000000" pitchFamily="65" charset="-120"/>
-                    <a:ea typeface="標楷體" panose="03000509000000000000" pitchFamily="65" charset="-120"/>
-                  </a:rPr>
-                  <a:t>始</a:t>
-                </a:r>
-              </a:p>
-            </p:txBody>
-          </p:sp>
-          <p:sp>
-            <p:nvSpPr>
-              <p:cNvPr id="2" name="文字方塊 1"/>
-              <p:cNvSpPr txBox="1"/>
-              <p:nvPr/>
-            </p:nvSpPr>
-            <p:spPr>
-              <a:xfrm>
-                <a:off x="4323623" y="-706143"/>
-                <a:ext cx="863330" cy="252436"/>
-              </a:xfrm>
-              <a:prstGeom prst="rect">
-                <a:avLst/>
-              </a:prstGeom>
-              <a:noFill/>
-            </p:spPr>
-            <p:txBody>
-              <a:bodyPr wrap="none" rtlCol="0">
-                <a:spAutoFit/>
-              </a:bodyPr>
-              <a:lstStyle/>
-              <a:p>
-                <a:r>
-                  <a:rPr lang="zh-TW" altLang="en-US" sz="1400" b="1" dirty="0" smtClean="0">
-                    <a:latin typeface="標楷體" panose="03000509000000000000" pitchFamily="65" charset="-120"/>
-                    <a:ea typeface="標楷體" panose="03000509000000000000" pitchFamily="65" charset="-120"/>
-                  </a:rPr>
-                  <a:t>訂</a:t>
-                </a:r>
-                <a:r>
-                  <a:rPr lang="zh-TW" altLang="en-US" sz="1400" b="1" dirty="0">
-                    <a:latin typeface="標楷體" panose="03000509000000000000" pitchFamily="65" charset="-120"/>
-                    <a:ea typeface="標楷體" panose="03000509000000000000" pitchFamily="65" charset="-120"/>
-                  </a:rPr>
-                  <a:t>單</a:t>
-                </a:r>
-                <a:r>
-                  <a:rPr lang="zh-TW" altLang="en-US" sz="1400" b="1" dirty="0" smtClean="0">
-                    <a:latin typeface="標楷體" panose="03000509000000000000" pitchFamily="65" charset="-120"/>
-                    <a:ea typeface="標楷體" panose="03000509000000000000" pitchFamily="65" charset="-120"/>
-                  </a:rPr>
-                  <a:t>管理</a:t>
-                </a:r>
-                <a:endParaRPr lang="zh-TW" altLang="en-US" sz="1400" b="1" dirty="0">
-                  <a:latin typeface="標楷體" panose="03000509000000000000" pitchFamily="65" charset="-120"/>
-                  <a:ea typeface="標楷體" panose="03000509000000000000" pitchFamily="65" charset="-120"/>
-                </a:endParaRPr>
-              </a:p>
-            </p:txBody>
-          </p:sp>
-          <p:sp>
-            <p:nvSpPr>
-              <p:cNvPr id="5" name="橢圓 4"/>
-              <p:cNvSpPr/>
-              <p:nvPr/>
-            </p:nvSpPr>
-            <p:spPr>
-              <a:xfrm>
-                <a:off x="5516855" y="-706143"/>
-                <a:ext cx="170004" cy="144451"/>
-              </a:xfrm>
-              <a:prstGeom prst="ellipse">
-                <a:avLst/>
-              </a:prstGeom>
-              <a:solidFill>
-                <a:schemeClr val="accent6">
-                  <a:lumMod val="50000"/>
-                </a:schemeClr>
-              </a:solidFill>
-              <a:ln>
-                <a:solidFill>
-                  <a:schemeClr val="accent6">
-                    <a:lumMod val="50000"/>
-                  </a:schemeClr>
-                </a:solidFill>
-              </a:ln>
-            </p:spPr>
-            <p:style>
-              <a:lnRef idx="2">
-                <a:schemeClr val="accent1">
-                  <a:shade val="50000"/>
-                </a:schemeClr>
-              </a:lnRef>
-              <a:fillRef idx="1">
-                <a:schemeClr val="accent1"/>
-              </a:fillRef>
-              <a:effectRef idx="0">
-                <a:schemeClr val="accent1"/>
-              </a:effectRef>
-              <a:fontRef idx="minor">
-                <a:schemeClr val="lt1"/>
-              </a:fontRef>
-            </p:style>
-            <p:txBody>
-              <a:bodyPr rtlCol="0" anchor="ctr"/>
-              <a:lstStyle/>
-              <a:p>
-                <a:pPr algn="ctr"/>
-                <a:endParaRPr lang="zh-TW" altLang="en-US"/>
-              </a:p>
-            </p:txBody>
-          </p:sp>
-          <p:sp>
-            <p:nvSpPr>
-              <p:cNvPr id="6" name="向下箭號 5"/>
-              <p:cNvSpPr/>
-              <p:nvPr/>
-            </p:nvSpPr>
-            <p:spPr>
-              <a:xfrm>
-                <a:off x="5510695" y="-534057"/>
-                <a:ext cx="182323" cy="339952"/>
-              </a:xfrm>
-              <a:prstGeom prst="downArrow">
-                <a:avLst/>
-              </a:prstGeom>
-              <a:solidFill>
-                <a:srgbClr val="C00000"/>
-              </a:solidFill>
-              <a:ln>
-                <a:solidFill>
-                  <a:srgbClr val="C00000"/>
-                </a:solidFill>
-              </a:ln>
-            </p:spPr>
-            <p:style>
-              <a:lnRef idx="2">
-                <a:schemeClr val="accent1">
-                  <a:shade val="50000"/>
-                </a:schemeClr>
-              </a:lnRef>
-              <a:fillRef idx="1">
-                <a:schemeClr val="accent1"/>
-              </a:fillRef>
-              <a:effectRef idx="0">
-                <a:schemeClr val="accent1"/>
-              </a:effectRef>
-              <a:fontRef idx="minor">
-                <a:schemeClr val="lt1"/>
-              </a:fontRef>
-            </p:style>
-            <p:txBody>
-              <a:bodyPr rtlCol="0" anchor="ctr"/>
-              <a:lstStyle/>
-              <a:p>
-                <a:pPr algn="ctr"/>
-                <a:endParaRPr lang="zh-TW" altLang="en-US"/>
-              </a:p>
-            </p:txBody>
-          </p:sp>
-          <p:sp>
-            <p:nvSpPr>
-              <p:cNvPr id="7" name="矩形 6"/>
-              <p:cNvSpPr/>
-              <p:nvPr/>
-            </p:nvSpPr>
-            <p:spPr>
-              <a:xfrm>
-                <a:off x="5187935" y="-166471"/>
-                <a:ext cx="827842" cy="382446"/>
-              </a:xfrm>
-              <a:prstGeom prst="rect">
-                <a:avLst/>
-              </a:prstGeom>
-              <a:solidFill>
-                <a:schemeClr val="bg2">
-                  <a:lumMod val="90000"/>
-                </a:schemeClr>
-              </a:solidFill>
-              <a:ln>
-                <a:solidFill>
-                  <a:schemeClr val="bg2">
-                    <a:lumMod val="90000"/>
-                  </a:schemeClr>
-                </a:solidFill>
-              </a:ln>
-            </p:spPr>
-            <p:style>
-              <a:lnRef idx="2">
-                <a:schemeClr val="accent1">
-                  <a:shade val="50000"/>
-                </a:schemeClr>
-              </a:lnRef>
-              <a:fillRef idx="1">
-                <a:schemeClr val="accent1"/>
-              </a:fillRef>
-              <a:effectRef idx="0">
-                <a:schemeClr val="accent1"/>
-              </a:effectRef>
-              <a:fontRef idx="minor">
-                <a:schemeClr val="lt1"/>
-              </a:fontRef>
-            </p:style>
-            <p:txBody>
-              <a:bodyPr rtlCol="0" anchor="ctr"/>
-              <a:lstStyle/>
-              <a:p>
-                <a:pPr algn="ctr"/>
-                <a:r>
-                  <a:rPr lang="zh-TW" altLang="en-US" sz="1200" b="1" dirty="0" smtClean="0">
-                    <a:solidFill>
-                      <a:schemeClr val="tx1"/>
-                    </a:solidFill>
-                    <a:latin typeface="標楷體" panose="03000509000000000000" pitchFamily="65" charset="-120"/>
-                    <a:ea typeface="標楷體" panose="03000509000000000000" pitchFamily="65" charset="-120"/>
-                  </a:rPr>
-                  <a:t>會員</a:t>
-                </a:r>
-                <a:r>
-                  <a:rPr lang="zh-TW" altLang="en-US" sz="1200" b="1" dirty="0">
-                    <a:solidFill>
-                      <a:schemeClr val="tx1"/>
-                    </a:solidFill>
-                    <a:latin typeface="標楷體" panose="03000509000000000000" pitchFamily="65" charset="-120"/>
-                    <a:ea typeface="標楷體" panose="03000509000000000000" pitchFamily="65" charset="-120"/>
-                  </a:rPr>
-                  <a:t>登入</a:t>
-                </a:r>
-              </a:p>
-            </p:txBody>
-          </p:sp>
-          <p:sp>
-            <p:nvSpPr>
-              <p:cNvPr id="8" name="向下箭號 7"/>
-              <p:cNvSpPr/>
-              <p:nvPr/>
-            </p:nvSpPr>
-            <p:spPr>
-              <a:xfrm>
-                <a:off x="5506996" y="243609"/>
-                <a:ext cx="182323" cy="339952"/>
-              </a:xfrm>
-              <a:prstGeom prst="downArrow">
-                <a:avLst/>
-              </a:prstGeom>
-              <a:solidFill>
-                <a:srgbClr val="C00000"/>
-              </a:solidFill>
-              <a:ln>
-                <a:solidFill>
-                  <a:srgbClr val="C00000"/>
-                </a:solidFill>
-              </a:ln>
-            </p:spPr>
-            <p:style>
-              <a:lnRef idx="2">
-                <a:schemeClr val="accent1">
-                  <a:shade val="50000"/>
-                </a:schemeClr>
-              </a:lnRef>
-              <a:fillRef idx="1">
-                <a:schemeClr val="accent1"/>
-              </a:fillRef>
-              <a:effectRef idx="0">
-                <a:schemeClr val="accent1"/>
-              </a:effectRef>
-              <a:fontRef idx="minor">
-                <a:schemeClr val="lt1"/>
-              </a:fontRef>
-            </p:style>
-            <p:txBody>
-              <a:bodyPr rtlCol="0" anchor="ctr"/>
-              <a:lstStyle/>
-              <a:p>
-                <a:pPr algn="ctr"/>
-                <a:endParaRPr lang="zh-TW" altLang="en-US"/>
-              </a:p>
-            </p:txBody>
-          </p:sp>
-          <p:sp>
-            <p:nvSpPr>
-              <p:cNvPr id="9" name="菱形 8"/>
-              <p:cNvSpPr/>
-              <p:nvPr/>
-            </p:nvSpPr>
-            <p:spPr>
-              <a:xfrm>
-                <a:off x="5516855" y="611195"/>
-                <a:ext cx="167539" cy="157228"/>
-              </a:xfrm>
-              <a:prstGeom prst="diamond">
-                <a:avLst/>
-              </a:prstGeom>
-              <a:solidFill>
-                <a:schemeClr val="accent6">
-                  <a:lumMod val="50000"/>
-                </a:schemeClr>
-              </a:solidFill>
-              <a:ln>
-                <a:solidFill>
-                  <a:schemeClr val="accent6">
-                    <a:lumMod val="50000"/>
-                  </a:schemeClr>
-                </a:solidFill>
-              </a:ln>
-            </p:spPr>
-            <p:style>
-              <a:lnRef idx="2">
-                <a:schemeClr val="accent1">
-                  <a:shade val="50000"/>
-                </a:schemeClr>
-              </a:lnRef>
-              <a:fillRef idx="1">
-                <a:schemeClr val="accent1"/>
-              </a:fillRef>
-              <a:effectRef idx="0">
-                <a:schemeClr val="accent1"/>
-              </a:effectRef>
-              <a:fontRef idx="minor">
-                <a:schemeClr val="lt1"/>
-              </a:fontRef>
-            </p:style>
-            <p:txBody>
-              <a:bodyPr rtlCol="0" anchor="ctr"/>
-              <a:lstStyle/>
-              <a:p>
-                <a:pPr algn="ctr"/>
-                <a:endParaRPr lang="zh-TW" altLang="en-US"/>
-              </a:p>
-            </p:txBody>
-          </p:sp>
-          <p:sp>
-            <p:nvSpPr>
-              <p:cNvPr id="11" name="向下箭號 10"/>
-              <p:cNvSpPr/>
-              <p:nvPr/>
-            </p:nvSpPr>
-            <p:spPr>
-              <a:xfrm rot="16200000">
-                <a:off x="5851832" y="496959"/>
-                <a:ext cx="163244" cy="379683"/>
-              </a:xfrm>
-              <a:prstGeom prst="downArrow">
-                <a:avLst/>
-              </a:prstGeom>
-              <a:solidFill>
-                <a:srgbClr val="C00000"/>
-              </a:solidFill>
-              <a:ln>
-                <a:solidFill>
-                  <a:srgbClr val="C00000"/>
-                </a:solidFill>
-              </a:ln>
-            </p:spPr>
-            <p:style>
-              <a:lnRef idx="2">
-                <a:schemeClr val="accent1">
-                  <a:shade val="50000"/>
-                </a:schemeClr>
-              </a:lnRef>
-              <a:fillRef idx="1">
-                <a:schemeClr val="accent1"/>
-              </a:fillRef>
-              <a:effectRef idx="0">
-                <a:schemeClr val="accent1"/>
-              </a:effectRef>
-              <a:fontRef idx="minor">
-                <a:schemeClr val="lt1"/>
-              </a:fontRef>
-            </p:style>
-            <p:txBody>
-              <a:bodyPr rtlCol="0" anchor="ctr"/>
-              <a:lstStyle/>
-              <a:p>
-                <a:pPr algn="ctr"/>
-                <a:endParaRPr lang="zh-TW" altLang="en-US"/>
-              </a:p>
-            </p:txBody>
-          </p:sp>
-          <p:sp>
-            <p:nvSpPr>
-              <p:cNvPr id="12" name="向下箭號 11"/>
-              <p:cNvSpPr/>
-              <p:nvPr/>
-            </p:nvSpPr>
-            <p:spPr>
-              <a:xfrm>
-                <a:off x="5506996" y="796057"/>
-                <a:ext cx="182323" cy="339952"/>
-              </a:xfrm>
-              <a:prstGeom prst="downArrow">
-                <a:avLst/>
-              </a:prstGeom>
-              <a:solidFill>
-                <a:srgbClr val="C00000"/>
-              </a:solidFill>
-              <a:ln>
-                <a:solidFill>
-                  <a:srgbClr val="C00000"/>
-                </a:solidFill>
-              </a:ln>
-            </p:spPr>
-            <p:style>
-              <a:lnRef idx="2">
-                <a:schemeClr val="accent1">
-                  <a:shade val="50000"/>
-                </a:schemeClr>
-              </a:lnRef>
-              <a:fillRef idx="1">
-                <a:schemeClr val="accent1"/>
-              </a:fillRef>
-              <a:effectRef idx="0">
-                <a:schemeClr val="accent1"/>
-              </a:effectRef>
-              <a:fontRef idx="minor">
-                <a:schemeClr val="lt1"/>
-              </a:fontRef>
-            </p:style>
-            <p:txBody>
-              <a:bodyPr rtlCol="0" anchor="ctr"/>
-              <a:lstStyle/>
-              <a:p>
-                <a:pPr algn="ctr"/>
-                <a:endParaRPr lang="zh-TW" altLang="en-US"/>
-              </a:p>
-            </p:txBody>
-          </p:sp>
-          <p:sp>
-            <p:nvSpPr>
-              <p:cNvPr id="13" name="文字方塊 12"/>
-              <p:cNvSpPr txBox="1"/>
-              <p:nvPr/>
-            </p:nvSpPr>
-            <p:spPr>
-              <a:xfrm>
-                <a:off x="5748536" y="748747"/>
-                <a:ext cx="323749" cy="227192"/>
-              </a:xfrm>
-              <a:prstGeom prst="rect">
-                <a:avLst/>
-              </a:prstGeom>
-              <a:noFill/>
-            </p:spPr>
-            <p:txBody>
-              <a:bodyPr wrap="none" rtlCol="0">
-                <a:spAutoFit/>
-              </a:bodyPr>
-              <a:lstStyle/>
-              <a:p>
-                <a:r>
-                  <a:rPr lang="en-US" altLang="zh-TW" sz="1200" b="1" dirty="0" smtClean="0">
-                    <a:latin typeface="標楷體" panose="03000509000000000000" pitchFamily="65" charset="-120"/>
-                    <a:ea typeface="標楷體" panose="03000509000000000000" pitchFamily="65" charset="-120"/>
-                  </a:rPr>
-                  <a:t>No</a:t>
-                </a:r>
-                <a:endParaRPr lang="zh-TW" altLang="en-US" sz="1200" b="1" dirty="0">
-                  <a:latin typeface="標楷體" panose="03000509000000000000" pitchFamily="65" charset="-120"/>
-                  <a:ea typeface="標楷體" panose="03000509000000000000" pitchFamily="65" charset="-120"/>
-                </a:endParaRPr>
-              </a:p>
-            </p:txBody>
-          </p:sp>
-          <p:sp>
-            <p:nvSpPr>
-              <p:cNvPr id="14" name="文字方塊 13"/>
-              <p:cNvSpPr txBox="1"/>
-              <p:nvPr/>
-            </p:nvSpPr>
-            <p:spPr>
-              <a:xfrm>
-                <a:off x="5162712" y="796057"/>
-                <a:ext cx="397328" cy="227192"/>
-              </a:xfrm>
-              <a:prstGeom prst="rect">
-                <a:avLst/>
-              </a:prstGeom>
-              <a:noFill/>
-            </p:spPr>
-            <p:txBody>
-              <a:bodyPr wrap="none" rtlCol="0">
-                <a:spAutoFit/>
-              </a:bodyPr>
-              <a:lstStyle/>
-              <a:p>
-                <a:r>
-                  <a:rPr lang="en-US" altLang="zh-TW" sz="1200" b="1" dirty="0" smtClean="0">
-                    <a:latin typeface="標楷體" panose="03000509000000000000" pitchFamily="65" charset="-120"/>
-                    <a:ea typeface="標楷體" panose="03000509000000000000" pitchFamily="65" charset="-120"/>
-                  </a:rPr>
-                  <a:t>Yes</a:t>
-                </a:r>
-                <a:endParaRPr lang="zh-TW" altLang="en-US" sz="1200" b="1" dirty="0">
-                  <a:latin typeface="標楷體" panose="03000509000000000000" pitchFamily="65" charset="-120"/>
-                  <a:ea typeface="標楷體" panose="03000509000000000000" pitchFamily="65" charset="-120"/>
-                </a:endParaRPr>
-              </a:p>
-            </p:txBody>
-          </p:sp>
-          <p:sp>
-            <p:nvSpPr>
-              <p:cNvPr id="15" name="矩形 14"/>
-              <p:cNvSpPr/>
-              <p:nvPr/>
-            </p:nvSpPr>
-            <p:spPr>
-              <a:xfrm>
-                <a:off x="6187436" y="495577"/>
-                <a:ext cx="827842" cy="382446"/>
-              </a:xfrm>
-              <a:prstGeom prst="rect">
-                <a:avLst/>
-              </a:prstGeom>
-              <a:solidFill>
-                <a:schemeClr val="bg2">
-                  <a:lumMod val="90000"/>
-                </a:schemeClr>
-              </a:solidFill>
-              <a:ln>
-                <a:solidFill>
-                  <a:schemeClr val="bg2">
-                    <a:lumMod val="90000"/>
-                  </a:schemeClr>
-                </a:solidFill>
-              </a:ln>
-            </p:spPr>
-            <p:style>
-              <a:lnRef idx="2">
-                <a:schemeClr val="accent1">
-                  <a:shade val="50000"/>
-                </a:schemeClr>
-              </a:lnRef>
-              <a:fillRef idx="1">
-                <a:schemeClr val="accent1"/>
-              </a:fillRef>
-              <a:effectRef idx="0">
-                <a:schemeClr val="accent1"/>
-              </a:effectRef>
-              <a:fontRef idx="minor">
-                <a:schemeClr val="lt1"/>
-              </a:fontRef>
-            </p:style>
-            <p:txBody>
-              <a:bodyPr rtlCol="0" anchor="ctr"/>
-              <a:lstStyle/>
-              <a:p>
-                <a:pPr algn="ctr"/>
-                <a:r>
-                  <a:rPr lang="zh-TW" altLang="en-US" sz="1200" b="1" dirty="0" smtClean="0">
-                    <a:solidFill>
-                      <a:schemeClr val="tx1"/>
-                    </a:solidFill>
-                    <a:latin typeface="標楷體" panose="03000509000000000000" pitchFamily="65" charset="-120"/>
-                    <a:ea typeface="標楷體" panose="03000509000000000000" pitchFamily="65" charset="-120"/>
-                  </a:rPr>
-                  <a:t>返回主頁</a:t>
-                </a:r>
-                <a:endParaRPr lang="zh-TW" altLang="en-US" sz="1200" b="1" dirty="0">
-                  <a:solidFill>
-                    <a:schemeClr val="tx1"/>
-                  </a:solidFill>
-                  <a:latin typeface="標楷體" panose="03000509000000000000" pitchFamily="65" charset="-120"/>
-                  <a:ea typeface="標楷體" panose="03000509000000000000" pitchFamily="65" charset="-120"/>
-                </a:endParaRPr>
-              </a:p>
-            </p:txBody>
-          </p:sp>
-          <p:sp>
-            <p:nvSpPr>
-              <p:cNvPr id="16" name="向下箭號 15"/>
-              <p:cNvSpPr/>
-              <p:nvPr/>
-            </p:nvSpPr>
-            <p:spPr>
-              <a:xfrm rot="16200000">
-                <a:off x="5844511" y="3382402"/>
-                <a:ext cx="163244" cy="379683"/>
-              </a:xfrm>
-              <a:prstGeom prst="downArrow">
-                <a:avLst/>
-              </a:prstGeom>
-              <a:solidFill>
-                <a:srgbClr val="C00000"/>
-              </a:solidFill>
-              <a:ln>
-                <a:solidFill>
-                  <a:srgbClr val="C00000"/>
-                </a:solidFill>
-              </a:ln>
-            </p:spPr>
-            <p:style>
-              <a:lnRef idx="2">
-                <a:schemeClr val="accent1">
-                  <a:shade val="50000"/>
-                </a:schemeClr>
-              </a:lnRef>
-              <a:fillRef idx="1">
-                <a:schemeClr val="accent1"/>
-              </a:fillRef>
-              <a:effectRef idx="0">
-                <a:schemeClr val="accent1"/>
-              </a:effectRef>
-              <a:fontRef idx="minor">
-                <a:schemeClr val="lt1"/>
-              </a:fontRef>
-            </p:style>
-            <p:txBody>
-              <a:bodyPr rtlCol="0" anchor="ctr"/>
-              <a:lstStyle/>
-              <a:p>
-                <a:pPr algn="ctr"/>
-                <a:endParaRPr lang="zh-TW" altLang="en-US"/>
-              </a:p>
-            </p:txBody>
-          </p:sp>
-          <p:sp>
-            <p:nvSpPr>
-              <p:cNvPr id="18" name="矩形 17"/>
-              <p:cNvSpPr/>
-              <p:nvPr/>
-            </p:nvSpPr>
-            <p:spPr>
-              <a:xfrm>
-                <a:off x="5193177" y="1163642"/>
-                <a:ext cx="827842" cy="382446"/>
-              </a:xfrm>
-              <a:prstGeom prst="rect">
-                <a:avLst/>
-              </a:prstGeom>
-              <a:solidFill>
-                <a:schemeClr val="bg2">
-                  <a:lumMod val="90000"/>
-                </a:schemeClr>
-              </a:solidFill>
-              <a:ln>
-                <a:solidFill>
-                  <a:schemeClr val="bg2">
-                    <a:lumMod val="90000"/>
-                  </a:schemeClr>
-                </a:solidFill>
-              </a:ln>
-            </p:spPr>
-            <p:style>
-              <a:lnRef idx="2">
-                <a:schemeClr val="accent1">
-                  <a:shade val="50000"/>
-                </a:schemeClr>
-              </a:lnRef>
-              <a:fillRef idx="1">
-                <a:schemeClr val="accent1"/>
-              </a:fillRef>
-              <a:effectRef idx="0">
-                <a:schemeClr val="accent1"/>
-              </a:effectRef>
-              <a:fontRef idx="minor">
-                <a:schemeClr val="lt1"/>
-              </a:fontRef>
-            </p:style>
-            <p:txBody>
-              <a:bodyPr rtlCol="0" anchor="ctr"/>
-              <a:lstStyle/>
-              <a:p>
-                <a:pPr algn="ctr"/>
-                <a:r>
-                  <a:rPr lang="zh-TW" altLang="en-US" sz="1200" b="1" dirty="0" smtClean="0">
-                    <a:solidFill>
-                      <a:schemeClr val="tx1"/>
-                    </a:solidFill>
-                    <a:latin typeface="標楷體" panose="03000509000000000000" pitchFamily="65" charset="-120"/>
-                    <a:ea typeface="標楷體" panose="03000509000000000000" pitchFamily="65" charset="-120"/>
-                  </a:rPr>
-                  <a:t>生成</a:t>
-                </a:r>
-                <a:r>
-                  <a:rPr lang="zh-TW" altLang="en-US" sz="1200" b="1" dirty="0">
-                    <a:solidFill>
-                      <a:schemeClr val="tx1"/>
-                    </a:solidFill>
-                    <a:latin typeface="標楷體" panose="03000509000000000000" pitchFamily="65" charset="-120"/>
-                    <a:ea typeface="標楷體" panose="03000509000000000000" pitchFamily="65" charset="-120"/>
-                  </a:rPr>
-                  <a:t>訂單</a:t>
-                </a:r>
-              </a:p>
-            </p:txBody>
-          </p:sp>
-          <p:sp>
-            <p:nvSpPr>
-              <p:cNvPr id="19" name="向下箭號 18"/>
-              <p:cNvSpPr/>
-              <p:nvPr/>
-            </p:nvSpPr>
-            <p:spPr>
-              <a:xfrm>
-                <a:off x="5506996" y="1573722"/>
-                <a:ext cx="182323" cy="339952"/>
-              </a:xfrm>
-              <a:prstGeom prst="downArrow">
-                <a:avLst/>
-              </a:prstGeom>
-              <a:solidFill>
-                <a:srgbClr val="C00000"/>
-              </a:solidFill>
-              <a:ln>
-                <a:solidFill>
-                  <a:srgbClr val="C00000"/>
-                </a:solidFill>
-              </a:ln>
-            </p:spPr>
-            <p:style>
-              <a:lnRef idx="2">
-                <a:schemeClr val="accent1">
-                  <a:shade val="50000"/>
-                </a:schemeClr>
-              </a:lnRef>
-              <a:fillRef idx="1">
-                <a:schemeClr val="accent1"/>
-              </a:fillRef>
-              <a:effectRef idx="0">
-                <a:schemeClr val="accent1"/>
-              </a:effectRef>
-              <a:fontRef idx="minor">
-                <a:schemeClr val="lt1"/>
-              </a:fontRef>
-            </p:style>
-            <p:txBody>
-              <a:bodyPr rtlCol="0" anchor="ctr"/>
-              <a:lstStyle/>
-              <a:p>
-                <a:pPr algn="ctr"/>
-                <a:endParaRPr lang="zh-TW" altLang="en-US"/>
-              </a:p>
-            </p:txBody>
-          </p:sp>
-          <p:sp>
-            <p:nvSpPr>
-              <p:cNvPr id="20" name="矩形 19"/>
-              <p:cNvSpPr/>
-              <p:nvPr/>
-            </p:nvSpPr>
-            <p:spPr>
-              <a:xfrm>
-                <a:off x="5193177" y="1941308"/>
-                <a:ext cx="827842" cy="382446"/>
-              </a:xfrm>
-              <a:prstGeom prst="rect">
-                <a:avLst/>
-              </a:prstGeom>
-              <a:solidFill>
-                <a:schemeClr val="bg2">
-                  <a:lumMod val="90000"/>
-                </a:schemeClr>
-              </a:solidFill>
-              <a:ln>
-                <a:solidFill>
-                  <a:schemeClr val="bg2">
-                    <a:lumMod val="90000"/>
-                  </a:schemeClr>
-                </a:solidFill>
-              </a:ln>
-            </p:spPr>
-            <p:style>
-              <a:lnRef idx="2">
-                <a:schemeClr val="accent1">
-                  <a:shade val="50000"/>
-                </a:schemeClr>
-              </a:lnRef>
-              <a:fillRef idx="1">
-                <a:schemeClr val="accent1"/>
-              </a:fillRef>
-              <a:effectRef idx="0">
-                <a:schemeClr val="accent1"/>
-              </a:effectRef>
-              <a:fontRef idx="minor">
-                <a:schemeClr val="lt1"/>
-              </a:fontRef>
-            </p:style>
-            <p:txBody>
-              <a:bodyPr rtlCol="0" anchor="ctr"/>
-              <a:lstStyle/>
-              <a:p>
-                <a:pPr algn="ctr"/>
-                <a:r>
-                  <a:rPr lang="zh-TW" altLang="en-US" sz="1200" b="1" dirty="0" smtClean="0">
-                    <a:solidFill>
-                      <a:schemeClr val="tx1"/>
-                    </a:solidFill>
-                    <a:latin typeface="標楷體" panose="03000509000000000000" pitchFamily="65" charset="-120"/>
-                    <a:ea typeface="標楷體" panose="03000509000000000000" pitchFamily="65" charset="-120"/>
-                  </a:rPr>
-                  <a:t>取消訂</a:t>
-                </a:r>
-                <a:r>
-                  <a:rPr lang="zh-TW" altLang="en-US" sz="1200" b="1" dirty="0">
-                    <a:solidFill>
-                      <a:schemeClr val="tx1"/>
-                    </a:solidFill>
-                    <a:latin typeface="標楷體" panose="03000509000000000000" pitchFamily="65" charset="-120"/>
-                    <a:ea typeface="標楷體" panose="03000509000000000000" pitchFamily="65" charset="-120"/>
-                  </a:rPr>
-                  <a:t>單</a:t>
-                </a:r>
-              </a:p>
-            </p:txBody>
-          </p:sp>
-          <p:sp>
-            <p:nvSpPr>
-              <p:cNvPr id="25" name="向下箭號 24"/>
-              <p:cNvSpPr/>
-              <p:nvPr/>
-            </p:nvSpPr>
-            <p:spPr>
-              <a:xfrm>
-                <a:off x="5502072" y="2351387"/>
-                <a:ext cx="182323" cy="339952"/>
-              </a:xfrm>
-              <a:prstGeom prst="downArrow">
-                <a:avLst/>
-              </a:prstGeom>
-              <a:solidFill>
-                <a:srgbClr val="C00000"/>
-              </a:solidFill>
-              <a:ln>
-                <a:solidFill>
-                  <a:srgbClr val="C00000"/>
-                </a:solidFill>
-              </a:ln>
-            </p:spPr>
-            <p:style>
-              <a:lnRef idx="2">
-                <a:schemeClr val="accent1">
-                  <a:shade val="50000"/>
-                </a:schemeClr>
-              </a:lnRef>
-              <a:fillRef idx="1">
-                <a:schemeClr val="accent1"/>
-              </a:fillRef>
-              <a:effectRef idx="0">
-                <a:schemeClr val="accent1"/>
-              </a:effectRef>
-              <a:fontRef idx="minor">
-                <a:schemeClr val="lt1"/>
-              </a:fontRef>
-            </p:style>
-            <p:txBody>
-              <a:bodyPr rtlCol="0" anchor="ctr"/>
-              <a:lstStyle/>
-              <a:p>
-                <a:pPr algn="ctr"/>
-                <a:endParaRPr lang="zh-TW" altLang="en-US"/>
-              </a:p>
-            </p:txBody>
-          </p:sp>
-          <p:sp>
-            <p:nvSpPr>
-              <p:cNvPr id="26" name="菱形 25"/>
-              <p:cNvSpPr/>
-              <p:nvPr/>
-            </p:nvSpPr>
-            <p:spPr>
-              <a:xfrm>
-                <a:off x="5512862" y="3489427"/>
-                <a:ext cx="167539" cy="157228"/>
-              </a:xfrm>
-              <a:prstGeom prst="diamond">
-                <a:avLst/>
-              </a:prstGeom>
-              <a:solidFill>
-                <a:schemeClr val="accent6">
-                  <a:lumMod val="50000"/>
-                </a:schemeClr>
-              </a:solidFill>
-              <a:ln>
-                <a:solidFill>
-                  <a:schemeClr val="accent6">
-                    <a:lumMod val="50000"/>
-                  </a:schemeClr>
-                </a:solidFill>
-              </a:ln>
-            </p:spPr>
-            <p:style>
-              <a:lnRef idx="2">
-                <a:schemeClr val="accent1">
-                  <a:shade val="50000"/>
-                </a:schemeClr>
-              </a:lnRef>
-              <a:fillRef idx="1">
-                <a:schemeClr val="accent1"/>
-              </a:fillRef>
-              <a:effectRef idx="0">
-                <a:schemeClr val="accent1"/>
-              </a:effectRef>
-              <a:fontRef idx="minor">
-                <a:schemeClr val="lt1"/>
-              </a:fontRef>
-            </p:style>
-            <p:txBody>
-              <a:bodyPr rtlCol="0" anchor="ctr"/>
-              <a:lstStyle/>
-              <a:p>
-                <a:pPr algn="ctr"/>
-                <a:endParaRPr lang="zh-TW" altLang="en-US"/>
-              </a:p>
-            </p:txBody>
-          </p:sp>
-          <p:sp>
-            <p:nvSpPr>
-              <p:cNvPr id="27" name="向下箭號 26"/>
-              <p:cNvSpPr/>
-              <p:nvPr/>
-            </p:nvSpPr>
-            <p:spPr>
-              <a:xfrm>
-                <a:off x="5501161" y="3129052"/>
-                <a:ext cx="182323" cy="339952"/>
-              </a:xfrm>
-              <a:prstGeom prst="downArrow">
-                <a:avLst/>
-              </a:prstGeom>
-              <a:solidFill>
-                <a:srgbClr val="C00000"/>
-              </a:solidFill>
-              <a:ln>
-                <a:solidFill>
-                  <a:srgbClr val="C00000"/>
-                </a:solidFill>
-              </a:ln>
-            </p:spPr>
-            <p:style>
-              <a:lnRef idx="2">
-                <a:schemeClr val="accent1">
-                  <a:shade val="50000"/>
-                </a:schemeClr>
-              </a:lnRef>
-              <a:fillRef idx="1">
-                <a:schemeClr val="accent1"/>
-              </a:fillRef>
-              <a:effectRef idx="0">
-                <a:schemeClr val="accent1"/>
-              </a:effectRef>
-              <a:fontRef idx="minor">
-                <a:schemeClr val="lt1"/>
-              </a:fontRef>
-            </p:style>
-            <p:txBody>
-              <a:bodyPr rtlCol="0" anchor="ctr"/>
-              <a:lstStyle/>
-              <a:p>
-                <a:pPr algn="ctr"/>
-                <a:endParaRPr lang="zh-TW" altLang="en-US"/>
-              </a:p>
-            </p:txBody>
-          </p:sp>
-          <p:sp>
-            <p:nvSpPr>
-              <p:cNvPr id="30" name="矩形 29"/>
-              <p:cNvSpPr/>
-              <p:nvPr/>
-            </p:nvSpPr>
-            <p:spPr>
-              <a:xfrm>
-                <a:off x="5187935" y="2718973"/>
-                <a:ext cx="827842" cy="382446"/>
-              </a:xfrm>
-              <a:prstGeom prst="rect">
-                <a:avLst/>
-              </a:prstGeom>
-              <a:solidFill>
-                <a:schemeClr val="bg2">
-                  <a:lumMod val="90000"/>
-                </a:schemeClr>
-              </a:solidFill>
-              <a:ln>
-                <a:solidFill>
-                  <a:schemeClr val="bg2">
-                    <a:lumMod val="90000"/>
-                  </a:schemeClr>
-                </a:solidFill>
-              </a:ln>
-            </p:spPr>
-            <p:style>
-              <a:lnRef idx="2">
-                <a:schemeClr val="accent1">
-                  <a:shade val="50000"/>
-                </a:schemeClr>
-              </a:lnRef>
-              <a:fillRef idx="1">
-                <a:schemeClr val="accent1"/>
-              </a:fillRef>
-              <a:effectRef idx="0">
-                <a:schemeClr val="accent1"/>
-              </a:effectRef>
-              <a:fontRef idx="minor">
-                <a:schemeClr val="lt1"/>
-              </a:fontRef>
-            </p:style>
-            <p:txBody>
-              <a:bodyPr rtlCol="0" anchor="ctr"/>
-              <a:lstStyle/>
-              <a:p>
-                <a:pPr algn="ctr"/>
-                <a:r>
-                  <a:rPr lang="zh-TW" altLang="en-US" sz="1200" b="1" dirty="0" smtClean="0">
-                    <a:solidFill>
-                      <a:schemeClr val="tx1"/>
-                    </a:solidFill>
-                    <a:latin typeface="標楷體" panose="03000509000000000000" pitchFamily="65" charset="-120"/>
-                    <a:ea typeface="標楷體" panose="03000509000000000000" pitchFamily="65" charset="-120"/>
-                  </a:rPr>
-                  <a:t>匯款</a:t>
-                </a:r>
-                <a:r>
-                  <a:rPr lang="zh-TW" altLang="en-US" sz="1200" b="1" dirty="0">
-                    <a:solidFill>
-                      <a:schemeClr val="tx1"/>
-                    </a:solidFill>
-                    <a:latin typeface="標楷體" panose="03000509000000000000" pitchFamily="65" charset="-120"/>
-                    <a:ea typeface="標楷體" panose="03000509000000000000" pitchFamily="65" charset="-120"/>
-                  </a:rPr>
-                  <a:t>完成</a:t>
-                </a:r>
-              </a:p>
-            </p:txBody>
-          </p:sp>
-          <p:sp>
-            <p:nvSpPr>
-              <p:cNvPr id="31" name="矩形 30"/>
-              <p:cNvSpPr/>
-              <p:nvPr/>
-            </p:nvSpPr>
-            <p:spPr>
-              <a:xfrm>
-                <a:off x="6187436" y="3381019"/>
-                <a:ext cx="827842" cy="382446"/>
-              </a:xfrm>
-              <a:prstGeom prst="rect">
-                <a:avLst/>
-              </a:prstGeom>
-              <a:solidFill>
-                <a:schemeClr val="bg2">
-                  <a:lumMod val="90000"/>
-                </a:schemeClr>
-              </a:solidFill>
-              <a:ln>
-                <a:solidFill>
-                  <a:schemeClr val="bg2">
-                    <a:lumMod val="90000"/>
-                  </a:schemeClr>
-                </a:solidFill>
-              </a:ln>
-            </p:spPr>
-            <p:style>
-              <a:lnRef idx="2">
-                <a:schemeClr val="accent1">
-                  <a:shade val="50000"/>
-                </a:schemeClr>
-              </a:lnRef>
-              <a:fillRef idx="1">
-                <a:schemeClr val="accent1"/>
-              </a:fillRef>
-              <a:effectRef idx="0">
-                <a:schemeClr val="accent1"/>
-              </a:effectRef>
-              <a:fontRef idx="minor">
-                <a:schemeClr val="lt1"/>
-              </a:fontRef>
-            </p:style>
-            <p:txBody>
-              <a:bodyPr rtlCol="0" anchor="ctr"/>
-              <a:lstStyle/>
-              <a:p>
-                <a:pPr algn="ctr"/>
-                <a:r>
-                  <a:rPr lang="zh-TW" altLang="en-US" sz="1200" b="1" dirty="0" smtClean="0">
-                    <a:solidFill>
-                      <a:schemeClr val="tx1"/>
-                    </a:solidFill>
-                    <a:latin typeface="標楷體" panose="03000509000000000000" pitchFamily="65" charset="-120"/>
-                    <a:ea typeface="標楷體" panose="03000509000000000000" pitchFamily="65" charset="-120"/>
-                  </a:rPr>
-                  <a:t>匯款</a:t>
-                </a:r>
-                <a:r>
-                  <a:rPr lang="zh-TW" altLang="en-US" sz="1200" b="1" dirty="0">
-                    <a:solidFill>
-                      <a:schemeClr val="tx1"/>
-                    </a:solidFill>
-                    <a:latin typeface="標楷體" panose="03000509000000000000" pitchFamily="65" charset="-120"/>
-                    <a:ea typeface="標楷體" panose="03000509000000000000" pitchFamily="65" charset="-120"/>
-                  </a:rPr>
-                  <a:t>逾</a:t>
-                </a:r>
-                <a:r>
-                  <a:rPr lang="zh-TW" altLang="en-US" sz="1200" b="1" dirty="0" smtClean="0">
-                    <a:solidFill>
-                      <a:schemeClr val="tx1"/>
-                    </a:solidFill>
-                    <a:latin typeface="標楷體" panose="03000509000000000000" pitchFamily="65" charset="-120"/>
-                    <a:ea typeface="標楷體" panose="03000509000000000000" pitchFamily="65" charset="-120"/>
-                  </a:rPr>
-                  <a:t>時取消訂</a:t>
-                </a:r>
-                <a:r>
-                  <a:rPr lang="zh-TW" altLang="en-US" sz="1200" b="1" dirty="0">
-                    <a:solidFill>
-                      <a:schemeClr val="tx1"/>
-                    </a:solidFill>
-                    <a:latin typeface="標楷體" panose="03000509000000000000" pitchFamily="65" charset="-120"/>
-                    <a:ea typeface="標楷體" panose="03000509000000000000" pitchFamily="65" charset="-120"/>
-                  </a:rPr>
-                  <a:t>單</a:t>
-                </a:r>
-              </a:p>
-            </p:txBody>
-          </p:sp>
-          <p:sp>
-            <p:nvSpPr>
-              <p:cNvPr id="32" name="向下箭號 31"/>
-              <p:cNvSpPr/>
-              <p:nvPr/>
-            </p:nvSpPr>
-            <p:spPr>
-              <a:xfrm>
-                <a:off x="5498587" y="3688710"/>
-                <a:ext cx="182323" cy="339952"/>
-              </a:xfrm>
-              <a:prstGeom prst="downArrow">
-                <a:avLst/>
-              </a:prstGeom>
-              <a:solidFill>
-                <a:srgbClr val="C00000"/>
-              </a:solidFill>
-              <a:ln>
-                <a:solidFill>
-                  <a:srgbClr val="C00000"/>
-                </a:solidFill>
-              </a:ln>
-            </p:spPr>
-            <p:style>
-              <a:lnRef idx="2">
-                <a:schemeClr val="accent1">
-                  <a:shade val="50000"/>
-                </a:schemeClr>
-              </a:lnRef>
-              <a:fillRef idx="1">
-                <a:schemeClr val="accent1"/>
-              </a:fillRef>
-              <a:effectRef idx="0">
-                <a:schemeClr val="accent1"/>
-              </a:effectRef>
-              <a:fontRef idx="minor">
-                <a:schemeClr val="lt1"/>
-              </a:fontRef>
-            </p:style>
-            <p:txBody>
-              <a:bodyPr rtlCol="0" anchor="ctr"/>
-              <a:lstStyle/>
-              <a:p>
-                <a:pPr algn="ctr"/>
-                <a:endParaRPr lang="zh-TW" altLang="en-US"/>
-              </a:p>
-            </p:txBody>
-          </p:sp>
-          <p:sp>
-            <p:nvSpPr>
-              <p:cNvPr id="33" name="矩形 32"/>
-              <p:cNvSpPr/>
-              <p:nvPr/>
-            </p:nvSpPr>
-            <p:spPr>
-              <a:xfrm>
-                <a:off x="5193177" y="4054980"/>
-                <a:ext cx="827842" cy="382446"/>
-              </a:xfrm>
-              <a:prstGeom prst="rect">
-                <a:avLst/>
-              </a:prstGeom>
-              <a:solidFill>
-                <a:schemeClr val="bg2">
-                  <a:lumMod val="90000"/>
-                </a:schemeClr>
-              </a:solidFill>
-              <a:ln>
-                <a:solidFill>
-                  <a:schemeClr val="bg2">
-                    <a:lumMod val="90000"/>
-                  </a:schemeClr>
-                </a:solidFill>
-              </a:ln>
-            </p:spPr>
-            <p:style>
-              <a:lnRef idx="2">
-                <a:schemeClr val="accent1">
-                  <a:shade val="50000"/>
-                </a:schemeClr>
-              </a:lnRef>
-              <a:fillRef idx="1">
-                <a:schemeClr val="accent1"/>
-              </a:fillRef>
-              <a:effectRef idx="0">
-                <a:schemeClr val="accent1"/>
-              </a:effectRef>
-              <a:fontRef idx="minor">
-                <a:schemeClr val="lt1"/>
-              </a:fontRef>
-            </p:style>
-            <p:txBody>
-              <a:bodyPr rtlCol="0" anchor="ctr"/>
-              <a:lstStyle/>
-              <a:p>
-                <a:pPr algn="ctr"/>
-                <a:r>
-                  <a:rPr lang="zh-TW" altLang="en-US" sz="1200" b="1" dirty="0" smtClean="0">
-                    <a:solidFill>
-                      <a:schemeClr val="tx1"/>
-                    </a:solidFill>
-                    <a:latin typeface="標楷體" panose="03000509000000000000" pitchFamily="65" charset="-120"/>
-                    <a:ea typeface="標楷體" panose="03000509000000000000" pitchFamily="65" charset="-120"/>
-                  </a:rPr>
-                  <a:t>匯款完成鎖定庫</a:t>
-                </a:r>
-                <a:r>
-                  <a:rPr lang="zh-TW" altLang="en-US" sz="1200" b="1" dirty="0">
-                    <a:solidFill>
-                      <a:schemeClr val="tx1"/>
-                    </a:solidFill>
-                    <a:latin typeface="標楷體" panose="03000509000000000000" pitchFamily="65" charset="-120"/>
-                    <a:ea typeface="標楷體" panose="03000509000000000000" pitchFamily="65" charset="-120"/>
-                  </a:rPr>
-                  <a:t>存</a:t>
-                </a:r>
-              </a:p>
-            </p:txBody>
-          </p:sp>
-          <p:sp>
-            <p:nvSpPr>
-              <p:cNvPr id="38" name="向下箭號 37"/>
-              <p:cNvSpPr/>
-              <p:nvPr/>
-            </p:nvSpPr>
-            <p:spPr>
-              <a:xfrm>
-                <a:off x="5501422" y="4465040"/>
-                <a:ext cx="182323" cy="339952"/>
-              </a:xfrm>
-              <a:prstGeom prst="downArrow">
-                <a:avLst/>
-              </a:prstGeom>
-              <a:solidFill>
-                <a:srgbClr val="C00000"/>
-              </a:solidFill>
-              <a:ln>
-                <a:solidFill>
-                  <a:srgbClr val="C00000"/>
-                </a:solidFill>
-              </a:ln>
-            </p:spPr>
-            <p:style>
-              <a:lnRef idx="2">
-                <a:schemeClr val="accent1">
-                  <a:shade val="50000"/>
-                </a:schemeClr>
-              </a:lnRef>
-              <a:fillRef idx="1">
-                <a:schemeClr val="accent1"/>
-              </a:fillRef>
-              <a:effectRef idx="0">
-                <a:schemeClr val="accent1"/>
-              </a:effectRef>
-              <a:fontRef idx="minor">
-                <a:schemeClr val="lt1"/>
-              </a:fontRef>
-            </p:style>
-            <p:txBody>
-              <a:bodyPr rtlCol="0" anchor="ctr"/>
-              <a:lstStyle/>
-              <a:p>
-                <a:pPr algn="ctr"/>
-                <a:endParaRPr lang="zh-TW" altLang="en-US"/>
-              </a:p>
-            </p:txBody>
-          </p:sp>
-          <p:sp>
-            <p:nvSpPr>
-              <p:cNvPr id="39" name="矩形 38"/>
-              <p:cNvSpPr/>
-              <p:nvPr/>
-            </p:nvSpPr>
-            <p:spPr>
-              <a:xfrm>
-                <a:off x="5193177" y="4832606"/>
-                <a:ext cx="827842" cy="382446"/>
-              </a:xfrm>
-              <a:prstGeom prst="rect">
-                <a:avLst/>
-              </a:prstGeom>
-              <a:solidFill>
-                <a:schemeClr val="bg2">
-                  <a:lumMod val="90000"/>
-                </a:schemeClr>
-              </a:solidFill>
-              <a:ln>
-                <a:solidFill>
-                  <a:schemeClr val="bg2">
-                    <a:lumMod val="90000"/>
-                  </a:schemeClr>
-                </a:solidFill>
-              </a:ln>
-            </p:spPr>
-            <p:style>
-              <a:lnRef idx="2">
-                <a:schemeClr val="accent1">
-                  <a:shade val="50000"/>
-                </a:schemeClr>
-              </a:lnRef>
-              <a:fillRef idx="1">
-                <a:schemeClr val="accent1"/>
-              </a:fillRef>
-              <a:effectRef idx="0">
-                <a:schemeClr val="accent1"/>
-              </a:effectRef>
-              <a:fontRef idx="minor">
-                <a:schemeClr val="lt1"/>
-              </a:fontRef>
-            </p:style>
-            <p:txBody>
-              <a:bodyPr rtlCol="0" anchor="ctr"/>
-              <a:lstStyle/>
-              <a:p>
-                <a:pPr algn="ctr"/>
-                <a:r>
-                  <a:rPr lang="zh-TW" altLang="en-US" sz="1200" b="1" dirty="0" smtClean="0">
-                    <a:solidFill>
-                      <a:schemeClr val="tx1"/>
-                    </a:solidFill>
-                    <a:latin typeface="標楷體" panose="03000509000000000000" pitchFamily="65" charset="-120"/>
-                    <a:ea typeface="標楷體" panose="03000509000000000000" pitchFamily="65" charset="-120"/>
-                  </a:rPr>
-                  <a:t>發</a:t>
-                </a:r>
-                <a:r>
-                  <a:rPr lang="zh-TW" altLang="en-US" sz="1200" b="1" dirty="0">
-                    <a:solidFill>
-                      <a:schemeClr val="tx1"/>
-                    </a:solidFill>
-                    <a:latin typeface="標楷體" panose="03000509000000000000" pitchFamily="65" charset="-120"/>
-                    <a:ea typeface="標楷體" panose="03000509000000000000" pitchFamily="65" charset="-120"/>
-                  </a:rPr>
-                  <a:t>貨</a:t>
-                </a:r>
-              </a:p>
-            </p:txBody>
-          </p:sp>
-          <p:sp>
-            <p:nvSpPr>
-              <p:cNvPr id="41" name="向下箭號 40"/>
-              <p:cNvSpPr/>
-              <p:nvPr/>
-            </p:nvSpPr>
-            <p:spPr>
-              <a:xfrm>
-                <a:off x="5504536" y="5242666"/>
-                <a:ext cx="182323" cy="339952"/>
-              </a:xfrm>
-              <a:prstGeom prst="downArrow">
-                <a:avLst/>
-              </a:prstGeom>
-              <a:solidFill>
-                <a:srgbClr val="C00000"/>
-              </a:solidFill>
-              <a:ln>
-                <a:solidFill>
-                  <a:srgbClr val="C00000"/>
-                </a:solidFill>
-              </a:ln>
-            </p:spPr>
-            <p:style>
-              <a:lnRef idx="2">
-                <a:schemeClr val="accent1">
-                  <a:shade val="50000"/>
-                </a:schemeClr>
-              </a:lnRef>
-              <a:fillRef idx="1">
-                <a:schemeClr val="accent1"/>
-              </a:fillRef>
-              <a:effectRef idx="0">
-                <a:schemeClr val="accent1"/>
-              </a:effectRef>
-              <a:fontRef idx="minor">
-                <a:schemeClr val="lt1"/>
-              </a:fontRef>
-            </p:style>
-            <p:txBody>
-              <a:bodyPr rtlCol="0" anchor="ctr"/>
-              <a:lstStyle/>
-              <a:p>
-                <a:pPr algn="ctr"/>
-                <a:endParaRPr lang="zh-TW" altLang="en-US"/>
-              </a:p>
-            </p:txBody>
-          </p:sp>
-          <p:sp>
-            <p:nvSpPr>
-              <p:cNvPr id="42" name="向下箭號 41"/>
-              <p:cNvSpPr/>
-              <p:nvPr/>
-            </p:nvSpPr>
-            <p:spPr>
-              <a:xfrm>
-                <a:off x="5516855" y="6020292"/>
-                <a:ext cx="182323" cy="339952"/>
-              </a:xfrm>
-              <a:prstGeom prst="downArrow">
-                <a:avLst/>
-              </a:prstGeom>
-              <a:solidFill>
-                <a:srgbClr val="C00000"/>
-              </a:solidFill>
-              <a:ln>
-                <a:solidFill>
-                  <a:srgbClr val="C00000"/>
-                </a:solidFill>
-              </a:ln>
-            </p:spPr>
-            <p:style>
-              <a:lnRef idx="2">
-                <a:schemeClr val="accent1">
-                  <a:shade val="50000"/>
-                </a:schemeClr>
-              </a:lnRef>
-              <a:fillRef idx="1">
-                <a:schemeClr val="accent1"/>
-              </a:fillRef>
-              <a:effectRef idx="0">
-                <a:schemeClr val="accent1"/>
-              </a:effectRef>
-              <a:fontRef idx="minor">
-                <a:schemeClr val="lt1"/>
-              </a:fontRef>
-            </p:style>
-            <p:txBody>
-              <a:bodyPr rtlCol="0" anchor="ctr"/>
-              <a:lstStyle/>
-              <a:p>
-                <a:pPr algn="ctr"/>
-                <a:endParaRPr lang="zh-TW" altLang="en-US"/>
-              </a:p>
-            </p:txBody>
-          </p:sp>
-          <p:sp>
-            <p:nvSpPr>
-              <p:cNvPr id="45" name="矩形 44"/>
-              <p:cNvSpPr/>
-              <p:nvPr/>
-            </p:nvSpPr>
-            <p:spPr>
-              <a:xfrm>
-                <a:off x="5186953" y="6392181"/>
-                <a:ext cx="827842" cy="382446"/>
-              </a:xfrm>
-              <a:prstGeom prst="rect">
-                <a:avLst/>
-              </a:prstGeom>
-              <a:solidFill>
-                <a:schemeClr val="bg2">
-                  <a:lumMod val="90000"/>
-                </a:schemeClr>
-              </a:solidFill>
-              <a:ln>
-                <a:solidFill>
-                  <a:schemeClr val="bg2">
-                    <a:lumMod val="90000"/>
-                  </a:schemeClr>
-                </a:solidFill>
-              </a:ln>
-            </p:spPr>
-            <p:style>
-              <a:lnRef idx="2">
-                <a:schemeClr val="accent1">
-                  <a:shade val="50000"/>
-                </a:schemeClr>
-              </a:lnRef>
-              <a:fillRef idx="1">
-                <a:schemeClr val="accent1"/>
-              </a:fillRef>
-              <a:effectRef idx="0">
-                <a:schemeClr val="accent1"/>
-              </a:effectRef>
-              <a:fontRef idx="minor">
-                <a:schemeClr val="lt1"/>
-              </a:fontRef>
-            </p:style>
-            <p:txBody>
-              <a:bodyPr rtlCol="0" anchor="ctr"/>
-              <a:lstStyle/>
-              <a:p>
-                <a:pPr algn="ctr"/>
-                <a:r>
-                  <a:rPr lang="zh-TW" altLang="en-US" sz="1200" b="1" dirty="0">
-                    <a:solidFill>
-                      <a:schemeClr val="tx1"/>
-                    </a:solidFill>
-                    <a:latin typeface="標楷體" panose="03000509000000000000" pitchFamily="65" charset="-120"/>
-                    <a:ea typeface="標楷體" panose="03000509000000000000" pitchFamily="65" charset="-120"/>
-                  </a:rPr>
-                  <a:t>結束</a:t>
-                </a:r>
-              </a:p>
-            </p:txBody>
-          </p:sp>
-        </p:grpSp>
-        <p:sp>
-          <p:nvSpPr>
-            <p:cNvPr id="47" name="文字方塊 46"/>
-            <p:cNvSpPr txBox="1"/>
-            <p:nvPr/>
-          </p:nvSpPr>
-          <p:spPr>
-            <a:xfrm>
-              <a:off x="5225141" y="3430450"/>
-              <a:ext cx="397328" cy="227192"/>
-            </a:xfrm>
-            <a:prstGeom prst="rect">
-              <a:avLst/>
-            </a:prstGeom>
-            <a:noFill/>
-          </p:spPr>
-          <p:txBody>
-            <a:bodyPr wrap="none" rtlCol="0">
-              <a:spAutoFit/>
-            </a:bodyPr>
-            <a:lstStyle/>
-            <a:p>
-              <a:r>
-                <a:rPr lang="en-US" altLang="zh-TW" sz="1200" b="1" dirty="0" smtClean="0">
-                  <a:latin typeface="標楷體" panose="03000509000000000000" pitchFamily="65" charset="-120"/>
-                  <a:ea typeface="標楷體" panose="03000509000000000000" pitchFamily="65" charset="-120"/>
-                </a:rPr>
-                <a:t>Yes</a:t>
-              </a:r>
-              <a:endParaRPr lang="zh-TW" altLang="en-US" sz="1200" b="1" dirty="0">
                 <a:latin typeface="標楷體" panose="03000509000000000000" pitchFamily="65" charset="-120"/>
                 <a:ea typeface="標楷體" panose="03000509000000000000" pitchFamily="65" charset="-120"/>
-              </a:endParaRPr>
-            </a:p>
-          </p:txBody>
-        </p:sp>
-        <p:sp>
-          <p:nvSpPr>
-            <p:cNvPr id="48" name="文字方塊 47"/>
-            <p:cNvSpPr txBox="1"/>
-            <p:nvPr/>
-          </p:nvSpPr>
-          <p:spPr>
-            <a:xfrm>
-              <a:off x="5774293" y="3019723"/>
-              <a:ext cx="323749" cy="227192"/>
-            </a:xfrm>
-            <a:prstGeom prst="rect">
-              <a:avLst/>
-            </a:prstGeom>
-            <a:noFill/>
-          </p:spPr>
-          <p:txBody>
-            <a:bodyPr wrap="none" rtlCol="0">
-              <a:spAutoFit/>
-            </a:bodyPr>
-            <a:lstStyle/>
-            <a:p>
-              <a:r>
-                <a:rPr lang="en-US" altLang="zh-TW" sz="1200" b="1" dirty="0" smtClean="0">
-                  <a:latin typeface="標楷體" panose="03000509000000000000" pitchFamily="65" charset="-120"/>
-                  <a:ea typeface="標楷體" panose="03000509000000000000" pitchFamily="65" charset="-120"/>
-                </a:rPr>
-                <a:t>No</a:t>
-              </a:r>
-              <a:endParaRPr lang="zh-TW" altLang="en-US" sz="1200" b="1" dirty="0">
+              </a:rPr>
+              <a:t>1.</a:t>
+            </a:r>
+            <a:r>
+              <a:rPr lang="zh-TW" altLang="zh-TW" sz="1100" b="1" dirty="0" smtClean="0">
+                <a:solidFill>
+                  <a:schemeClr val="tx1"/>
+                </a:solidFill>
                 <a:latin typeface="標楷體" panose="03000509000000000000" pitchFamily="65" charset="-120"/>
                 <a:ea typeface="標楷體" panose="03000509000000000000" pitchFamily="65" charset="-120"/>
-              </a:endParaRPr>
-            </a:p>
-          </p:txBody>
-        </p:sp>
-        <p:sp>
-          <p:nvSpPr>
-            <p:cNvPr id="49" name="文字方塊 48"/>
-            <p:cNvSpPr txBox="1"/>
-            <p:nvPr/>
-          </p:nvSpPr>
-          <p:spPr>
-            <a:xfrm>
-              <a:off x="5690738" y="2107092"/>
-              <a:ext cx="323749" cy="227192"/>
-            </a:xfrm>
-            <a:prstGeom prst="rect">
-              <a:avLst/>
-            </a:prstGeom>
-            <a:noFill/>
-          </p:spPr>
-          <p:txBody>
-            <a:bodyPr wrap="none" rtlCol="0">
-              <a:spAutoFit/>
-            </a:bodyPr>
-            <a:lstStyle/>
-            <a:p>
-              <a:r>
-                <a:rPr lang="en-US" altLang="zh-TW" sz="1200" b="1" dirty="0" smtClean="0">
-                  <a:latin typeface="標楷體" panose="03000509000000000000" pitchFamily="65" charset="-120"/>
-                  <a:ea typeface="標楷體" panose="03000509000000000000" pitchFamily="65" charset="-120"/>
-                </a:rPr>
-                <a:t>No</a:t>
-              </a:r>
-              <a:endParaRPr lang="zh-TW" altLang="en-US" sz="1200" b="1" dirty="0">
+              </a:rPr>
+              <a:t>帳號</a:t>
+            </a:r>
+            <a:endParaRPr lang="en-US" altLang="zh-TW" sz="1100" b="1" dirty="0" smtClean="0">
+              <a:solidFill>
+                <a:schemeClr val="tx1"/>
+              </a:solidFill>
+              <a:latin typeface="標楷體" panose="03000509000000000000" pitchFamily="65" charset="-120"/>
+              <a:ea typeface="標楷體" panose="03000509000000000000" pitchFamily="65" charset="-120"/>
+            </a:endParaRPr>
+          </a:p>
+          <a:p>
+            <a:pPr lvl="0"/>
+            <a:r>
+              <a:rPr lang="en-US" altLang="zh-TW" sz="1100" b="1" dirty="0" smtClean="0">
+                <a:solidFill>
+                  <a:schemeClr val="tx1"/>
+                </a:solidFill>
                 <a:latin typeface="標楷體" panose="03000509000000000000" pitchFamily="65" charset="-120"/>
                 <a:ea typeface="標楷體" panose="03000509000000000000" pitchFamily="65" charset="-120"/>
-              </a:endParaRPr>
-            </a:p>
-          </p:txBody>
-        </p:sp>
-        <p:cxnSp>
-          <p:nvCxnSpPr>
-            <p:cNvPr id="54" name="肘形接點 53"/>
-            <p:cNvCxnSpPr>
-              <a:stCxn id="31" idx="0"/>
-              <a:endCxn id="18" idx="3"/>
-            </p:cNvCxnSpPr>
-            <p:nvPr/>
-          </p:nvCxnSpPr>
-          <p:spPr>
-            <a:xfrm rot="16200000" flipV="1">
-              <a:off x="5360540" y="1840688"/>
-              <a:ext cx="2026154" cy="580338"/>
-            </a:xfrm>
-            <a:prstGeom prst="bentConnector2">
-              <a:avLst/>
-            </a:prstGeom>
-            <a:ln w="38100">
-              <a:solidFill>
-                <a:srgbClr val="C00000"/>
-              </a:solidFill>
-              <a:tailEnd type="triangle"/>
-            </a:ln>
-          </p:spPr>
-          <p:style>
-            <a:lnRef idx="1">
-              <a:schemeClr val="accent1"/>
-            </a:lnRef>
-            <a:fillRef idx="0">
-              <a:schemeClr val="accent1"/>
-            </a:fillRef>
-            <a:effectRef idx="0">
-              <a:schemeClr val="accent1"/>
-            </a:effectRef>
-            <a:fontRef idx="minor">
-              <a:schemeClr val="tx1"/>
-            </a:fontRef>
-          </p:style>
-        </p:cxnSp>
-        <p:cxnSp>
-          <p:nvCxnSpPr>
-            <p:cNvPr id="59" name="肘形接點 58"/>
-            <p:cNvCxnSpPr>
-              <a:stCxn id="20" idx="3"/>
-            </p:cNvCxnSpPr>
-            <p:nvPr/>
-          </p:nvCxnSpPr>
-          <p:spPr>
-            <a:xfrm flipV="1">
-              <a:off x="6083448" y="1111159"/>
-              <a:ext cx="290169" cy="784287"/>
-            </a:xfrm>
-            <a:prstGeom prst="bentConnector2">
-              <a:avLst/>
-            </a:prstGeom>
-            <a:ln w="38100">
-              <a:solidFill>
-                <a:srgbClr val="C00000"/>
-              </a:solidFill>
-              <a:tailEnd type="triangle"/>
-            </a:ln>
-          </p:spPr>
-          <p:style>
-            <a:lnRef idx="1">
-              <a:schemeClr val="accent1"/>
-            </a:lnRef>
-            <a:fillRef idx="0">
-              <a:schemeClr val="accent1"/>
-            </a:fillRef>
-            <a:effectRef idx="0">
-              <a:schemeClr val="accent1"/>
-            </a:effectRef>
-            <a:fontRef idx="minor">
-              <a:schemeClr val="tx1"/>
-            </a:fontRef>
-          </p:style>
-        </p:cxnSp>
-        <p:sp>
-          <p:nvSpPr>
-            <p:cNvPr id="64" name="文字方塊 63"/>
-            <p:cNvSpPr txBox="1"/>
-            <p:nvPr/>
-          </p:nvSpPr>
-          <p:spPr>
-            <a:xfrm>
-              <a:off x="6030402" y="1860253"/>
-              <a:ext cx="396262" cy="261610"/>
-            </a:xfrm>
-            <a:prstGeom prst="rect">
-              <a:avLst/>
-            </a:prstGeom>
-            <a:noFill/>
-          </p:spPr>
-          <p:txBody>
-            <a:bodyPr wrap="none" rtlCol="0">
-              <a:spAutoFit/>
-            </a:bodyPr>
-            <a:lstStyle/>
-            <a:p>
-              <a:r>
-                <a:rPr lang="en-US" altLang="zh-TW" sz="1100" b="1" dirty="0" smtClean="0">
-                  <a:latin typeface="標楷體" panose="03000509000000000000" pitchFamily="65" charset="-120"/>
-                  <a:ea typeface="標楷體" panose="03000509000000000000" pitchFamily="65" charset="-120"/>
-                </a:rPr>
-                <a:t>Yes</a:t>
-              </a:r>
-              <a:endParaRPr lang="zh-TW" altLang="en-US" sz="1100" b="1" dirty="0">
+              </a:rPr>
+              <a:t>2.</a:t>
+            </a:r>
+            <a:r>
+              <a:rPr lang="zh-TW" altLang="zh-TW" sz="1100" b="1" dirty="0" smtClean="0">
+                <a:solidFill>
+                  <a:schemeClr val="tx1"/>
+                </a:solidFill>
                 <a:latin typeface="標楷體" panose="03000509000000000000" pitchFamily="65" charset="-120"/>
                 <a:ea typeface="標楷體" panose="03000509000000000000" pitchFamily="65" charset="-120"/>
-              </a:endParaRPr>
-            </a:p>
-          </p:txBody>
-        </p:sp>
-      </p:grpSp>
+              </a:rPr>
+              <a:t>密碼</a:t>
+            </a:r>
+            <a:endParaRPr lang="en-US" altLang="zh-TW" sz="1100" b="1" dirty="0" smtClean="0">
+              <a:solidFill>
+                <a:schemeClr val="tx1"/>
+              </a:solidFill>
+              <a:latin typeface="標楷體" panose="03000509000000000000" pitchFamily="65" charset="-120"/>
+              <a:ea typeface="標楷體" panose="03000509000000000000" pitchFamily="65" charset="-120"/>
+            </a:endParaRPr>
+          </a:p>
+          <a:p>
+            <a:pPr lvl="0"/>
+            <a:r>
+              <a:rPr lang="en-US" altLang="zh-TW" sz="1100" b="1" dirty="0" smtClean="0">
+                <a:solidFill>
+                  <a:schemeClr val="tx1"/>
+                </a:solidFill>
+                <a:latin typeface="標楷體" panose="03000509000000000000" pitchFamily="65" charset="-120"/>
+                <a:ea typeface="標楷體" panose="03000509000000000000" pitchFamily="65" charset="-120"/>
+              </a:rPr>
+              <a:t>3.</a:t>
+            </a:r>
+            <a:r>
+              <a:rPr lang="zh-TW" altLang="zh-TW" sz="1100" b="1" dirty="0" smtClean="0">
+                <a:solidFill>
+                  <a:schemeClr val="tx1"/>
+                </a:solidFill>
+                <a:latin typeface="標楷體" panose="03000509000000000000" pitchFamily="65" charset="-120"/>
+                <a:ea typeface="標楷體" panose="03000509000000000000" pitchFamily="65" charset="-120"/>
+              </a:rPr>
+              <a:t>姓名</a:t>
+            </a:r>
+            <a:endParaRPr lang="en-US" altLang="zh-TW" sz="1100" b="1" dirty="0" smtClean="0">
+              <a:solidFill>
+                <a:schemeClr val="tx1"/>
+              </a:solidFill>
+              <a:latin typeface="標楷體" panose="03000509000000000000" pitchFamily="65" charset="-120"/>
+              <a:ea typeface="標楷體" panose="03000509000000000000" pitchFamily="65" charset="-120"/>
+            </a:endParaRPr>
+          </a:p>
+          <a:p>
+            <a:pPr lvl="0"/>
+            <a:r>
+              <a:rPr lang="en-US" altLang="zh-TW" sz="1100" b="1" dirty="0" smtClean="0">
+                <a:solidFill>
+                  <a:schemeClr val="tx1"/>
+                </a:solidFill>
+                <a:latin typeface="標楷體" panose="03000509000000000000" pitchFamily="65" charset="-120"/>
+                <a:ea typeface="標楷體" panose="03000509000000000000" pitchFamily="65" charset="-120"/>
+              </a:rPr>
+              <a:t>4.</a:t>
+            </a:r>
+            <a:r>
+              <a:rPr lang="zh-TW" altLang="zh-TW" sz="1100" b="1" dirty="0" smtClean="0">
+                <a:solidFill>
+                  <a:schemeClr val="tx1"/>
+                </a:solidFill>
+                <a:latin typeface="標楷體" panose="03000509000000000000" pitchFamily="65" charset="-120"/>
+                <a:ea typeface="標楷體" panose="03000509000000000000" pitchFamily="65" charset="-120"/>
+              </a:rPr>
+              <a:t>電話</a:t>
+            </a:r>
+            <a:endParaRPr lang="en-US" altLang="zh-TW" sz="1100" b="1" dirty="0" smtClean="0">
+              <a:solidFill>
+                <a:schemeClr val="tx1"/>
+              </a:solidFill>
+              <a:latin typeface="標楷體" panose="03000509000000000000" pitchFamily="65" charset="-120"/>
+              <a:ea typeface="標楷體" panose="03000509000000000000" pitchFamily="65" charset="-120"/>
+            </a:endParaRPr>
+          </a:p>
+          <a:p>
+            <a:pPr lvl="0"/>
+            <a:r>
+              <a:rPr lang="en-US" altLang="zh-TW" sz="1100" b="1" dirty="0" smtClean="0">
+                <a:solidFill>
+                  <a:schemeClr val="tx1"/>
+                </a:solidFill>
+                <a:latin typeface="標楷體" panose="03000509000000000000" pitchFamily="65" charset="-120"/>
+                <a:ea typeface="標楷體" panose="03000509000000000000" pitchFamily="65" charset="-120"/>
+              </a:rPr>
+              <a:t>5.e-mail</a:t>
+            </a:r>
+          </a:p>
+          <a:p>
+            <a:pPr lvl="0"/>
+            <a:r>
+              <a:rPr lang="en-US" altLang="zh-TW" sz="1100" b="1" dirty="0" smtClean="0">
+                <a:solidFill>
+                  <a:schemeClr val="tx1"/>
+                </a:solidFill>
+                <a:latin typeface="標楷體" panose="03000509000000000000" pitchFamily="65" charset="-120"/>
+                <a:ea typeface="標楷體" panose="03000509000000000000" pitchFamily="65" charset="-120"/>
+              </a:rPr>
+              <a:t>6.</a:t>
+            </a:r>
+            <a:r>
+              <a:rPr lang="zh-TW" altLang="zh-TW" sz="1100" b="1" dirty="0" smtClean="0">
+                <a:solidFill>
+                  <a:schemeClr val="tx1"/>
+                </a:solidFill>
+                <a:latin typeface="標楷體" panose="03000509000000000000" pitchFamily="65" charset="-120"/>
+                <a:ea typeface="標楷體" panose="03000509000000000000" pitchFamily="65" charset="-120"/>
+              </a:rPr>
+              <a:t>地址</a:t>
+            </a:r>
+            <a:endParaRPr lang="en-US" altLang="zh-TW" sz="1100" b="1" dirty="0" smtClean="0">
+              <a:solidFill>
+                <a:schemeClr val="tx1"/>
+              </a:solidFill>
+              <a:latin typeface="標楷體" panose="03000509000000000000" pitchFamily="65" charset="-120"/>
+              <a:ea typeface="標楷體" panose="03000509000000000000" pitchFamily="65" charset="-120"/>
+            </a:endParaRPr>
+          </a:p>
+          <a:p>
+            <a:pPr lvl="0"/>
+            <a:r>
+              <a:rPr lang="en-US" altLang="zh-TW" sz="1100" b="1" dirty="0" smtClean="0">
+                <a:solidFill>
+                  <a:schemeClr val="tx1"/>
+                </a:solidFill>
+                <a:latin typeface="標楷體" panose="03000509000000000000" pitchFamily="65" charset="-120"/>
+                <a:ea typeface="標楷體" panose="03000509000000000000" pitchFamily="65" charset="-120"/>
+              </a:rPr>
+              <a:t>7.</a:t>
+            </a:r>
+            <a:r>
+              <a:rPr lang="zh-TW" altLang="zh-TW" sz="1100" b="1" dirty="0" smtClean="0">
+                <a:solidFill>
+                  <a:schemeClr val="tx1"/>
+                </a:solidFill>
+                <a:latin typeface="標楷體" panose="03000509000000000000" pitchFamily="65" charset="-120"/>
+                <a:ea typeface="標楷體" panose="03000509000000000000" pitchFamily="65" charset="-120"/>
+              </a:rPr>
+              <a:t>生日</a:t>
+            </a:r>
+            <a:endParaRPr lang="zh-TW" altLang="zh-TW" sz="1100" b="1" dirty="0">
+              <a:solidFill>
+                <a:schemeClr val="tx1"/>
+              </a:solidFill>
+              <a:latin typeface="標楷體" panose="03000509000000000000" pitchFamily="65" charset="-120"/>
+              <a:ea typeface="標楷體" panose="03000509000000000000" pitchFamily="65" charset="-120"/>
+            </a:endParaRPr>
+          </a:p>
+        </p:txBody>
+      </p:sp>
+      <p:sp>
+        <p:nvSpPr>
+          <p:cNvPr id="52" name="菱形 51"/>
+          <p:cNvSpPr/>
+          <p:nvPr/>
+        </p:nvSpPr>
+        <p:spPr>
+          <a:xfrm>
+            <a:off x="7573317" y="1127476"/>
+            <a:ext cx="365722" cy="316257"/>
+          </a:xfrm>
+          <a:prstGeom prst="diamond">
+            <a:avLst/>
+          </a:prstGeom>
+          <a:solidFill>
+            <a:schemeClr val="accent6">
+              <a:lumMod val="40000"/>
+              <a:lumOff val="60000"/>
+            </a:schemeClr>
+          </a:solidFill>
+          <a:ln>
+            <a:solidFill>
+              <a:schemeClr val="accent6">
+                <a:lumMod val="50000"/>
+              </a:schemeClr>
+            </a:solidFill>
+          </a:ln>
+        </p:spPr>
+        <p:style>
+          <a:lnRef idx="2">
+            <a:schemeClr val="accent1">
+              <a:shade val="50000"/>
+            </a:schemeClr>
+          </a:lnRef>
+          <a:fillRef idx="1">
+            <a:schemeClr val="accent1"/>
+          </a:fillRef>
+          <a:effectRef idx="0">
+            <a:schemeClr val="accent1"/>
+          </a:effectRef>
+          <a:fontRef idx="minor">
+            <a:schemeClr val="lt1"/>
+          </a:fontRef>
+        </p:style>
+        <p:txBody>
+          <a:bodyPr rtlCol="0" anchor="ctr"/>
+          <a:lstStyle/>
+          <a:p>
+            <a:pPr algn="ctr"/>
+            <a:endParaRPr lang="zh-TW" altLang="en-US"/>
+          </a:p>
+        </p:txBody>
+      </p:sp>
+      <p:sp>
+        <p:nvSpPr>
+          <p:cNvPr id="92" name="文字方塊 91"/>
+          <p:cNvSpPr txBox="1"/>
+          <p:nvPr/>
+        </p:nvSpPr>
+        <p:spPr>
+          <a:xfrm>
+            <a:off x="7509956" y="161440"/>
+            <a:ext cx="492443" cy="276999"/>
+          </a:xfrm>
+          <a:prstGeom prst="rect">
+            <a:avLst/>
+          </a:prstGeom>
+          <a:noFill/>
+        </p:spPr>
+        <p:txBody>
+          <a:bodyPr wrap="none" rtlCol="0">
+            <a:spAutoFit/>
+          </a:bodyPr>
+          <a:lstStyle/>
+          <a:p>
+            <a:pPr algn="ctr"/>
+            <a:r>
+              <a:rPr lang="zh-TW" altLang="en-US" sz="1200" b="1" dirty="0" smtClean="0">
+                <a:latin typeface="標楷體" panose="03000509000000000000" pitchFamily="65" charset="-120"/>
+                <a:ea typeface="標楷體" panose="03000509000000000000" pitchFamily="65" charset="-120"/>
+              </a:rPr>
+              <a:t>開</a:t>
+            </a:r>
+            <a:r>
+              <a:rPr lang="zh-TW" altLang="en-US" sz="1200" b="1" dirty="0">
+                <a:latin typeface="標楷體" panose="03000509000000000000" pitchFamily="65" charset="-120"/>
+                <a:ea typeface="標楷體" panose="03000509000000000000" pitchFamily="65" charset="-120"/>
+              </a:rPr>
+              <a:t>始</a:t>
+            </a:r>
+          </a:p>
+        </p:txBody>
+      </p:sp>
+      <p:sp>
+        <p:nvSpPr>
+          <p:cNvPr id="93" name="橢圓 92"/>
+          <p:cNvSpPr/>
+          <p:nvPr/>
+        </p:nvSpPr>
+        <p:spPr>
+          <a:xfrm>
+            <a:off x="7666178" y="438440"/>
+            <a:ext cx="180000" cy="180000"/>
+          </a:xfrm>
+          <a:prstGeom prst="ellipse">
+            <a:avLst/>
+          </a:prstGeom>
+          <a:solidFill>
+            <a:schemeClr val="tx1"/>
+          </a:solidFill>
+          <a:ln>
+            <a:solidFill>
+              <a:schemeClr val="accent6">
+                <a:lumMod val="50000"/>
+              </a:schemeClr>
+            </a:solidFill>
+          </a:ln>
+        </p:spPr>
+        <p:style>
+          <a:lnRef idx="2">
+            <a:schemeClr val="accent1">
+              <a:shade val="50000"/>
+            </a:schemeClr>
+          </a:lnRef>
+          <a:fillRef idx="1">
+            <a:schemeClr val="accent1"/>
+          </a:fillRef>
+          <a:effectRef idx="0">
+            <a:schemeClr val="accent1"/>
+          </a:effectRef>
+          <a:fontRef idx="minor">
+            <a:schemeClr val="lt1"/>
+          </a:fontRef>
+        </p:style>
+        <p:txBody>
+          <a:bodyPr rtlCol="0" anchor="ctr"/>
+          <a:lstStyle/>
+          <a:p>
+            <a:pPr algn="ctr"/>
+            <a:endParaRPr lang="zh-TW" altLang="en-US"/>
+          </a:p>
+        </p:txBody>
+      </p:sp>
+      <p:sp>
+        <p:nvSpPr>
+          <p:cNvPr id="94" name="圓角矩形 93"/>
+          <p:cNvSpPr/>
+          <p:nvPr/>
+        </p:nvSpPr>
+        <p:spPr>
+          <a:xfrm>
+            <a:off x="5962650" y="1661049"/>
+            <a:ext cx="1258687" cy="314107"/>
+          </a:xfrm>
+          <a:prstGeom prst="roundRect">
+            <a:avLst/>
+          </a:prstGeom>
+          <a:solidFill>
+            <a:schemeClr val="bg1">
+              <a:lumMod val="75000"/>
+            </a:schemeClr>
+          </a:solidFill>
+          <a:ln>
+            <a:solidFill>
+              <a:schemeClr val="bg1">
+                <a:lumMod val="75000"/>
+              </a:schemeClr>
+            </a:solidFill>
+          </a:ln>
+        </p:spPr>
+        <p:style>
+          <a:lnRef idx="2">
+            <a:schemeClr val="accent1">
+              <a:shade val="50000"/>
+            </a:schemeClr>
+          </a:lnRef>
+          <a:fillRef idx="1">
+            <a:schemeClr val="accent1"/>
+          </a:fillRef>
+          <a:effectRef idx="0">
+            <a:schemeClr val="accent1"/>
+          </a:effectRef>
+          <a:fontRef idx="minor">
+            <a:schemeClr val="lt1"/>
+          </a:fontRef>
+        </p:style>
+        <p:txBody>
+          <a:bodyPr rtlCol="0" anchor="ctr"/>
+          <a:lstStyle/>
+          <a:p>
+            <a:pPr algn="ctr"/>
+            <a:r>
+              <a:rPr lang="zh-TW" altLang="en-US" sz="1200" b="1" dirty="0" smtClean="0">
+                <a:solidFill>
+                  <a:schemeClr val="tx1"/>
+                </a:solidFill>
+                <a:latin typeface="標楷體" pitchFamily="65" charset="-120"/>
+                <a:ea typeface="標楷體" pitchFamily="65" charset="-120"/>
+              </a:rPr>
+              <a:t>查詢訂單記錄</a:t>
+            </a:r>
+            <a:endParaRPr lang="zh-TW" altLang="en-US" sz="1200" b="1" dirty="0">
+              <a:solidFill>
+                <a:schemeClr val="tx1"/>
+              </a:solidFill>
+              <a:latin typeface="標楷體" pitchFamily="65" charset="-120"/>
+              <a:ea typeface="標楷體" pitchFamily="65" charset="-120"/>
+            </a:endParaRPr>
+          </a:p>
+        </p:txBody>
+      </p:sp>
+      <p:cxnSp>
+        <p:nvCxnSpPr>
+          <p:cNvPr id="105" name="肘形接點 104"/>
+          <p:cNvCxnSpPr>
+            <a:stCxn id="52" idx="1"/>
+            <a:endCxn id="94" idx="0"/>
+          </p:cNvCxnSpPr>
+          <p:nvPr/>
+        </p:nvCxnSpPr>
+        <p:spPr>
+          <a:xfrm rot="10800000" flipV="1">
+            <a:off x="6591995" y="1285605"/>
+            <a:ext cx="981323" cy="375444"/>
+          </a:xfrm>
+          <a:prstGeom prst="bentConnector2">
+            <a:avLst/>
+          </a:prstGeom>
+          <a:ln>
+            <a:solidFill>
+              <a:srgbClr val="C00000"/>
+            </a:solidFill>
+            <a:tailEnd type="arrow"/>
+          </a:ln>
+        </p:spPr>
+        <p:style>
+          <a:lnRef idx="1">
+            <a:schemeClr val="accent1"/>
+          </a:lnRef>
+          <a:fillRef idx="0">
+            <a:schemeClr val="accent1"/>
+          </a:fillRef>
+          <a:effectRef idx="0">
+            <a:schemeClr val="accent1"/>
+          </a:effectRef>
+          <a:fontRef idx="minor">
+            <a:schemeClr val="tx1"/>
+          </a:fontRef>
+        </p:style>
+      </p:cxnSp>
+      <p:cxnSp>
+        <p:nvCxnSpPr>
+          <p:cNvPr id="107" name="肘形接點 106"/>
+          <p:cNvCxnSpPr>
+            <a:stCxn id="52" idx="3"/>
+          </p:cNvCxnSpPr>
+          <p:nvPr/>
+        </p:nvCxnSpPr>
+        <p:spPr>
+          <a:xfrm>
+            <a:off x="7939039" y="1285605"/>
+            <a:ext cx="1088467" cy="483123"/>
+          </a:xfrm>
+          <a:prstGeom prst="bentConnector2">
+            <a:avLst/>
+          </a:prstGeom>
+          <a:ln>
+            <a:solidFill>
+              <a:srgbClr val="C00000"/>
+            </a:solidFill>
+            <a:tailEnd type="arrow"/>
+          </a:ln>
+        </p:spPr>
+        <p:style>
+          <a:lnRef idx="1">
+            <a:schemeClr val="accent1"/>
+          </a:lnRef>
+          <a:fillRef idx="0">
+            <a:schemeClr val="accent1"/>
+          </a:fillRef>
+          <a:effectRef idx="0">
+            <a:schemeClr val="accent1"/>
+          </a:effectRef>
+          <a:fontRef idx="minor">
+            <a:schemeClr val="tx1"/>
+          </a:fontRef>
+        </p:style>
+      </p:cxnSp>
+      <p:sp>
+        <p:nvSpPr>
+          <p:cNvPr id="108" name="文字方塊 107"/>
+          <p:cNvSpPr txBox="1"/>
+          <p:nvPr/>
+        </p:nvSpPr>
+        <p:spPr>
+          <a:xfrm>
+            <a:off x="5865087" y="1231215"/>
+            <a:ext cx="800219" cy="276999"/>
+          </a:xfrm>
+          <a:prstGeom prst="rect">
+            <a:avLst/>
+          </a:prstGeom>
+          <a:noFill/>
+        </p:spPr>
+        <p:txBody>
+          <a:bodyPr wrap="none" rtlCol="0">
+            <a:spAutoFit/>
+          </a:bodyPr>
+          <a:lstStyle/>
+          <a:p>
+            <a:r>
+              <a:rPr lang="en-US" altLang="zh-TW" sz="1200" b="1" dirty="0" smtClean="0">
+                <a:latin typeface="標楷體" panose="03000509000000000000" pitchFamily="65" charset="-120"/>
+                <a:ea typeface="標楷體" panose="03000509000000000000" pitchFamily="65" charset="-120"/>
+              </a:rPr>
+              <a:t>[</a:t>
+            </a:r>
+            <a:r>
+              <a:rPr lang="zh-TW" altLang="en-US" sz="1200" b="1" dirty="0" smtClean="0">
+                <a:latin typeface="標楷體" panose="03000509000000000000" pitchFamily="65" charset="-120"/>
+                <a:ea typeface="標楷體" panose="03000509000000000000" pitchFamily="65" charset="-120"/>
+              </a:rPr>
+              <a:t>使用者</a:t>
+            </a:r>
+            <a:r>
+              <a:rPr lang="en-US" altLang="zh-TW" sz="1200" b="1" dirty="0" smtClean="0">
+                <a:latin typeface="標楷體" panose="03000509000000000000" pitchFamily="65" charset="-120"/>
+                <a:ea typeface="標楷體" panose="03000509000000000000" pitchFamily="65" charset="-120"/>
+              </a:rPr>
+              <a:t>]</a:t>
+            </a:r>
+            <a:endParaRPr lang="zh-TW" altLang="en-US" sz="1200" b="1" dirty="0">
+              <a:latin typeface="標楷體" panose="03000509000000000000" pitchFamily="65" charset="-120"/>
+              <a:ea typeface="標楷體" panose="03000509000000000000" pitchFamily="65" charset="-120"/>
+            </a:endParaRPr>
+          </a:p>
+        </p:txBody>
+      </p:sp>
+      <p:sp>
+        <p:nvSpPr>
+          <p:cNvPr id="109" name="文字方塊 108"/>
+          <p:cNvSpPr txBox="1"/>
+          <p:nvPr/>
+        </p:nvSpPr>
+        <p:spPr>
+          <a:xfrm>
+            <a:off x="9027506" y="1343023"/>
+            <a:ext cx="800219" cy="276999"/>
+          </a:xfrm>
+          <a:prstGeom prst="rect">
+            <a:avLst/>
+          </a:prstGeom>
+          <a:noFill/>
+        </p:spPr>
+        <p:txBody>
+          <a:bodyPr wrap="none" rtlCol="0">
+            <a:spAutoFit/>
+          </a:bodyPr>
+          <a:lstStyle/>
+          <a:p>
+            <a:r>
+              <a:rPr lang="en-US" altLang="zh-TW" sz="1200" b="1" dirty="0" smtClean="0">
+                <a:latin typeface="標楷體" panose="03000509000000000000" pitchFamily="65" charset="-120"/>
+                <a:ea typeface="標楷體" panose="03000509000000000000" pitchFamily="65" charset="-120"/>
+              </a:rPr>
+              <a:t>[</a:t>
+            </a:r>
+            <a:r>
+              <a:rPr lang="zh-TW" altLang="en-US" sz="1200" b="1" dirty="0" smtClean="0">
+                <a:latin typeface="標楷體" panose="03000509000000000000" pitchFamily="65" charset="-120"/>
+                <a:ea typeface="標楷體" panose="03000509000000000000" pitchFamily="65" charset="-120"/>
+              </a:rPr>
+              <a:t>管理者</a:t>
+            </a:r>
+            <a:r>
+              <a:rPr lang="en-US" altLang="zh-TW" sz="1200" b="1" dirty="0" smtClean="0">
+                <a:latin typeface="標楷體" panose="03000509000000000000" pitchFamily="65" charset="-120"/>
+                <a:ea typeface="標楷體" panose="03000509000000000000" pitchFamily="65" charset="-120"/>
+              </a:rPr>
+              <a:t>]</a:t>
+            </a:r>
+            <a:endParaRPr lang="zh-TW" altLang="en-US" sz="1200" b="1" dirty="0">
+              <a:latin typeface="標楷體" panose="03000509000000000000" pitchFamily="65" charset="-120"/>
+              <a:ea typeface="標楷體" panose="03000509000000000000" pitchFamily="65" charset="-120"/>
+            </a:endParaRPr>
+          </a:p>
+        </p:txBody>
+      </p:sp>
+      <p:sp>
+        <p:nvSpPr>
+          <p:cNvPr id="112" name="文字方塊 111"/>
+          <p:cNvSpPr txBox="1"/>
+          <p:nvPr/>
+        </p:nvSpPr>
+        <p:spPr>
+          <a:xfrm>
+            <a:off x="7756178" y="734458"/>
+            <a:ext cx="1454497" cy="276999"/>
+          </a:xfrm>
+          <a:prstGeom prst="rect">
+            <a:avLst/>
+          </a:prstGeom>
+          <a:noFill/>
+        </p:spPr>
+        <p:txBody>
+          <a:bodyPr wrap="square" rtlCol="0">
+            <a:spAutoFit/>
+          </a:bodyPr>
+          <a:lstStyle/>
+          <a:p>
+            <a:r>
+              <a:rPr lang="en-US" altLang="zh-TW" sz="1200" b="1" dirty="0" smtClean="0">
+                <a:latin typeface="標楷體" panose="03000509000000000000" pitchFamily="65" charset="-120"/>
+                <a:ea typeface="標楷體" panose="03000509000000000000" pitchFamily="65" charset="-120"/>
+              </a:rPr>
+              <a:t>[</a:t>
+            </a:r>
+            <a:r>
+              <a:rPr lang="zh-TW" altLang="en-US" sz="1200" b="1" dirty="0" smtClean="0">
+                <a:latin typeface="標楷體" panose="03000509000000000000" pitchFamily="65" charset="-120"/>
+                <a:ea typeface="標楷體" panose="03000509000000000000" pitchFamily="65" charset="-120"/>
+              </a:rPr>
+              <a:t>判斷登入權限</a:t>
+            </a:r>
+            <a:r>
+              <a:rPr lang="en-US" altLang="zh-TW" sz="1200" b="1" dirty="0" smtClean="0">
+                <a:latin typeface="標楷體" panose="03000509000000000000" pitchFamily="65" charset="-120"/>
+                <a:ea typeface="標楷體" panose="03000509000000000000" pitchFamily="65" charset="-120"/>
+              </a:rPr>
+              <a:t>]</a:t>
+            </a:r>
+            <a:endParaRPr lang="zh-TW" altLang="en-US" sz="1200" b="1" dirty="0">
+              <a:latin typeface="標楷體" panose="03000509000000000000" pitchFamily="65" charset="-120"/>
+              <a:ea typeface="標楷體" panose="03000509000000000000" pitchFamily="65" charset="-120"/>
+            </a:endParaRPr>
+          </a:p>
+        </p:txBody>
+      </p:sp>
+      <p:sp>
+        <p:nvSpPr>
+          <p:cNvPr id="115" name="菱形 114"/>
+          <p:cNvSpPr/>
+          <p:nvPr/>
+        </p:nvSpPr>
+        <p:spPr>
+          <a:xfrm>
+            <a:off x="6409132" y="2413665"/>
+            <a:ext cx="365722" cy="316257"/>
+          </a:xfrm>
+          <a:prstGeom prst="diamond">
+            <a:avLst/>
+          </a:prstGeom>
+          <a:solidFill>
+            <a:schemeClr val="accent6">
+              <a:lumMod val="40000"/>
+              <a:lumOff val="60000"/>
+            </a:schemeClr>
+          </a:solidFill>
+          <a:ln>
+            <a:solidFill>
+              <a:schemeClr val="accent6">
+                <a:lumMod val="50000"/>
+              </a:schemeClr>
+            </a:solidFill>
+          </a:ln>
+        </p:spPr>
+        <p:style>
+          <a:lnRef idx="2">
+            <a:schemeClr val="accent1">
+              <a:shade val="50000"/>
+            </a:schemeClr>
+          </a:lnRef>
+          <a:fillRef idx="1">
+            <a:schemeClr val="accent1"/>
+          </a:fillRef>
+          <a:effectRef idx="0">
+            <a:schemeClr val="accent1"/>
+          </a:effectRef>
+          <a:fontRef idx="minor">
+            <a:schemeClr val="lt1"/>
+          </a:fontRef>
+        </p:style>
+        <p:txBody>
+          <a:bodyPr rtlCol="0" anchor="ctr"/>
+          <a:lstStyle/>
+          <a:p>
+            <a:pPr algn="ctr"/>
+            <a:endParaRPr lang="zh-TW" altLang="en-US"/>
+          </a:p>
+        </p:txBody>
+      </p:sp>
+      <p:cxnSp>
+        <p:nvCxnSpPr>
+          <p:cNvPr id="116" name="直線單箭頭接點 115"/>
+          <p:cNvCxnSpPr>
+            <a:stCxn id="94" idx="2"/>
+            <a:endCxn id="115" idx="0"/>
+          </p:cNvCxnSpPr>
+          <p:nvPr/>
+        </p:nvCxnSpPr>
+        <p:spPr>
+          <a:xfrm flipH="1">
+            <a:off x="6591993" y="1975156"/>
+            <a:ext cx="1" cy="438509"/>
+          </a:xfrm>
+          <a:prstGeom prst="straightConnector1">
+            <a:avLst/>
+          </a:prstGeom>
+          <a:ln>
+            <a:solidFill>
+              <a:srgbClr val="C00000"/>
+            </a:solidFill>
+            <a:tailEnd type="arrow"/>
+          </a:ln>
+        </p:spPr>
+        <p:style>
+          <a:lnRef idx="1">
+            <a:schemeClr val="accent1"/>
+          </a:lnRef>
+          <a:fillRef idx="0">
+            <a:schemeClr val="accent1"/>
+          </a:fillRef>
+          <a:effectRef idx="0">
+            <a:schemeClr val="accent1"/>
+          </a:effectRef>
+          <a:fontRef idx="minor">
+            <a:schemeClr val="tx1"/>
+          </a:fontRef>
+        </p:style>
+      </p:cxnSp>
+      <p:sp>
+        <p:nvSpPr>
+          <p:cNvPr id="119" name="文字方塊 118"/>
+          <p:cNvSpPr txBox="1"/>
+          <p:nvPr/>
+        </p:nvSpPr>
+        <p:spPr>
+          <a:xfrm>
+            <a:off x="6608791" y="2025682"/>
+            <a:ext cx="1237387" cy="276999"/>
+          </a:xfrm>
+          <a:prstGeom prst="rect">
+            <a:avLst/>
+          </a:prstGeom>
+          <a:noFill/>
+        </p:spPr>
+        <p:txBody>
+          <a:bodyPr wrap="square" rtlCol="0">
+            <a:spAutoFit/>
+          </a:bodyPr>
+          <a:lstStyle/>
+          <a:p>
+            <a:r>
+              <a:rPr lang="en-US" altLang="zh-TW" sz="1200" b="1" dirty="0" smtClean="0">
+                <a:latin typeface="標楷體" panose="03000509000000000000" pitchFamily="65" charset="-120"/>
+                <a:ea typeface="標楷體" panose="03000509000000000000" pitchFamily="65" charset="-120"/>
+              </a:rPr>
+              <a:t>[</a:t>
+            </a:r>
+            <a:r>
+              <a:rPr lang="zh-TW" altLang="en-US" sz="1200" b="1" dirty="0" smtClean="0">
+                <a:latin typeface="標楷體" panose="03000509000000000000" pitchFamily="65" charset="-120"/>
+                <a:ea typeface="標楷體" panose="03000509000000000000" pitchFamily="65" charset="-120"/>
+              </a:rPr>
+              <a:t>是否取消訂單</a:t>
+            </a:r>
+            <a:r>
+              <a:rPr lang="en-US" altLang="zh-TW" sz="1200" b="1" dirty="0" smtClean="0">
+                <a:latin typeface="標楷體" panose="03000509000000000000" pitchFamily="65" charset="-120"/>
+                <a:ea typeface="標楷體" panose="03000509000000000000" pitchFamily="65" charset="-120"/>
+              </a:rPr>
+              <a:t>]</a:t>
+            </a:r>
+            <a:endParaRPr lang="zh-TW" altLang="en-US" sz="1200" b="1" dirty="0">
+              <a:latin typeface="標楷體" panose="03000509000000000000" pitchFamily="65" charset="-120"/>
+              <a:ea typeface="標楷體" panose="03000509000000000000" pitchFamily="65" charset="-120"/>
+            </a:endParaRPr>
+          </a:p>
+        </p:txBody>
+      </p:sp>
+      <p:cxnSp>
+        <p:nvCxnSpPr>
+          <p:cNvPr id="120" name="肘形接點 119"/>
+          <p:cNvCxnSpPr>
+            <a:stCxn id="115" idx="1"/>
+            <a:endCxn id="94" idx="1"/>
+          </p:cNvCxnSpPr>
+          <p:nvPr/>
+        </p:nvCxnSpPr>
+        <p:spPr>
+          <a:xfrm rot="10800000">
+            <a:off x="5962650" y="1818104"/>
+            <a:ext cx="446482" cy="753691"/>
+          </a:xfrm>
+          <a:prstGeom prst="bentConnector3">
+            <a:avLst>
+              <a:gd name="adj1" fmla="val 151200"/>
+            </a:avLst>
+          </a:prstGeom>
+          <a:ln>
+            <a:solidFill>
+              <a:srgbClr val="C00000"/>
+            </a:solidFill>
+            <a:tailEnd type="arrow"/>
+          </a:ln>
+        </p:spPr>
+        <p:style>
+          <a:lnRef idx="1">
+            <a:schemeClr val="accent1"/>
+          </a:lnRef>
+          <a:fillRef idx="0">
+            <a:schemeClr val="accent1"/>
+          </a:fillRef>
+          <a:effectRef idx="0">
+            <a:schemeClr val="accent1"/>
+          </a:effectRef>
+          <a:fontRef idx="minor">
+            <a:schemeClr val="tx1"/>
+          </a:fontRef>
+        </p:style>
+      </p:cxnSp>
+      <p:sp>
+        <p:nvSpPr>
+          <p:cNvPr id="124" name="文字方塊 123"/>
+          <p:cNvSpPr txBox="1"/>
+          <p:nvPr/>
+        </p:nvSpPr>
+        <p:spPr>
+          <a:xfrm>
+            <a:off x="5947765" y="2276016"/>
+            <a:ext cx="429214" cy="276999"/>
+          </a:xfrm>
+          <a:prstGeom prst="rect">
+            <a:avLst/>
+          </a:prstGeom>
+          <a:noFill/>
+        </p:spPr>
+        <p:txBody>
+          <a:bodyPr wrap="square" rtlCol="0">
+            <a:spAutoFit/>
+          </a:bodyPr>
+          <a:lstStyle/>
+          <a:p>
+            <a:r>
+              <a:rPr lang="en-US" altLang="zh-TW" sz="1200" b="1" dirty="0" smtClean="0">
+                <a:latin typeface="標楷體" panose="03000509000000000000" pitchFamily="65" charset="-120"/>
+                <a:ea typeface="標楷體" panose="03000509000000000000" pitchFamily="65" charset="-120"/>
+              </a:rPr>
+              <a:t>[</a:t>
+            </a:r>
+            <a:r>
+              <a:rPr lang="zh-TW" altLang="en-US" sz="1200" b="1" dirty="0" smtClean="0">
+                <a:latin typeface="標楷體" panose="03000509000000000000" pitchFamily="65" charset="-120"/>
+                <a:ea typeface="標楷體" panose="03000509000000000000" pitchFamily="65" charset="-120"/>
+              </a:rPr>
+              <a:t>是</a:t>
+            </a:r>
+            <a:r>
+              <a:rPr lang="en-US" altLang="zh-TW" sz="1200" b="1" dirty="0" smtClean="0">
+                <a:latin typeface="標楷體" panose="03000509000000000000" pitchFamily="65" charset="-120"/>
+                <a:ea typeface="標楷體" panose="03000509000000000000" pitchFamily="65" charset="-120"/>
+              </a:rPr>
+              <a:t>]</a:t>
+            </a:r>
+            <a:endParaRPr lang="zh-TW" altLang="en-US" sz="1200" b="1" dirty="0">
+              <a:latin typeface="標楷體" panose="03000509000000000000" pitchFamily="65" charset="-120"/>
+              <a:ea typeface="標楷體" panose="03000509000000000000" pitchFamily="65" charset="-120"/>
+            </a:endParaRPr>
+          </a:p>
+        </p:txBody>
+      </p:sp>
+      <p:sp>
+        <p:nvSpPr>
+          <p:cNvPr id="125" name="圓角矩形 124"/>
+          <p:cNvSpPr/>
+          <p:nvPr/>
+        </p:nvSpPr>
+        <p:spPr>
+          <a:xfrm>
+            <a:off x="5962649" y="2978257"/>
+            <a:ext cx="1258687" cy="314107"/>
+          </a:xfrm>
+          <a:prstGeom prst="roundRect">
+            <a:avLst/>
+          </a:prstGeom>
+          <a:solidFill>
+            <a:schemeClr val="bg1">
+              <a:lumMod val="75000"/>
+            </a:schemeClr>
+          </a:solidFill>
+          <a:ln>
+            <a:solidFill>
+              <a:schemeClr val="bg1">
+                <a:lumMod val="75000"/>
+              </a:schemeClr>
+            </a:solidFill>
+          </a:ln>
+        </p:spPr>
+        <p:style>
+          <a:lnRef idx="2">
+            <a:schemeClr val="accent1">
+              <a:shade val="50000"/>
+            </a:schemeClr>
+          </a:lnRef>
+          <a:fillRef idx="1">
+            <a:schemeClr val="accent1"/>
+          </a:fillRef>
+          <a:effectRef idx="0">
+            <a:schemeClr val="accent1"/>
+          </a:effectRef>
+          <a:fontRef idx="minor">
+            <a:schemeClr val="lt1"/>
+          </a:fontRef>
+        </p:style>
+        <p:txBody>
+          <a:bodyPr rtlCol="0" anchor="ctr"/>
+          <a:lstStyle/>
+          <a:p>
+            <a:pPr algn="ctr"/>
+            <a:r>
+              <a:rPr lang="zh-TW" altLang="en-US" sz="1200" b="1" dirty="0" smtClean="0">
+                <a:solidFill>
+                  <a:schemeClr val="tx1"/>
+                </a:solidFill>
+                <a:latin typeface="標楷體" pitchFamily="65" charset="-120"/>
+                <a:ea typeface="標楷體" pitchFamily="65" charset="-120"/>
+              </a:rPr>
+              <a:t>匯款等待</a:t>
+            </a:r>
+            <a:endParaRPr lang="zh-TW" altLang="en-US" sz="1200" b="1" dirty="0">
+              <a:solidFill>
+                <a:schemeClr val="tx1"/>
+              </a:solidFill>
+              <a:latin typeface="標楷體" pitchFamily="65" charset="-120"/>
+              <a:ea typeface="標楷體" pitchFamily="65" charset="-120"/>
+            </a:endParaRPr>
+          </a:p>
+        </p:txBody>
+      </p:sp>
+      <p:cxnSp>
+        <p:nvCxnSpPr>
+          <p:cNvPr id="126" name="直線單箭頭接點 125"/>
+          <p:cNvCxnSpPr>
+            <a:stCxn id="115" idx="2"/>
+            <a:endCxn id="125" idx="0"/>
+          </p:cNvCxnSpPr>
+          <p:nvPr/>
+        </p:nvCxnSpPr>
+        <p:spPr>
+          <a:xfrm>
+            <a:off x="6591993" y="2729922"/>
+            <a:ext cx="0" cy="248335"/>
+          </a:xfrm>
+          <a:prstGeom prst="straightConnector1">
+            <a:avLst/>
+          </a:prstGeom>
+          <a:ln>
+            <a:solidFill>
+              <a:srgbClr val="C00000"/>
+            </a:solidFill>
+            <a:tailEnd type="arrow"/>
+          </a:ln>
+        </p:spPr>
+        <p:style>
+          <a:lnRef idx="1">
+            <a:schemeClr val="accent1"/>
+          </a:lnRef>
+          <a:fillRef idx="0">
+            <a:schemeClr val="accent1"/>
+          </a:fillRef>
+          <a:effectRef idx="0">
+            <a:schemeClr val="accent1"/>
+          </a:effectRef>
+          <a:fontRef idx="minor">
+            <a:schemeClr val="tx1"/>
+          </a:fontRef>
+        </p:style>
+      </p:cxnSp>
+      <p:sp>
+        <p:nvSpPr>
+          <p:cNvPr id="129" name="菱形 128"/>
+          <p:cNvSpPr/>
+          <p:nvPr/>
+        </p:nvSpPr>
+        <p:spPr>
+          <a:xfrm>
+            <a:off x="6409132" y="3634849"/>
+            <a:ext cx="365722" cy="316257"/>
+          </a:xfrm>
+          <a:prstGeom prst="diamond">
+            <a:avLst/>
+          </a:prstGeom>
+          <a:solidFill>
+            <a:schemeClr val="accent6">
+              <a:lumMod val="40000"/>
+              <a:lumOff val="60000"/>
+            </a:schemeClr>
+          </a:solidFill>
+          <a:ln>
+            <a:solidFill>
+              <a:schemeClr val="accent6">
+                <a:lumMod val="50000"/>
+              </a:schemeClr>
+            </a:solidFill>
+          </a:ln>
+        </p:spPr>
+        <p:style>
+          <a:lnRef idx="2">
+            <a:schemeClr val="accent1">
+              <a:shade val="50000"/>
+            </a:schemeClr>
+          </a:lnRef>
+          <a:fillRef idx="1">
+            <a:schemeClr val="accent1"/>
+          </a:fillRef>
+          <a:effectRef idx="0">
+            <a:schemeClr val="accent1"/>
+          </a:effectRef>
+          <a:fontRef idx="minor">
+            <a:schemeClr val="lt1"/>
+          </a:fontRef>
+        </p:style>
+        <p:txBody>
+          <a:bodyPr rtlCol="0" anchor="ctr"/>
+          <a:lstStyle/>
+          <a:p>
+            <a:pPr algn="ctr"/>
+            <a:endParaRPr lang="zh-TW" altLang="en-US"/>
+          </a:p>
+        </p:txBody>
+      </p:sp>
+      <p:cxnSp>
+        <p:nvCxnSpPr>
+          <p:cNvPr id="130" name="直線單箭頭接點 129"/>
+          <p:cNvCxnSpPr>
+            <a:stCxn id="125" idx="2"/>
+            <a:endCxn id="129" idx="0"/>
+          </p:cNvCxnSpPr>
+          <p:nvPr/>
+        </p:nvCxnSpPr>
+        <p:spPr>
+          <a:xfrm>
+            <a:off x="6591993" y="3292364"/>
+            <a:ext cx="0" cy="342485"/>
+          </a:xfrm>
+          <a:prstGeom prst="straightConnector1">
+            <a:avLst/>
+          </a:prstGeom>
+          <a:ln>
+            <a:solidFill>
+              <a:srgbClr val="C00000"/>
+            </a:solidFill>
+            <a:tailEnd type="arrow"/>
+          </a:ln>
+        </p:spPr>
+        <p:style>
+          <a:lnRef idx="1">
+            <a:schemeClr val="accent1"/>
+          </a:lnRef>
+          <a:fillRef idx="0">
+            <a:schemeClr val="accent1"/>
+          </a:fillRef>
+          <a:effectRef idx="0">
+            <a:schemeClr val="accent1"/>
+          </a:effectRef>
+          <a:fontRef idx="minor">
+            <a:schemeClr val="tx1"/>
+          </a:fontRef>
+        </p:style>
+      </p:cxnSp>
+      <p:sp>
+        <p:nvSpPr>
+          <p:cNvPr id="133" name="文字方塊 132"/>
+          <p:cNvSpPr txBox="1"/>
+          <p:nvPr/>
+        </p:nvSpPr>
+        <p:spPr>
+          <a:xfrm>
+            <a:off x="6552583" y="3329033"/>
+            <a:ext cx="1337904" cy="276999"/>
+          </a:xfrm>
+          <a:prstGeom prst="rect">
+            <a:avLst/>
+          </a:prstGeom>
+          <a:noFill/>
+        </p:spPr>
+        <p:txBody>
+          <a:bodyPr wrap="square" rtlCol="0">
+            <a:spAutoFit/>
+          </a:bodyPr>
+          <a:lstStyle/>
+          <a:p>
+            <a:r>
+              <a:rPr lang="en-US" altLang="zh-TW" sz="1200" b="1" dirty="0" smtClean="0">
+                <a:latin typeface="標楷體" panose="03000509000000000000" pitchFamily="65" charset="-120"/>
+                <a:ea typeface="標楷體" panose="03000509000000000000" pitchFamily="65" charset="-120"/>
+              </a:rPr>
+              <a:t>[</a:t>
+            </a:r>
+            <a:r>
+              <a:rPr lang="zh-TW" altLang="en-US" sz="1200" b="1" dirty="0" smtClean="0">
+                <a:latin typeface="標楷體" panose="03000509000000000000" pitchFamily="65" charset="-120"/>
+                <a:ea typeface="標楷體" panose="03000509000000000000" pitchFamily="65" charset="-120"/>
+              </a:rPr>
+              <a:t>是否完成匯款</a:t>
+            </a:r>
+            <a:r>
+              <a:rPr lang="en-US" altLang="zh-TW" sz="1200" b="1" dirty="0" smtClean="0">
+                <a:latin typeface="標楷體" panose="03000509000000000000" pitchFamily="65" charset="-120"/>
+                <a:ea typeface="標楷體" panose="03000509000000000000" pitchFamily="65" charset="-120"/>
+              </a:rPr>
+              <a:t>]</a:t>
+            </a:r>
+            <a:endParaRPr lang="zh-TW" altLang="en-US" sz="1200" b="1" dirty="0">
+              <a:latin typeface="標楷體" panose="03000509000000000000" pitchFamily="65" charset="-120"/>
+              <a:ea typeface="標楷體" panose="03000509000000000000" pitchFamily="65" charset="-120"/>
+            </a:endParaRPr>
+          </a:p>
+        </p:txBody>
+      </p:sp>
+      <p:sp>
+        <p:nvSpPr>
+          <p:cNvPr id="134" name="文字方塊 133"/>
+          <p:cNvSpPr txBox="1"/>
+          <p:nvPr/>
+        </p:nvSpPr>
+        <p:spPr>
+          <a:xfrm>
+            <a:off x="6551641" y="2675163"/>
+            <a:ext cx="492443" cy="276999"/>
+          </a:xfrm>
+          <a:prstGeom prst="rect">
+            <a:avLst/>
+          </a:prstGeom>
+          <a:noFill/>
+        </p:spPr>
+        <p:txBody>
+          <a:bodyPr wrap="none" rtlCol="0">
+            <a:spAutoFit/>
+          </a:bodyPr>
+          <a:lstStyle/>
+          <a:p>
+            <a:r>
+              <a:rPr lang="en-US" altLang="zh-TW" sz="1200" b="1" dirty="0" smtClean="0">
+                <a:latin typeface="標楷體" panose="03000509000000000000" pitchFamily="65" charset="-120"/>
+                <a:ea typeface="標楷體" panose="03000509000000000000" pitchFamily="65" charset="-120"/>
+              </a:rPr>
+              <a:t>[</a:t>
+            </a:r>
+            <a:r>
+              <a:rPr lang="zh-TW" altLang="en-US" sz="1200" b="1" dirty="0">
+                <a:latin typeface="標楷體" panose="03000509000000000000" pitchFamily="65" charset="-120"/>
+                <a:ea typeface="標楷體" panose="03000509000000000000" pitchFamily="65" charset="-120"/>
+              </a:rPr>
+              <a:t>否</a:t>
+            </a:r>
+            <a:r>
+              <a:rPr lang="en-US" altLang="zh-TW" sz="1200" b="1" dirty="0" smtClean="0">
+                <a:latin typeface="標楷體" panose="03000509000000000000" pitchFamily="65" charset="-120"/>
+                <a:ea typeface="標楷體" panose="03000509000000000000" pitchFamily="65" charset="-120"/>
+              </a:rPr>
+              <a:t>]</a:t>
+            </a:r>
+            <a:endParaRPr lang="zh-TW" altLang="en-US" sz="1200" b="1" dirty="0">
+              <a:latin typeface="標楷體" panose="03000509000000000000" pitchFamily="65" charset="-120"/>
+              <a:ea typeface="標楷體" panose="03000509000000000000" pitchFamily="65" charset="-120"/>
+            </a:endParaRPr>
+          </a:p>
+        </p:txBody>
+      </p:sp>
+      <p:sp>
+        <p:nvSpPr>
+          <p:cNvPr id="135" name="圓角矩形 134"/>
+          <p:cNvSpPr/>
+          <p:nvPr/>
+        </p:nvSpPr>
+        <p:spPr>
+          <a:xfrm>
+            <a:off x="7126834" y="4542571"/>
+            <a:ext cx="1258687" cy="314107"/>
+          </a:xfrm>
+          <a:prstGeom prst="roundRect">
+            <a:avLst/>
+          </a:prstGeom>
+          <a:solidFill>
+            <a:schemeClr val="bg1">
+              <a:lumMod val="75000"/>
+            </a:schemeClr>
+          </a:solidFill>
+          <a:ln>
+            <a:solidFill>
+              <a:schemeClr val="bg1">
+                <a:lumMod val="75000"/>
+              </a:schemeClr>
+            </a:solidFill>
+          </a:ln>
+        </p:spPr>
+        <p:style>
+          <a:lnRef idx="2">
+            <a:schemeClr val="accent1">
+              <a:shade val="50000"/>
+            </a:schemeClr>
+          </a:lnRef>
+          <a:fillRef idx="1">
+            <a:schemeClr val="accent1"/>
+          </a:fillRef>
+          <a:effectRef idx="0">
+            <a:schemeClr val="accent1"/>
+          </a:effectRef>
+          <a:fontRef idx="minor">
+            <a:schemeClr val="lt1"/>
+          </a:fontRef>
+        </p:style>
+        <p:txBody>
+          <a:bodyPr rtlCol="0" anchor="ctr"/>
+          <a:lstStyle/>
+          <a:p>
+            <a:pPr algn="ctr"/>
+            <a:r>
+              <a:rPr lang="zh-TW" altLang="en-US" sz="1200" b="1" dirty="0" smtClean="0">
+                <a:solidFill>
+                  <a:schemeClr val="tx1"/>
+                </a:solidFill>
+                <a:latin typeface="標楷體" pitchFamily="65" charset="-120"/>
+                <a:ea typeface="標楷體" pitchFamily="65" charset="-120"/>
+              </a:rPr>
+              <a:t>訂單鎖定</a:t>
+            </a:r>
+            <a:endParaRPr lang="zh-TW" altLang="en-US" sz="1200" b="1" dirty="0">
+              <a:solidFill>
+                <a:schemeClr val="tx1"/>
+              </a:solidFill>
+              <a:latin typeface="標楷體" pitchFamily="65" charset="-120"/>
+              <a:ea typeface="標楷體" pitchFamily="65" charset="-120"/>
+            </a:endParaRPr>
+          </a:p>
+        </p:txBody>
+      </p:sp>
+      <p:sp>
+        <p:nvSpPr>
+          <p:cNvPr id="144" name="文字方塊 143"/>
+          <p:cNvSpPr txBox="1"/>
+          <p:nvPr/>
+        </p:nvSpPr>
+        <p:spPr>
+          <a:xfrm>
+            <a:off x="6544199" y="3931690"/>
+            <a:ext cx="429214" cy="276999"/>
+          </a:xfrm>
+          <a:prstGeom prst="rect">
+            <a:avLst/>
+          </a:prstGeom>
+          <a:noFill/>
+        </p:spPr>
+        <p:txBody>
+          <a:bodyPr wrap="square" rtlCol="0">
+            <a:spAutoFit/>
+          </a:bodyPr>
+          <a:lstStyle/>
+          <a:p>
+            <a:r>
+              <a:rPr lang="en-US" altLang="zh-TW" sz="1200" b="1" dirty="0" smtClean="0">
+                <a:latin typeface="標楷體" panose="03000509000000000000" pitchFamily="65" charset="-120"/>
+                <a:ea typeface="標楷體" panose="03000509000000000000" pitchFamily="65" charset="-120"/>
+              </a:rPr>
+              <a:t>[</a:t>
+            </a:r>
+            <a:r>
+              <a:rPr lang="zh-TW" altLang="en-US" sz="1200" b="1" dirty="0" smtClean="0">
+                <a:latin typeface="標楷體" panose="03000509000000000000" pitchFamily="65" charset="-120"/>
+                <a:ea typeface="標楷體" panose="03000509000000000000" pitchFamily="65" charset="-120"/>
+              </a:rPr>
+              <a:t>是</a:t>
+            </a:r>
+            <a:r>
+              <a:rPr lang="en-US" altLang="zh-TW" sz="1200" b="1" dirty="0" smtClean="0">
+                <a:latin typeface="標楷體" panose="03000509000000000000" pitchFamily="65" charset="-120"/>
+                <a:ea typeface="標楷體" panose="03000509000000000000" pitchFamily="65" charset="-120"/>
+              </a:rPr>
+              <a:t>]</a:t>
+            </a:r>
+            <a:endParaRPr lang="zh-TW" altLang="en-US" sz="1200" b="1" dirty="0">
+              <a:latin typeface="標楷體" panose="03000509000000000000" pitchFamily="65" charset="-120"/>
+              <a:ea typeface="標楷體" panose="03000509000000000000" pitchFamily="65" charset="-120"/>
+            </a:endParaRPr>
+          </a:p>
+        </p:txBody>
+      </p:sp>
+      <p:sp>
+        <p:nvSpPr>
+          <p:cNvPr id="145" name="圓角矩形 144"/>
+          <p:cNvSpPr/>
+          <p:nvPr/>
+        </p:nvSpPr>
+        <p:spPr>
+          <a:xfrm>
+            <a:off x="4528539" y="3634607"/>
+            <a:ext cx="1258687" cy="314107"/>
+          </a:xfrm>
+          <a:prstGeom prst="roundRect">
+            <a:avLst/>
+          </a:prstGeom>
+          <a:solidFill>
+            <a:schemeClr val="bg1">
+              <a:lumMod val="75000"/>
+            </a:schemeClr>
+          </a:solidFill>
+          <a:ln>
+            <a:solidFill>
+              <a:schemeClr val="bg1">
+                <a:lumMod val="75000"/>
+              </a:schemeClr>
+            </a:solidFill>
+          </a:ln>
+        </p:spPr>
+        <p:style>
+          <a:lnRef idx="2">
+            <a:schemeClr val="accent1">
+              <a:shade val="50000"/>
+            </a:schemeClr>
+          </a:lnRef>
+          <a:fillRef idx="1">
+            <a:schemeClr val="accent1"/>
+          </a:fillRef>
+          <a:effectRef idx="0">
+            <a:schemeClr val="accent1"/>
+          </a:effectRef>
+          <a:fontRef idx="minor">
+            <a:schemeClr val="lt1"/>
+          </a:fontRef>
+        </p:style>
+        <p:txBody>
+          <a:bodyPr rtlCol="0" anchor="ctr"/>
+          <a:lstStyle/>
+          <a:p>
+            <a:pPr algn="ctr"/>
+            <a:r>
+              <a:rPr lang="zh-TW" altLang="en-US" sz="1200" b="1" dirty="0" smtClean="0">
+                <a:solidFill>
+                  <a:schemeClr val="tx1"/>
+                </a:solidFill>
+                <a:latin typeface="標楷體" pitchFamily="65" charset="-120"/>
+                <a:ea typeface="標楷體" pitchFamily="65" charset="-120"/>
+              </a:rPr>
+              <a:t>訂單取消</a:t>
+            </a:r>
+            <a:endParaRPr lang="zh-TW" altLang="en-US" sz="1200" b="1" dirty="0">
+              <a:solidFill>
+                <a:schemeClr val="tx1"/>
+              </a:solidFill>
+              <a:latin typeface="標楷體" pitchFamily="65" charset="-120"/>
+              <a:ea typeface="標楷體" pitchFamily="65" charset="-120"/>
+            </a:endParaRPr>
+          </a:p>
+        </p:txBody>
+      </p:sp>
+      <p:cxnSp>
+        <p:nvCxnSpPr>
+          <p:cNvPr id="146" name="直線單箭頭接點 145"/>
+          <p:cNvCxnSpPr>
+            <a:stCxn id="129" idx="1"/>
+            <a:endCxn id="145" idx="3"/>
+          </p:cNvCxnSpPr>
+          <p:nvPr/>
+        </p:nvCxnSpPr>
+        <p:spPr>
+          <a:xfrm flipH="1" flipV="1">
+            <a:off x="5787226" y="3791661"/>
+            <a:ext cx="621906" cy="1317"/>
+          </a:xfrm>
+          <a:prstGeom prst="straightConnector1">
+            <a:avLst/>
+          </a:prstGeom>
+          <a:ln>
+            <a:solidFill>
+              <a:srgbClr val="C00000"/>
+            </a:solidFill>
+            <a:tailEnd type="arrow"/>
+          </a:ln>
+        </p:spPr>
+        <p:style>
+          <a:lnRef idx="1">
+            <a:schemeClr val="accent1"/>
+          </a:lnRef>
+          <a:fillRef idx="0">
+            <a:schemeClr val="accent1"/>
+          </a:fillRef>
+          <a:effectRef idx="0">
+            <a:schemeClr val="accent1"/>
+          </a:effectRef>
+          <a:fontRef idx="minor">
+            <a:schemeClr val="tx1"/>
+          </a:fontRef>
+        </p:style>
+      </p:cxnSp>
+      <p:sp>
+        <p:nvSpPr>
+          <p:cNvPr id="149" name="文字方塊 148"/>
+          <p:cNvSpPr txBox="1"/>
+          <p:nvPr/>
+        </p:nvSpPr>
+        <p:spPr>
+          <a:xfrm>
+            <a:off x="5903220" y="3463606"/>
+            <a:ext cx="492443" cy="276999"/>
+          </a:xfrm>
+          <a:prstGeom prst="rect">
+            <a:avLst/>
+          </a:prstGeom>
+          <a:noFill/>
+        </p:spPr>
+        <p:txBody>
+          <a:bodyPr wrap="none" rtlCol="0">
+            <a:spAutoFit/>
+          </a:bodyPr>
+          <a:lstStyle/>
+          <a:p>
+            <a:r>
+              <a:rPr lang="en-US" altLang="zh-TW" sz="1200" b="1" dirty="0" smtClean="0">
+                <a:latin typeface="標楷體" panose="03000509000000000000" pitchFamily="65" charset="-120"/>
+                <a:ea typeface="標楷體" panose="03000509000000000000" pitchFamily="65" charset="-120"/>
+              </a:rPr>
+              <a:t>[</a:t>
+            </a:r>
+            <a:r>
+              <a:rPr lang="zh-TW" altLang="en-US" sz="1200" b="1" dirty="0">
+                <a:latin typeface="標楷體" panose="03000509000000000000" pitchFamily="65" charset="-120"/>
+                <a:ea typeface="標楷體" panose="03000509000000000000" pitchFamily="65" charset="-120"/>
+              </a:rPr>
+              <a:t>否</a:t>
+            </a:r>
+            <a:r>
+              <a:rPr lang="en-US" altLang="zh-TW" sz="1200" b="1" dirty="0" smtClean="0">
+                <a:latin typeface="標楷體" panose="03000509000000000000" pitchFamily="65" charset="-120"/>
+                <a:ea typeface="標楷體" panose="03000509000000000000" pitchFamily="65" charset="-120"/>
+              </a:rPr>
+              <a:t>]</a:t>
+            </a:r>
+            <a:endParaRPr lang="zh-TW" altLang="en-US" sz="1200" b="1" dirty="0">
+              <a:latin typeface="標楷體" panose="03000509000000000000" pitchFamily="65" charset="-120"/>
+              <a:ea typeface="標楷體" panose="03000509000000000000" pitchFamily="65" charset="-120"/>
+            </a:endParaRPr>
+          </a:p>
+        </p:txBody>
+      </p:sp>
+      <p:cxnSp>
+        <p:nvCxnSpPr>
+          <p:cNvPr id="150" name="肘形接點 149"/>
+          <p:cNvCxnSpPr>
+            <a:stCxn id="145" idx="0"/>
+            <a:endCxn id="94" idx="1"/>
+          </p:cNvCxnSpPr>
+          <p:nvPr/>
+        </p:nvCxnSpPr>
+        <p:spPr>
+          <a:xfrm rot="5400000" flipH="1" flipV="1">
+            <a:off x="4652014" y="2323972"/>
+            <a:ext cx="1816504" cy="804767"/>
+          </a:xfrm>
+          <a:prstGeom prst="bentConnector2">
+            <a:avLst/>
+          </a:prstGeom>
+          <a:ln>
+            <a:solidFill>
+              <a:srgbClr val="C00000"/>
+            </a:solidFill>
+            <a:tailEnd type="arrow"/>
+          </a:ln>
+        </p:spPr>
+        <p:style>
+          <a:lnRef idx="1">
+            <a:schemeClr val="accent1"/>
+          </a:lnRef>
+          <a:fillRef idx="0">
+            <a:schemeClr val="accent1"/>
+          </a:fillRef>
+          <a:effectRef idx="0">
+            <a:schemeClr val="accent1"/>
+          </a:effectRef>
+          <a:fontRef idx="minor">
+            <a:schemeClr val="tx1"/>
+          </a:fontRef>
+        </p:style>
+      </p:cxnSp>
+      <p:sp>
+        <p:nvSpPr>
+          <p:cNvPr id="153" name="圓角矩形 152"/>
+          <p:cNvSpPr/>
+          <p:nvPr/>
+        </p:nvSpPr>
+        <p:spPr>
+          <a:xfrm>
+            <a:off x="7126833" y="5234410"/>
+            <a:ext cx="1258687" cy="314107"/>
+          </a:xfrm>
+          <a:prstGeom prst="roundRect">
+            <a:avLst/>
+          </a:prstGeom>
+          <a:solidFill>
+            <a:schemeClr val="bg1">
+              <a:lumMod val="75000"/>
+            </a:schemeClr>
+          </a:solidFill>
+          <a:ln>
+            <a:solidFill>
+              <a:schemeClr val="bg1">
+                <a:lumMod val="75000"/>
+              </a:schemeClr>
+            </a:solidFill>
+          </a:ln>
+        </p:spPr>
+        <p:style>
+          <a:lnRef idx="2">
+            <a:schemeClr val="accent1">
+              <a:shade val="50000"/>
+            </a:schemeClr>
+          </a:lnRef>
+          <a:fillRef idx="1">
+            <a:schemeClr val="accent1"/>
+          </a:fillRef>
+          <a:effectRef idx="0">
+            <a:schemeClr val="accent1"/>
+          </a:effectRef>
+          <a:fontRef idx="minor">
+            <a:schemeClr val="lt1"/>
+          </a:fontRef>
+        </p:style>
+        <p:txBody>
+          <a:bodyPr rtlCol="0" anchor="ctr"/>
+          <a:lstStyle/>
+          <a:p>
+            <a:pPr algn="ctr"/>
+            <a:r>
+              <a:rPr lang="zh-TW" altLang="en-US" sz="1200" b="1" dirty="0" smtClean="0">
+                <a:solidFill>
+                  <a:schemeClr val="tx1"/>
+                </a:solidFill>
+                <a:latin typeface="標楷體" pitchFamily="65" charset="-120"/>
+                <a:ea typeface="標楷體" pitchFamily="65" charset="-120"/>
+              </a:rPr>
+              <a:t>發貨</a:t>
+            </a:r>
+            <a:endParaRPr lang="zh-TW" altLang="en-US" sz="1200" b="1" dirty="0">
+              <a:solidFill>
+                <a:schemeClr val="tx1"/>
+              </a:solidFill>
+              <a:latin typeface="標楷體" pitchFamily="65" charset="-120"/>
+              <a:ea typeface="標楷體" pitchFamily="65" charset="-120"/>
+            </a:endParaRPr>
+          </a:p>
+        </p:txBody>
+      </p:sp>
+      <p:sp>
+        <p:nvSpPr>
+          <p:cNvPr id="157" name="橢圓 156"/>
+          <p:cNvSpPr/>
+          <p:nvPr/>
+        </p:nvSpPr>
+        <p:spPr>
+          <a:xfrm>
+            <a:off x="7666176" y="6038080"/>
+            <a:ext cx="180000" cy="180000"/>
+          </a:xfrm>
+          <a:prstGeom prst="ellipse">
+            <a:avLst/>
+          </a:prstGeom>
+          <a:solidFill>
+            <a:schemeClr val="tx1"/>
+          </a:solidFill>
+          <a:ln>
+            <a:solidFill>
+              <a:schemeClr val="accent6">
+                <a:lumMod val="50000"/>
+              </a:schemeClr>
+            </a:solidFill>
+          </a:ln>
+        </p:spPr>
+        <p:style>
+          <a:lnRef idx="2">
+            <a:schemeClr val="accent1">
+              <a:shade val="50000"/>
+            </a:schemeClr>
+          </a:lnRef>
+          <a:fillRef idx="1">
+            <a:schemeClr val="accent1"/>
+          </a:fillRef>
+          <a:effectRef idx="0">
+            <a:schemeClr val="accent1"/>
+          </a:effectRef>
+          <a:fontRef idx="minor">
+            <a:schemeClr val="lt1"/>
+          </a:fontRef>
+        </p:style>
+        <p:txBody>
+          <a:bodyPr rtlCol="0" anchor="ctr"/>
+          <a:lstStyle/>
+          <a:p>
+            <a:pPr algn="ctr"/>
+            <a:endParaRPr lang="zh-TW" altLang="en-US"/>
+          </a:p>
+        </p:txBody>
+      </p:sp>
+      <p:sp>
+        <p:nvSpPr>
+          <p:cNvPr id="158" name="橢圓 157"/>
+          <p:cNvSpPr/>
+          <p:nvPr/>
+        </p:nvSpPr>
+        <p:spPr>
+          <a:xfrm>
+            <a:off x="7612178" y="5986834"/>
+            <a:ext cx="288000" cy="288000"/>
+          </a:xfrm>
+          <a:prstGeom prst="ellipse">
+            <a:avLst/>
+          </a:prstGeom>
+          <a:noFill/>
+          <a:ln>
+            <a:solidFill>
+              <a:schemeClr val="tx1"/>
+            </a:solidFill>
+          </a:ln>
+        </p:spPr>
+        <p:style>
+          <a:lnRef idx="2">
+            <a:schemeClr val="accent1">
+              <a:shade val="50000"/>
+            </a:schemeClr>
+          </a:lnRef>
+          <a:fillRef idx="1">
+            <a:schemeClr val="accent1"/>
+          </a:fillRef>
+          <a:effectRef idx="0">
+            <a:schemeClr val="accent1"/>
+          </a:effectRef>
+          <a:fontRef idx="minor">
+            <a:schemeClr val="lt1"/>
+          </a:fontRef>
+        </p:style>
+        <p:txBody>
+          <a:bodyPr rtlCol="0" anchor="ctr"/>
+          <a:lstStyle/>
+          <a:p>
+            <a:pPr algn="ctr"/>
+            <a:endParaRPr lang="zh-TW" altLang="en-US"/>
+          </a:p>
+        </p:txBody>
+      </p:sp>
+      <p:cxnSp>
+        <p:nvCxnSpPr>
+          <p:cNvPr id="159" name="直線單箭頭接點 158"/>
+          <p:cNvCxnSpPr>
+            <a:stCxn id="153" idx="2"/>
+            <a:endCxn id="158" idx="0"/>
+          </p:cNvCxnSpPr>
+          <p:nvPr/>
+        </p:nvCxnSpPr>
+        <p:spPr>
+          <a:xfrm>
+            <a:off x="7756177" y="5548517"/>
+            <a:ext cx="1" cy="438317"/>
+          </a:xfrm>
+          <a:prstGeom prst="straightConnector1">
+            <a:avLst/>
+          </a:prstGeom>
+          <a:ln>
+            <a:solidFill>
+              <a:srgbClr val="C00000"/>
+            </a:solidFill>
+            <a:tailEnd type="arrow"/>
+          </a:ln>
+        </p:spPr>
+        <p:style>
+          <a:lnRef idx="1">
+            <a:schemeClr val="accent1"/>
+          </a:lnRef>
+          <a:fillRef idx="0">
+            <a:schemeClr val="accent1"/>
+          </a:fillRef>
+          <a:effectRef idx="0">
+            <a:schemeClr val="accent1"/>
+          </a:effectRef>
+          <a:fontRef idx="minor">
+            <a:schemeClr val="tx1"/>
+          </a:fontRef>
+        </p:style>
+      </p:cxnSp>
+      <p:sp>
+        <p:nvSpPr>
+          <p:cNvPr id="162" name="文字方塊 161"/>
+          <p:cNvSpPr txBox="1"/>
+          <p:nvPr/>
+        </p:nvSpPr>
+        <p:spPr>
+          <a:xfrm>
+            <a:off x="7509952" y="6333753"/>
+            <a:ext cx="492444" cy="276999"/>
+          </a:xfrm>
+          <a:prstGeom prst="rect">
+            <a:avLst/>
+          </a:prstGeom>
+          <a:noFill/>
+        </p:spPr>
+        <p:txBody>
+          <a:bodyPr wrap="none" rtlCol="0">
+            <a:spAutoFit/>
+          </a:bodyPr>
+          <a:lstStyle/>
+          <a:p>
+            <a:pPr algn="ctr"/>
+            <a:r>
+              <a:rPr lang="zh-TW" altLang="en-US" sz="1200" b="1" dirty="0" smtClean="0">
+                <a:latin typeface="標楷體" panose="03000509000000000000" pitchFamily="65" charset="-120"/>
+                <a:ea typeface="標楷體" panose="03000509000000000000" pitchFamily="65" charset="-120"/>
+              </a:rPr>
+              <a:t>結束</a:t>
+            </a:r>
+            <a:endParaRPr lang="zh-TW" altLang="en-US" sz="1200" b="1" dirty="0">
+              <a:latin typeface="標楷體" panose="03000509000000000000" pitchFamily="65" charset="-120"/>
+              <a:ea typeface="標楷體" panose="03000509000000000000" pitchFamily="65" charset="-120"/>
+            </a:endParaRPr>
+          </a:p>
+        </p:txBody>
+      </p:sp>
+      <p:sp>
+        <p:nvSpPr>
+          <p:cNvPr id="163" name="圓角矩形 162"/>
+          <p:cNvSpPr/>
+          <p:nvPr/>
+        </p:nvSpPr>
+        <p:spPr>
+          <a:xfrm>
+            <a:off x="8385520" y="1768728"/>
+            <a:ext cx="1258687" cy="314107"/>
+          </a:xfrm>
+          <a:prstGeom prst="roundRect">
+            <a:avLst/>
+          </a:prstGeom>
+          <a:solidFill>
+            <a:schemeClr val="bg1">
+              <a:lumMod val="75000"/>
+            </a:schemeClr>
+          </a:solidFill>
+          <a:ln>
+            <a:solidFill>
+              <a:schemeClr val="bg1">
+                <a:lumMod val="75000"/>
+              </a:schemeClr>
+            </a:solidFill>
+          </a:ln>
+        </p:spPr>
+        <p:style>
+          <a:lnRef idx="2">
+            <a:schemeClr val="accent1">
+              <a:shade val="50000"/>
+            </a:schemeClr>
+          </a:lnRef>
+          <a:fillRef idx="1">
+            <a:schemeClr val="accent1"/>
+          </a:fillRef>
+          <a:effectRef idx="0">
+            <a:schemeClr val="accent1"/>
+          </a:effectRef>
+          <a:fontRef idx="minor">
+            <a:schemeClr val="lt1"/>
+          </a:fontRef>
+        </p:style>
+        <p:txBody>
+          <a:bodyPr rtlCol="0" anchor="ctr"/>
+          <a:lstStyle/>
+          <a:p>
+            <a:pPr algn="ctr"/>
+            <a:r>
+              <a:rPr lang="zh-TW" altLang="en-US" sz="1200" b="1" dirty="0" smtClean="0">
+                <a:solidFill>
+                  <a:schemeClr val="tx1"/>
+                </a:solidFill>
+                <a:latin typeface="標楷體" pitchFamily="65" charset="-120"/>
+                <a:ea typeface="標楷體" pitchFamily="65" charset="-120"/>
+              </a:rPr>
+              <a:t>查詢訂單記錄</a:t>
+            </a:r>
+            <a:endParaRPr lang="zh-TW" altLang="en-US" sz="1200" b="1" dirty="0">
+              <a:solidFill>
+                <a:schemeClr val="tx1"/>
+              </a:solidFill>
+              <a:latin typeface="標楷體" pitchFamily="65" charset="-120"/>
+              <a:ea typeface="標楷體" pitchFamily="65" charset="-120"/>
+            </a:endParaRPr>
+          </a:p>
+        </p:txBody>
+      </p:sp>
+      <p:cxnSp>
+        <p:nvCxnSpPr>
+          <p:cNvPr id="164" name="直線單箭頭接點 163"/>
+          <p:cNvCxnSpPr>
+            <a:stCxn id="135" idx="2"/>
+            <a:endCxn id="153" idx="0"/>
+          </p:cNvCxnSpPr>
+          <p:nvPr/>
+        </p:nvCxnSpPr>
+        <p:spPr>
+          <a:xfrm flipH="1">
+            <a:off x="7756177" y="4856678"/>
+            <a:ext cx="1" cy="377732"/>
+          </a:xfrm>
+          <a:prstGeom prst="straightConnector1">
+            <a:avLst/>
+          </a:prstGeom>
+          <a:ln>
+            <a:solidFill>
+              <a:srgbClr val="C00000"/>
+            </a:solidFill>
+            <a:tailEnd type="arrow"/>
+          </a:ln>
+        </p:spPr>
+        <p:style>
+          <a:lnRef idx="1">
+            <a:schemeClr val="accent1"/>
+          </a:lnRef>
+          <a:fillRef idx="0">
+            <a:schemeClr val="accent1"/>
+          </a:fillRef>
+          <a:effectRef idx="0">
+            <a:schemeClr val="accent1"/>
+          </a:effectRef>
+          <a:fontRef idx="minor">
+            <a:schemeClr val="tx1"/>
+          </a:fontRef>
+        </p:style>
+      </p:cxnSp>
+      <p:cxnSp>
+        <p:nvCxnSpPr>
+          <p:cNvPr id="167" name="肘形接點 166"/>
+          <p:cNvCxnSpPr>
+            <a:stCxn id="129" idx="2"/>
+            <a:endCxn id="135" idx="0"/>
+          </p:cNvCxnSpPr>
+          <p:nvPr/>
+        </p:nvCxnSpPr>
+        <p:spPr>
+          <a:xfrm rot="16200000" flipH="1">
+            <a:off x="6878353" y="3664745"/>
+            <a:ext cx="591465" cy="1164185"/>
+          </a:xfrm>
+          <a:prstGeom prst="bentConnector3">
+            <a:avLst>
+              <a:gd name="adj1" fmla="val 50000"/>
+            </a:avLst>
+          </a:prstGeom>
+          <a:ln>
+            <a:solidFill>
+              <a:srgbClr val="C00000"/>
+            </a:solidFill>
+            <a:tailEnd type="arrow"/>
+          </a:ln>
+        </p:spPr>
+        <p:style>
+          <a:lnRef idx="1">
+            <a:schemeClr val="accent1"/>
+          </a:lnRef>
+          <a:fillRef idx="0">
+            <a:schemeClr val="accent1"/>
+          </a:fillRef>
+          <a:effectRef idx="0">
+            <a:schemeClr val="accent1"/>
+          </a:effectRef>
+          <a:fontRef idx="minor">
+            <a:schemeClr val="tx1"/>
+          </a:fontRef>
+        </p:style>
+      </p:cxnSp>
+      <p:sp>
+        <p:nvSpPr>
+          <p:cNvPr id="170" name="菱形 169"/>
+          <p:cNvSpPr/>
+          <p:nvPr/>
+        </p:nvSpPr>
+        <p:spPr>
+          <a:xfrm>
+            <a:off x="8832002" y="2423190"/>
+            <a:ext cx="365722" cy="316257"/>
+          </a:xfrm>
+          <a:prstGeom prst="diamond">
+            <a:avLst/>
+          </a:prstGeom>
+          <a:solidFill>
+            <a:schemeClr val="accent6">
+              <a:lumMod val="40000"/>
+              <a:lumOff val="60000"/>
+            </a:schemeClr>
+          </a:solidFill>
+          <a:ln>
+            <a:solidFill>
+              <a:schemeClr val="accent6">
+                <a:lumMod val="50000"/>
+              </a:schemeClr>
+            </a:solidFill>
+          </a:ln>
+        </p:spPr>
+        <p:style>
+          <a:lnRef idx="2">
+            <a:schemeClr val="accent1">
+              <a:shade val="50000"/>
+            </a:schemeClr>
+          </a:lnRef>
+          <a:fillRef idx="1">
+            <a:schemeClr val="accent1"/>
+          </a:fillRef>
+          <a:effectRef idx="0">
+            <a:schemeClr val="accent1"/>
+          </a:effectRef>
+          <a:fontRef idx="minor">
+            <a:schemeClr val="lt1"/>
+          </a:fontRef>
+        </p:style>
+        <p:txBody>
+          <a:bodyPr rtlCol="0" anchor="ctr"/>
+          <a:lstStyle/>
+          <a:p>
+            <a:pPr algn="ctr"/>
+            <a:endParaRPr lang="zh-TW" altLang="en-US"/>
+          </a:p>
+        </p:txBody>
+      </p:sp>
+      <p:cxnSp>
+        <p:nvCxnSpPr>
+          <p:cNvPr id="171" name="直線單箭頭接點 170"/>
+          <p:cNvCxnSpPr>
+            <a:stCxn id="163" idx="2"/>
+            <a:endCxn id="170" idx="0"/>
+          </p:cNvCxnSpPr>
+          <p:nvPr/>
+        </p:nvCxnSpPr>
+        <p:spPr>
+          <a:xfrm flipH="1">
+            <a:off x="9014863" y="2082835"/>
+            <a:ext cx="1" cy="340355"/>
+          </a:xfrm>
+          <a:prstGeom prst="straightConnector1">
+            <a:avLst/>
+          </a:prstGeom>
+          <a:ln>
+            <a:solidFill>
+              <a:srgbClr val="C00000"/>
+            </a:solidFill>
+            <a:tailEnd type="arrow"/>
+          </a:ln>
+        </p:spPr>
+        <p:style>
+          <a:lnRef idx="1">
+            <a:schemeClr val="accent1"/>
+          </a:lnRef>
+          <a:fillRef idx="0">
+            <a:schemeClr val="accent1"/>
+          </a:fillRef>
+          <a:effectRef idx="0">
+            <a:schemeClr val="accent1"/>
+          </a:effectRef>
+          <a:fontRef idx="minor">
+            <a:schemeClr val="tx1"/>
+          </a:fontRef>
+        </p:style>
+      </p:cxnSp>
     </p:spTree>
     <p:extLst>
       <p:ext uri="{BB962C8B-B14F-4D97-AF65-F5344CB8AC3E}">
@@ -5510,7 +5803,7 @@
   <a:extraClrSchemeLst/>
   <a:extLst>
     <a:ext uri="{05A4C25C-085E-4340-85A3-A5531E510DB2}">
-      <thm15:themeFamily xmlns="" xmlns:thm15="http://schemas.microsoft.com/office/thememl/2012/main" name="Office Theme" id="{62F939B6-93AF-4DB8-9C6B-D6C7DFDC589F}" vid="{4A3C46E8-61CC-4603-A589-7422A47A8E4A}"/>
+      <thm15:themeFamily xmlns:thm15="http://schemas.microsoft.com/office/thememl/2012/main" xmlns="" name="Office Theme" id="{62F939B6-93AF-4DB8-9C6B-D6C7DFDC589F}" vid="{4A3C46E8-61CC-4603-A589-7422A47A8E4A}"/>
     </a:ext>
   </a:extLst>
 </a:theme>

--- a/02_活動圖/活動圖_訂單管理.pptx
+++ b/02_活動圖/活動圖_訂單管理.pptx
@@ -107,7 +107,18 @@
   </p:defaultTextStyle>
   <p:extLst>
     <p:ext uri="{EFAFB233-063F-42B5-8137-9DF3F51BA10A}">
-      <p15:sldGuideLst xmlns:p15="http://schemas.microsoft.com/office/powerpoint/2012/main" xmlns=""/>
+      <p15:sldGuideLst xmlns:p15="http://schemas.microsoft.com/office/powerpoint/2012/main">
+        <p15:guide id="1" orient="horz" pos="2160">
+          <p15:clr>
+            <a:srgbClr val="A4A3A4"/>
+          </p15:clr>
+        </p15:guide>
+        <p15:guide id="2" pos="3840">
+          <p15:clr>
+            <a:srgbClr val="A4A3A4"/>
+          </p15:clr>
+        </p15:guide>
+      </p15:sldGuideLst>
     </p:ext>
   </p:extLst>
 </p:presentation>
@@ -155,10 +166,9 @@
           </a:lstStyle>
           <a:p>
             <a:r>
-              <a:rPr lang="zh-TW" altLang="en-US" smtClean="0"/>
+              <a:rPr lang="zh-TW" altLang="en-US"/>
               <a:t>按一下以編輯母片標題樣式</a:t>
             </a:r>
-            <a:endParaRPr lang="zh-TW" altLang="en-US"/>
           </a:p>
         </p:txBody>
       </p:sp>
@@ -220,10 +230,9 @@
           </a:lstStyle>
           <a:p>
             <a:r>
-              <a:rPr lang="zh-TW" altLang="en-US" smtClean="0"/>
+              <a:rPr lang="zh-TW" altLang="en-US"/>
               <a:t>按一下以編輯母片副標題樣式</a:t>
             </a:r>
-            <a:endParaRPr lang="zh-TW" altLang="en-US"/>
           </a:p>
         </p:txBody>
       </p:sp>
@@ -244,7 +253,7 @@
           <a:p>
             <a:fld id="{974EEC73-651C-4AB6-AB26-3342BCB710E8}" type="datetimeFigureOut">
               <a:rPr lang="zh-TW" altLang="en-US" smtClean="0"/>
-              <a:t>2021/1/15</a:t>
+              <a:t>2021/1/16</a:t>
             </a:fld>
             <a:endParaRPr lang="zh-TW" altLang="en-US"/>
           </a:p>
@@ -338,10 +347,9 @@
           <a:lstStyle/>
           <a:p>
             <a:r>
-              <a:rPr lang="zh-TW" altLang="en-US" smtClean="0"/>
+              <a:rPr lang="zh-TW" altLang="en-US"/>
               <a:t>按一下以編輯母片標題樣式</a:t>
             </a:r>
-            <a:endParaRPr lang="zh-TW" altLang="en-US"/>
           </a:p>
         </p:txBody>
       </p:sp>
@@ -362,38 +370,37 @@
           <a:p>
             <a:pPr lvl="0"/>
             <a:r>
-              <a:rPr lang="zh-TW" altLang="en-US" smtClean="0"/>
+              <a:rPr lang="zh-TW" altLang="en-US"/>
               <a:t>編輯母片文字樣式</a:t>
             </a:r>
           </a:p>
           <a:p>
             <a:pPr lvl="1"/>
             <a:r>
-              <a:rPr lang="zh-TW" altLang="en-US" smtClean="0"/>
+              <a:rPr lang="zh-TW" altLang="en-US"/>
               <a:t>第二層</a:t>
             </a:r>
           </a:p>
           <a:p>
             <a:pPr lvl="2"/>
             <a:r>
-              <a:rPr lang="zh-TW" altLang="en-US" smtClean="0"/>
+              <a:rPr lang="zh-TW" altLang="en-US"/>
               <a:t>第三層</a:t>
             </a:r>
           </a:p>
           <a:p>
             <a:pPr lvl="3"/>
             <a:r>
-              <a:rPr lang="zh-TW" altLang="en-US" smtClean="0"/>
+              <a:rPr lang="zh-TW" altLang="en-US"/>
               <a:t>第四層</a:t>
             </a:r>
           </a:p>
           <a:p>
             <a:pPr lvl="4"/>
             <a:r>
-              <a:rPr lang="zh-TW" altLang="en-US" smtClean="0"/>
+              <a:rPr lang="zh-TW" altLang="en-US"/>
               <a:t>第五層</a:t>
             </a:r>
-            <a:endParaRPr lang="zh-TW" altLang="en-US"/>
           </a:p>
         </p:txBody>
       </p:sp>
@@ -414,7 +421,7 @@
           <a:p>
             <a:fld id="{974EEC73-651C-4AB6-AB26-3342BCB710E8}" type="datetimeFigureOut">
               <a:rPr lang="zh-TW" altLang="en-US" smtClean="0"/>
-              <a:t>2021/1/15</a:t>
+              <a:t>2021/1/16</a:t>
             </a:fld>
             <a:endParaRPr lang="zh-TW" altLang="en-US"/>
           </a:p>
@@ -513,10 +520,9 @@
           <a:lstStyle/>
           <a:p>
             <a:r>
-              <a:rPr lang="zh-TW" altLang="en-US" smtClean="0"/>
+              <a:rPr lang="zh-TW" altLang="en-US"/>
               <a:t>按一下以編輯母片標題樣式</a:t>
             </a:r>
-            <a:endParaRPr lang="zh-TW" altLang="en-US"/>
           </a:p>
         </p:txBody>
       </p:sp>
@@ -542,38 +548,37 @@
           <a:p>
             <a:pPr lvl="0"/>
             <a:r>
-              <a:rPr lang="zh-TW" altLang="en-US" smtClean="0"/>
+              <a:rPr lang="zh-TW" altLang="en-US"/>
               <a:t>編輯母片文字樣式</a:t>
             </a:r>
           </a:p>
           <a:p>
             <a:pPr lvl="1"/>
             <a:r>
-              <a:rPr lang="zh-TW" altLang="en-US" smtClean="0"/>
+              <a:rPr lang="zh-TW" altLang="en-US"/>
               <a:t>第二層</a:t>
             </a:r>
           </a:p>
           <a:p>
             <a:pPr lvl="2"/>
             <a:r>
-              <a:rPr lang="zh-TW" altLang="en-US" smtClean="0"/>
+              <a:rPr lang="zh-TW" altLang="en-US"/>
               <a:t>第三層</a:t>
             </a:r>
           </a:p>
           <a:p>
             <a:pPr lvl="3"/>
             <a:r>
-              <a:rPr lang="zh-TW" altLang="en-US" smtClean="0"/>
+              <a:rPr lang="zh-TW" altLang="en-US"/>
               <a:t>第四層</a:t>
             </a:r>
           </a:p>
           <a:p>
             <a:pPr lvl="4"/>
             <a:r>
-              <a:rPr lang="zh-TW" altLang="en-US" smtClean="0"/>
+              <a:rPr lang="zh-TW" altLang="en-US"/>
               <a:t>第五層</a:t>
             </a:r>
-            <a:endParaRPr lang="zh-TW" altLang="en-US"/>
           </a:p>
         </p:txBody>
       </p:sp>
@@ -594,7 +599,7 @@
           <a:p>
             <a:fld id="{974EEC73-651C-4AB6-AB26-3342BCB710E8}" type="datetimeFigureOut">
               <a:rPr lang="zh-TW" altLang="en-US" smtClean="0"/>
-              <a:t>2021/1/15</a:t>
+              <a:t>2021/1/16</a:t>
             </a:fld>
             <a:endParaRPr lang="zh-TW" altLang="en-US"/>
           </a:p>
@@ -688,10 +693,9 @@
           <a:lstStyle/>
           <a:p>
             <a:r>
-              <a:rPr lang="zh-TW" altLang="en-US" smtClean="0"/>
+              <a:rPr lang="zh-TW" altLang="en-US"/>
               <a:t>按一下以編輯母片標題樣式</a:t>
             </a:r>
-            <a:endParaRPr lang="zh-TW" altLang="en-US"/>
           </a:p>
         </p:txBody>
       </p:sp>
@@ -712,38 +716,37 @@
           <a:p>
             <a:pPr lvl="0"/>
             <a:r>
-              <a:rPr lang="zh-TW" altLang="en-US" smtClean="0"/>
+              <a:rPr lang="zh-TW" altLang="en-US"/>
               <a:t>編輯母片文字樣式</a:t>
             </a:r>
           </a:p>
           <a:p>
             <a:pPr lvl="1"/>
             <a:r>
-              <a:rPr lang="zh-TW" altLang="en-US" smtClean="0"/>
+              <a:rPr lang="zh-TW" altLang="en-US"/>
               <a:t>第二層</a:t>
             </a:r>
           </a:p>
           <a:p>
             <a:pPr lvl="2"/>
             <a:r>
-              <a:rPr lang="zh-TW" altLang="en-US" smtClean="0"/>
+              <a:rPr lang="zh-TW" altLang="en-US"/>
               <a:t>第三層</a:t>
             </a:r>
           </a:p>
           <a:p>
             <a:pPr lvl="3"/>
             <a:r>
-              <a:rPr lang="zh-TW" altLang="en-US" smtClean="0"/>
+              <a:rPr lang="zh-TW" altLang="en-US"/>
               <a:t>第四層</a:t>
             </a:r>
           </a:p>
           <a:p>
             <a:pPr lvl="4"/>
             <a:r>
-              <a:rPr lang="zh-TW" altLang="en-US" smtClean="0"/>
+              <a:rPr lang="zh-TW" altLang="en-US"/>
               <a:t>第五層</a:t>
             </a:r>
-            <a:endParaRPr lang="zh-TW" altLang="en-US"/>
           </a:p>
         </p:txBody>
       </p:sp>
@@ -764,7 +767,7 @@
           <a:p>
             <a:fld id="{974EEC73-651C-4AB6-AB26-3342BCB710E8}" type="datetimeFigureOut">
               <a:rPr lang="zh-TW" altLang="en-US" smtClean="0"/>
-              <a:t>2021/1/15</a:t>
+              <a:t>2021/1/16</a:t>
             </a:fld>
             <a:endParaRPr lang="zh-TW" altLang="en-US"/>
           </a:p>
@@ -867,10 +870,9 @@
           </a:lstStyle>
           <a:p>
             <a:r>
-              <a:rPr lang="zh-TW" altLang="en-US" smtClean="0"/>
+              <a:rPr lang="zh-TW" altLang="en-US"/>
               <a:t>按一下以編輯母片標題樣式</a:t>
             </a:r>
-            <a:endParaRPr lang="zh-TW" altLang="en-US"/>
           </a:p>
         </p:txBody>
       </p:sp>
@@ -987,7 +989,7 @@
           <a:p>
             <a:pPr lvl="0"/>
             <a:r>
-              <a:rPr lang="zh-TW" altLang="en-US" smtClean="0"/>
+              <a:rPr lang="zh-TW" altLang="en-US"/>
               <a:t>編輯母片文字樣式</a:t>
             </a:r>
           </a:p>
@@ -1010,7 +1012,7 @@
           <a:p>
             <a:fld id="{974EEC73-651C-4AB6-AB26-3342BCB710E8}" type="datetimeFigureOut">
               <a:rPr lang="zh-TW" altLang="en-US" smtClean="0"/>
-              <a:t>2021/1/15</a:t>
+              <a:t>2021/1/16</a:t>
             </a:fld>
             <a:endParaRPr lang="zh-TW" altLang="en-US"/>
           </a:p>
@@ -1104,10 +1106,9 @@
           <a:lstStyle/>
           <a:p>
             <a:r>
-              <a:rPr lang="zh-TW" altLang="en-US" smtClean="0"/>
+              <a:rPr lang="zh-TW" altLang="en-US"/>
               <a:t>按一下以編輯母片標題樣式</a:t>
             </a:r>
-            <a:endParaRPr lang="zh-TW" altLang="en-US"/>
           </a:p>
         </p:txBody>
       </p:sp>
@@ -1133,38 +1134,37 @@
           <a:p>
             <a:pPr lvl="0"/>
             <a:r>
-              <a:rPr lang="zh-TW" altLang="en-US" smtClean="0"/>
+              <a:rPr lang="zh-TW" altLang="en-US"/>
               <a:t>編輯母片文字樣式</a:t>
             </a:r>
           </a:p>
           <a:p>
             <a:pPr lvl="1"/>
             <a:r>
-              <a:rPr lang="zh-TW" altLang="en-US" smtClean="0"/>
+              <a:rPr lang="zh-TW" altLang="en-US"/>
               <a:t>第二層</a:t>
             </a:r>
           </a:p>
           <a:p>
             <a:pPr lvl="2"/>
             <a:r>
-              <a:rPr lang="zh-TW" altLang="en-US" smtClean="0"/>
+              <a:rPr lang="zh-TW" altLang="en-US"/>
               <a:t>第三層</a:t>
             </a:r>
           </a:p>
           <a:p>
             <a:pPr lvl="3"/>
             <a:r>
-              <a:rPr lang="zh-TW" altLang="en-US" smtClean="0"/>
+              <a:rPr lang="zh-TW" altLang="en-US"/>
               <a:t>第四層</a:t>
             </a:r>
           </a:p>
           <a:p>
             <a:pPr lvl="4"/>
             <a:r>
-              <a:rPr lang="zh-TW" altLang="en-US" smtClean="0"/>
+              <a:rPr lang="zh-TW" altLang="en-US"/>
               <a:t>第五層</a:t>
             </a:r>
-            <a:endParaRPr lang="zh-TW" altLang="en-US"/>
           </a:p>
         </p:txBody>
       </p:sp>
@@ -1190,38 +1190,37 @@
           <a:p>
             <a:pPr lvl="0"/>
             <a:r>
-              <a:rPr lang="zh-TW" altLang="en-US" smtClean="0"/>
+              <a:rPr lang="zh-TW" altLang="en-US"/>
               <a:t>編輯母片文字樣式</a:t>
             </a:r>
           </a:p>
           <a:p>
             <a:pPr lvl="1"/>
             <a:r>
-              <a:rPr lang="zh-TW" altLang="en-US" smtClean="0"/>
+              <a:rPr lang="zh-TW" altLang="en-US"/>
               <a:t>第二層</a:t>
             </a:r>
           </a:p>
           <a:p>
             <a:pPr lvl="2"/>
             <a:r>
-              <a:rPr lang="zh-TW" altLang="en-US" smtClean="0"/>
+              <a:rPr lang="zh-TW" altLang="en-US"/>
               <a:t>第三層</a:t>
             </a:r>
           </a:p>
           <a:p>
             <a:pPr lvl="3"/>
             <a:r>
-              <a:rPr lang="zh-TW" altLang="en-US" smtClean="0"/>
+              <a:rPr lang="zh-TW" altLang="en-US"/>
               <a:t>第四層</a:t>
             </a:r>
           </a:p>
           <a:p>
             <a:pPr lvl="4"/>
             <a:r>
-              <a:rPr lang="zh-TW" altLang="en-US" smtClean="0"/>
+              <a:rPr lang="zh-TW" altLang="en-US"/>
               <a:t>第五層</a:t>
             </a:r>
-            <a:endParaRPr lang="zh-TW" altLang="en-US"/>
           </a:p>
         </p:txBody>
       </p:sp>
@@ -1242,7 +1241,7 @@
           <a:p>
             <a:fld id="{974EEC73-651C-4AB6-AB26-3342BCB710E8}" type="datetimeFigureOut">
               <a:rPr lang="zh-TW" altLang="en-US" smtClean="0"/>
-              <a:t>2021/1/15</a:t>
+              <a:t>2021/1/16</a:t>
             </a:fld>
             <a:endParaRPr lang="zh-TW" altLang="en-US"/>
           </a:p>
@@ -1341,10 +1340,9 @@
           <a:lstStyle/>
           <a:p>
             <a:r>
-              <a:rPr lang="zh-TW" altLang="en-US" smtClean="0"/>
+              <a:rPr lang="zh-TW" altLang="en-US"/>
               <a:t>按一下以編輯母片標題樣式</a:t>
             </a:r>
-            <a:endParaRPr lang="zh-TW" altLang="en-US"/>
           </a:p>
         </p:txBody>
       </p:sp>
@@ -1407,7 +1405,7 @@
           <a:p>
             <a:pPr lvl="0"/>
             <a:r>
-              <a:rPr lang="zh-TW" altLang="en-US" smtClean="0"/>
+              <a:rPr lang="zh-TW" altLang="en-US"/>
               <a:t>編輯母片文字樣式</a:t>
             </a:r>
           </a:p>
@@ -1435,38 +1433,37 @@
           <a:p>
             <a:pPr lvl="0"/>
             <a:r>
-              <a:rPr lang="zh-TW" altLang="en-US" smtClean="0"/>
+              <a:rPr lang="zh-TW" altLang="en-US"/>
               <a:t>編輯母片文字樣式</a:t>
             </a:r>
           </a:p>
           <a:p>
             <a:pPr lvl="1"/>
             <a:r>
-              <a:rPr lang="zh-TW" altLang="en-US" smtClean="0"/>
+              <a:rPr lang="zh-TW" altLang="en-US"/>
               <a:t>第二層</a:t>
             </a:r>
           </a:p>
           <a:p>
             <a:pPr lvl="2"/>
             <a:r>
-              <a:rPr lang="zh-TW" altLang="en-US" smtClean="0"/>
+              <a:rPr lang="zh-TW" altLang="en-US"/>
               <a:t>第三層</a:t>
             </a:r>
           </a:p>
           <a:p>
             <a:pPr lvl="3"/>
             <a:r>
-              <a:rPr lang="zh-TW" altLang="en-US" smtClean="0"/>
+              <a:rPr lang="zh-TW" altLang="en-US"/>
               <a:t>第四層</a:t>
             </a:r>
           </a:p>
           <a:p>
             <a:pPr lvl="4"/>
             <a:r>
-              <a:rPr lang="zh-TW" altLang="en-US" smtClean="0"/>
+              <a:rPr lang="zh-TW" altLang="en-US"/>
               <a:t>第五層</a:t>
             </a:r>
-            <a:endParaRPr lang="zh-TW" altLang="en-US"/>
           </a:p>
         </p:txBody>
       </p:sp>
@@ -1529,7 +1526,7 @@
           <a:p>
             <a:pPr lvl="0"/>
             <a:r>
-              <a:rPr lang="zh-TW" altLang="en-US" smtClean="0"/>
+              <a:rPr lang="zh-TW" altLang="en-US"/>
               <a:t>編輯母片文字樣式</a:t>
             </a:r>
           </a:p>
@@ -1557,38 +1554,37 @@
           <a:p>
             <a:pPr lvl="0"/>
             <a:r>
-              <a:rPr lang="zh-TW" altLang="en-US" smtClean="0"/>
+              <a:rPr lang="zh-TW" altLang="en-US"/>
               <a:t>編輯母片文字樣式</a:t>
             </a:r>
           </a:p>
           <a:p>
             <a:pPr lvl="1"/>
             <a:r>
-              <a:rPr lang="zh-TW" altLang="en-US" smtClean="0"/>
+              <a:rPr lang="zh-TW" altLang="en-US"/>
               <a:t>第二層</a:t>
             </a:r>
           </a:p>
           <a:p>
             <a:pPr lvl="2"/>
             <a:r>
-              <a:rPr lang="zh-TW" altLang="en-US" smtClean="0"/>
+              <a:rPr lang="zh-TW" altLang="en-US"/>
               <a:t>第三層</a:t>
             </a:r>
           </a:p>
           <a:p>
             <a:pPr lvl="3"/>
             <a:r>
-              <a:rPr lang="zh-TW" altLang="en-US" smtClean="0"/>
+              <a:rPr lang="zh-TW" altLang="en-US"/>
               <a:t>第四層</a:t>
             </a:r>
           </a:p>
           <a:p>
             <a:pPr lvl="4"/>
             <a:r>
-              <a:rPr lang="zh-TW" altLang="en-US" smtClean="0"/>
+              <a:rPr lang="zh-TW" altLang="en-US"/>
               <a:t>第五層</a:t>
             </a:r>
-            <a:endParaRPr lang="zh-TW" altLang="en-US"/>
           </a:p>
         </p:txBody>
       </p:sp>
@@ -1609,7 +1605,7 @@
           <a:p>
             <a:fld id="{974EEC73-651C-4AB6-AB26-3342BCB710E8}" type="datetimeFigureOut">
               <a:rPr lang="zh-TW" altLang="en-US" smtClean="0"/>
-              <a:t>2021/1/15</a:t>
+              <a:t>2021/1/16</a:t>
             </a:fld>
             <a:endParaRPr lang="zh-TW" altLang="en-US"/>
           </a:p>
@@ -1703,10 +1699,9 @@
           <a:lstStyle/>
           <a:p>
             <a:r>
-              <a:rPr lang="zh-TW" altLang="en-US" smtClean="0"/>
+              <a:rPr lang="zh-TW" altLang="en-US"/>
               <a:t>按一下以編輯母片標題樣式</a:t>
             </a:r>
-            <a:endParaRPr lang="zh-TW" altLang="en-US"/>
           </a:p>
         </p:txBody>
       </p:sp>
@@ -1727,7 +1722,7 @@
           <a:p>
             <a:fld id="{974EEC73-651C-4AB6-AB26-3342BCB710E8}" type="datetimeFigureOut">
               <a:rPr lang="zh-TW" altLang="en-US" smtClean="0"/>
-              <a:t>2021/1/15</a:t>
+              <a:t>2021/1/16</a:t>
             </a:fld>
             <a:endParaRPr lang="zh-TW" altLang="en-US"/>
           </a:p>
@@ -1822,7 +1817,7 @@
           <a:p>
             <a:fld id="{974EEC73-651C-4AB6-AB26-3342BCB710E8}" type="datetimeFigureOut">
               <a:rPr lang="zh-TW" altLang="en-US" smtClean="0"/>
-              <a:t>2021/1/15</a:t>
+              <a:t>2021/1/16</a:t>
             </a:fld>
             <a:endParaRPr lang="zh-TW" altLang="en-US"/>
           </a:p>
@@ -1925,10 +1920,9 @@
           </a:lstStyle>
           <a:p>
             <a:r>
-              <a:rPr lang="zh-TW" altLang="en-US" smtClean="0"/>
+              <a:rPr lang="zh-TW" altLang="en-US"/>
               <a:t>按一下以編輯母片標題樣式</a:t>
             </a:r>
-            <a:endParaRPr lang="zh-TW" altLang="en-US"/>
           </a:p>
         </p:txBody>
       </p:sp>
@@ -1982,38 +1976,37 @@
           <a:p>
             <a:pPr lvl="0"/>
             <a:r>
-              <a:rPr lang="zh-TW" altLang="en-US" smtClean="0"/>
+              <a:rPr lang="zh-TW" altLang="en-US"/>
               <a:t>編輯母片文字樣式</a:t>
             </a:r>
           </a:p>
           <a:p>
             <a:pPr lvl="1"/>
             <a:r>
-              <a:rPr lang="zh-TW" altLang="en-US" smtClean="0"/>
+              <a:rPr lang="zh-TW" altLang="en-US"/>
               <a:t>第二層</a:t>
             </a:r>
           </a:p>
           <a:p>
             <a:pPr lvl="2"/>
             <a:r>
-              <a:rPr lang="zh-TW" altLang="en-US" smtClean="0"/>
+              <a:rPr lang="zh-TW" altLang="en-US"/>
               <a:t>第三層</a:t>
             </a:r>
           </a:p>
           <a:p>
             <a:pPr lvl="3"/>
             <a:r>
-              <a:rPr lang="zh-TW" altLang="en-US" smtClean="0"/>
+              <a:rPr lang="zh-TW" altLang="en-US"/>
               <a:t>第四層</a:t>
             </a:r>
           </a:p>
           <a:p>
             <a:pPr lvl="4"/>
             <a:r>
-              <a:rPr lang="zh-TW" altLang="en-US" smtClean="0"/>
+              <a:rPr lang="zh-TW" altLang="en-US"/>
               <a:t>第五層</a:t>
             </a:r>
-            <a:endParaRPr lang="zh-TW" altLang="en-US"/>
           </a:p>
         </p:txBody>
       </p:sp>
@@ -2076,7 +2069,7 @@
           <a:p>
             <a:pPr lvl="0"/>
             <a:r>
-              <a:rPr lang="zh-TW" altLang="en-US" smtClean="0"/>
+              <a:rPr lang="zh-TW" altLang="en-US"/>
               <a:t>編輯母片文字樣式</a:t>
             </a:r>
           </a:p>
@@ -2099,7 +2092,7 @@
           <a:p>
             <a:fld id="{974EEC73-651C-4AB6-AB26-3342BCB710E8}" type="datetimeFigureOut">
               <a:rPr lang="zh-TW" altLang="en-US" smtClean="0"/>
-              <a:t>2021/1/15</a:t>
+              <a:t>2021/1/16</a:t>
             </a:fld>
             <a:endParaRPr lang="zh-TW" altLang="en-US"/>
           </a:p>
@@ -2202,10 +2195,9 @@
           </a:lstStyle>
           <a:p>
             <a:r>
-              <a:rPr lang="zh-TW" altLang="en-US" smtClean="0"/>
+              <a:rPr lang="zh-TW" altLang="en-US"/>
               <a:t>按一下以編輯母片標題樣式</a:t>
             </a:r>
-            <a:endParaRPr lang="zh-TW" altLang="en-US"/>
           </a:p>
         </p:txBody>
       </p:sp>
@@ -2329,7 +2321,7 @@
           <a:p>
             <a:pPr lvl="0"/>
             <a:r>
-              <a:rPr lang="zh-TW" altLang="en-US" smtClean="0"/>
+              <a:rPr lang="zh-TW" altLang="en-US"/>
               <a:t>編輯母片文字樣式</a:t>
             </a:r>
           </a:p>
@@ -2352,7 +2344,7 @@
           <a:p>
             <a:fld id="{974EEC73-651C-4AB6-AB26-3342BCB710E8}" type="datetimeFigureOut">
               <a:rPr lang="zh-TW" altLang="en-US" smtClean="0"/>
-              <a:t>2021/1/15</a:t>
+              <a:t>2021/1/16</a:t>
             </a:fld>
             <a:endParaRPr lang="zh-TW" altLang="en-US"/>
           </a:p>
@@ -2461,10 +2453,9 @@
           <a:lstStyle/>
           <a:p>
             <a:r>
-              <a:rPr lang="zh-TW" altLang="en-US" smtClean="0"/>
+              <a:rPr lang="zh-TW" altLang="en-US"/>
               <a:t>按一下以編輯母片標題樣式</a:t>
             </a:r>
-            <a:endParaRPr lang="zh-TW" altLang="en-US"/>
           </a:p>
         </p:txBody>
       </p:sp>
@@ -2495,38 +2486,37 @@
           <a:p>
             <a:pPr lvl="0"/>
             <a:r>
-              <a:rPr lang="zh-TW" altLang="en-US" smtClean="0"/>
+              <a:rPr lang="zh-TW" altLang="en-US"/>
               <a:t>編輯母片文字樣式</a:t>
             </a:r>
           </a:p>
           <a:p>
             <a:pPr lvl="1"/>
             <a:r>
-              <a:rPr lang="zh-TW" altLang="en-US" smtClean="0"/>
+              <a:rPr lang="zh-TW" altLang="en-US"/>
               <a:t>第二層</a:t>
             </a:r>
           </a:p>
           <a:p>
             <a:pPr lvl="2"/>
             <a:r>
-              <a:rPr lang="zh-TW" altLang="en-US" smtClean="0"/>
+              <a:rPr lang="zh-TW" altLang="en-US"/>
               <a:t>第三層</a:t>
             </a:r>
           </a:p>
           <a:p>
             <a:pPr lvl="3"/>
             <a:r>
-              <a:rPr lang="zh-TW" altLang="en-US" smtClean="0"/>
+              <a:rPr lang="zh-TW" altLang="en-US"/>
               <a:t>第四層</a:t>
             </a:r>
           </a:p>
           <a:p>
             <a:pPr lvl="4"/>
             <a:r>
-              <a:rPr lang="zh-TW" altLang="en-US" smtClean="0"/>
+              <a:rPr lang="zh-TW" altLang="en-US"/>
               <a:t>第五層</a:t>
             </a:r>
-            <a:endParaRPr lang="zh-TW" altLang="en-US"/>
           </a:p>
         </p:txBody>
       </p:sp>
@@ -2565,7 +2555,7 @@
           <a:p>
             <a:fld id="{974EEC73-651C-4AB6-AB26-3342BCB710E8}" type="datetimeFigureOut">
               <a:rPr lang="zh-TW" altLang="en-US" smtClean="0"/>
-              <a:t>2021/1/15</a:t>
+              <a:t>2021/1/16</a:t>
             </a:fld>
             <a:endParaRPr lang="zh-TW" altLang="en-US"/>
           </a:p>
@@ -3162,7 +3152,7 @@
           <a:p>
             <a:pPr lvl="0" algn="ctr"/>
             <a:r>
-              <a:rPr lang="en-US" altLang="zh-TW" sz="1100" b="1" dirty="0" smtClean="0">
+              <a:rPr lang="en-US" altLang="zh-TW" sz="1100" b="1" dirty="0">
                 <a:solidFill>
                   <a:schemeClr val="tx1"/>
                 </a:solidFill>
@@ -3172,7 +3162,7 @@
               <a:t>1.</a:t>
             </a:r>
             <a:r>
-              <a:rPr lang="zh-TW" altLang="zh-TW" sz="1100" b="1" dirty="0" smtClean="0">
+              <a:rPr lang="zh-TW" altLang="zh-TW" sz="1100" b="1" dirty="0">
                 <a:solidFill>
                   <a:schemeClr val="tx1"/>
                 </a:solidFill>
@@ -3181,7 +3171,7 @@
               </a:rPr>
               <a:t>帳號</a:t>
             </a:r>
-            <a:endParaRPr lang="en-US" altLang="zh-TW" sz="1100" b="1" dirty="0" smtClean="0">
+            <a:endParaRPr lang="en-US" altLang="zh-TW" sz="1100" b="1" dirty="0">
               <a:solidFill>
                 <a:schemeClr val="tx1"/>
               </a:solidFill>
@@ -3192,7 +3182,7 @@
           <a:p>
             <a:pPr lvl="0" algn="ctr"/>
             <a:r>
-              <a:rPr lang="en-US" altLang="zh-TW" sz="1100" b="1" dirty="0" smtClean="0">
+              <a:rPr lang="en-US" altLang="zh-TW" sz="1100" b="1" dirty="0">
                 <a:solidFill>
                   <a:schemeClr val="tx1"/>
                 </a:solidFill>
@@ -3202,7 +3192,7 @@
               <a:t>2.</a:t>
             </a:r>
             <a:r>
-              <a:rPr lang="zh-TW" altLang="zh-TW" sz="1100" b="1" dirty="0" smtClean="0">
+              <a:rPr lang="zh-TW" altLang="zh-TW" sz="1100" b="1" dirty="0">
                 <a:solidFill>
                   <a:schemeClr val="tx1"/>
                 </a:solidFill>
@@ -3211,7 +3201,7 @@
               </a:rPr>
               <a:t>密碼</a:t>
             </a:r>
-            <a:endParaRPr lang="en-US" altLang="zh-TW" sz="1100" b="1" dirty="0" smtClean="0">
+            <a:endParaRPr lang="en-US" altLang="zh-TW" sz="1100" b="1" dirty="0">
               <a:solidFill>
                 <a:schemeClr val="tx1"/>
               </a:solidFill>
@@ -3222,7 +3212,7 @@
           <a:p>
             <a:pPr lvl="0" algn="ctr"/>
             <a:r>
-              <a:rPr lang="en-US" altLang="zh-TW" sz="1100" b="1" dirty="0" smtClean="0">
+              <a:rPr lang="en-US" altLang="zh-TW" sz="1100" b="1" dirty="0">
                 <a:solidFill>
                   <a:schemeClr val="tx1"/>
                 </a:solidFill>
@@ -3232,7 +3222,7 @@
               <a:t>3.</a:t>
             </a:r>
             <a:r>
-              <a:rPr lang="zh-TW" altLang="zh-TW" sz="1100" b="1" dirty="0" smtClean="0">
+              <a:rPr lang="zh-TW" altLang="zh-TW" sz="1100" b="1" dirty="0">
                 <a:solidFill>
                   <a:schemeClr val="tx1"/>
                 </a:solidFill>
@@ -3241,7 +3231,7 @@
               </a:rPr>
               <a:t>姓名</a:t>
             </a:r>
-            <a:endParaRPr lang="en-US" altLang="zh-TW" sz="1100" b="1" dirty="0" smtClean="0">
+            <a:endParaRPr lang="en-US" altLang="zh-TW" sz="1100" b="1" dirty="0">
               <a:solidFill>
                 <a:schemeClr val="tx1"/>
               </a:solidFill>
@@ -3252,7 +3242,7 @@
           <a:p>
             <a:pPr lvl="0" algn="ctr"/>
             <a:r>
-              <a:rPr lang="en-US" altLang="zh-TW" sz="1100" b="1" dirty="0" smtClean="0">
+              <a:rPr lang="en-US" altLang="zh-TW" sz="1100" b="1" dirty="0">
                 <a:solidFill>
                   <a:schemeClr val="tx1"/>
                 </a:solidFill>
@@ -3262,7 +3252,7 @@
               <a:t>4.</a:t>
             </a:r>
             <a:r>
-              <a:rPr lang="zh-TW" altLang="zh-TW" sz="1100" b="1" dirty="0" smtClean="0">
+              <a:rPr lang="zh-TW" altLang="zh-TW" sz="1100" b="1" dirty="0">
                 <a:solidFill>
                   <a:schemeClr val="tx1"/>
                 </a:solidFill>
@@ -3271,7 +3261,7 @@
               </a:rPr>
               <a:t>電話</a:t>
             </a:r>
-            <a:endParaRPr lang="en-US" altLang="zh-TW" sz="1100" b="1" dirty="0" smtClean="0">
+            <a:endParaRPr lang="en-US" altLang="zh-TW" sz="1100" b="1" dirty="0">
               <a:solidFill>
                 <a:schemeClr val="tx1"/>
               </a:solidFill>
@@ -3282,7 +3272,7 @@
           <a:p>
             <a:pPr lvl="0" algn="ctr"/>
             <a:r>
-              <a:rPr lang="en-US" altLang="zh-TW" sz="1100" b="1" dirty="0" smtClean="0">
+              <a:rPr lang="en-US" altLang="zh-TW" sz="1100" b="1" dirty="0">
                 <a:solidFill>
                   <a:schemeClr val="tx1"/>
                 </a:solidFill>
@@ -3295,7 +3285,7 @@
           <a:p>
             <a:pPr lvl="0" algn="ctr"/>
             <a:r>
-              <a:rPr lang="en-US" altLang="zh-TW" sz="1100" b="1" dirty="0" smtClean="0">
+              <a:rPr lang="en-US" altLang="zh-TW" sz="1100" b="1" dirty="0">
                 <a:solidFill>
                   <a:schemeClr val="tx1"/>
                 </a:solidFill>
@@ -3305,7 +3295,7 @@
               <a:t>6.</a:t>
             </a:r>
             <a:r>
-              <a:rPr lang="zh-TW" altLang="zh-TW" sz="1100" b="1" dirty="0" smtClean="0">
+              <a:rPr lang="zh-TW" altLang="zh-TW" sz="1100" b="1" dirty="0">
                 <a:solidFill>
                   <a:schemeClr val="tx1"/>
                 </a:solidFill>
@@ -3314,7 +3304,7 @@
               </a:rPr>
               <a:t>地址</a:t>
             </a:r>
-            <a:endParaRPr lang="en-US" altLang="zh-TW" sz="1100" b="1" dirty="0" smtClean="0">
+            <a:endParaRPr lang="en-US" altLang="zh-TW" sz="1100" b="1" dirty="0">
               <a:solidFill>
                 <a:schemeClr val="tx1"/>
               </a:solidFill>
@@ -3325,7 +3315,7 @@
           <a:p>
             <a:pPr lvl="0" algn="ctr"/>
             <a:r>
-              <a:rPr lang="en-US" altLang="zh-TW" sz="1100" b="1" dirty="0" smtClean="0">
+              <a:rPr lang="en-US" altLang="zh-TW" sz="1100" b="1" dirty="0">
                 <a:solidFill>
                   <a:schemeClr val="tx1"/>
                 </a:solidFill>
@@ -3335,7 +3325,7 @@
               <a:t>7.</a:t>
             </a:r>
             <a:r>
-              <a:rPr lang="zh-TW" altLang="zh-TW" sz="1100" b="1" dirty="0" smtClean="0">
+              <a:rPr lang="zh-TW" altLang="zh-TW" sz="1100" b="1" dirty="0">
                 <a:solidFill>
                   <a:schemeClr val="tx1"/>
                 </a:solidFill>
@@ -3344,13 +3334,6 @@
               </a:rPr>
               <a:t>生日</a:t>
             </a:r>
-            <a:endParaRPr lang="zh-TW" altLang="zh-TW" sz="1100" b="1" dirty="0">
-              <a:solidFill>
-                <a:schemeClr val="tx1"/>
-              </a:solidFill>
-              <a:latin typeface="標楷體" panose="03000509000000000000" pitchFamily="65" charset="-120"/>
-              <a:ea typeface="標楷體" panose="03000509000000000000" pitchFamily="65" charset="-120"/>
-            </a:endParaRPr>
           </a:p>
         </p:txBody>
       </p:sp>
@@ -3579,7 +3562,7 @@
           <a:p>
             <a:pPr lvl="0"/>
             <a:r>
-              <a:rPr lang="en-US" altLang="zh-TW" sz="1100" b="1" dirty="0" smtClean="0">
+              <a:rPr lang="en-US" altLang="zh-TW" sz="1100" b="1" dirty="0">
                 <a:solidFill>
                   <a:schemeClr val="tx1"/>
                 </a:solidFill>
@@ -3589,7 +3572,7 @@
               <a:t>1.</a:t>
             </a:r>
             <a:r>
-              <a:rPr lang="zh-TW" altLang="zh-TW" sz="1100" b="1" dirty="0" smtClean="0">
+              <a:rPr lang="zh-TW" altLang="zh-TW" sz="1100" b="1" dirty="0">
                 <a:solidFill>
                   <a:schemeClr val="tx1"/>
                 </a:solidFill>
@@ -3598,7 +3581,7 @@
               </a:rPr>
               <a:t>帳號</a:t>
             </a:r>
-            <a:endParaRPr lang="en-US" altLang="zh-TW" sz="1100" b="1" dirty="0" smtClean="0">
+            <a:endParaRPr lang="en-US" altLang="zh-TW" sz="1100" b="1" dirty="0">
               <a:solidFill>
                 <a:schemeClr val="tx1"/>
               </a:solidFill>
@@ -3609,7 +3592,7 @@
           <a:p>
             <a:pPr lvl="0"/>
             <a:r>
-              <a:rPr lang="en-US" altLang="zh-TW" sz="1100" b="1" dirty="0" smtClean="0">
+              <a:rPr lang="en-US" altLang="zh-TW" sz="1100" b="1" dirty="0">
                 <a:solidFill>
                   <a:schemeClr val="tx1"/>
                 </a:solidFill>
@@ -3619,7 +3602,7 @@
               <a:t>2.</a:t>
             </a:r>
             <a:r>
-              <a:rPr lang="zh-TW" altLang="zh-TW" sz="1100" b="1" dirty="0" smtClean="0">
+              <a:rPr lang="zh-TW" altLang="zh-TW" sz="1100" b="1" dirty="0">
                 <a:solidFill>
                   <a:schemeClr val="tx1"/>
                 </a:solidFill>
@@ -3628,7 +3611,7 @@
               </a:rPr>
               <a:t>密碼</a:t>
             </a:r>
-            <a:endParaRPr lang="en-US" altLang="zh-TW" sz="1100" b="1" dirty="0" smtClean="0">
+            <a:endParaRPr lang="en-US" altLang="zh-TW" sz="1100" b="1" dirty="0">
               <a:solidFill>
                 <a:schemeClr val="tx1"/>
               </a:solidFill>
@@ -3639,7 +3622,7 @@
           <a:p>
             <a:pPr lvl="0"/>
             <a:r>
-              <a:rPr lang="en-US" altLang="zh-TW" sz="1100" b="1" dirty="0" smtClean="0">
+              <a:rPr lang="en-US" altLang="zh-TW" sz="1100" b="1" dirty="0">
                 <a:solidFill>
                   <a:schemeClr val="tx1"/>
                 </a:solidFill>
@@ -3649,7 +3632,7 @@
               <a:t>3.</a:t>
             </a:r>
             <a:r>
-              <a:rPr lang="zh-TW" altLang="zh-TW" sz="1100" b="1" dirty="0" smtClean="0">
+              <a:rPr lang="zh-TW" altLang="zh-TW" sz="1100" b="1" dirty="0">
                 <a:solidFill>
                   <a:schemeClr val="tx1"/>
                 </a:solidFill>
@@ -3658,7 +3641,7 @@
               </a:rPr>
               <a:t>姓名</a:t>
             </a:r>
-            <a:endParaRPr lang="en-US" altLang="zh-TW" sz="1100" b="1" dirty="0" smtClean="0">
+            <a:endParaRPr lang="en-US" altLang="zh-TW" sz="1100" b="1" dirty="0">
               <a:solidFill>
                 <a:schemeClr val="tx1"/>
               </a:solidFill>
@@ -3669,7 +3652,7 @@
           <a:p>
             <a:pPr lvl="0"/>
             <a:r>
-              <a:rPr lang="en-US" altLang="zh-TW" sz="1100" b="1" dirty="0" smtClean="0">
+              <a:rPr lang="en-US" altLang="zh-TW" sz="1100" b="1" dirty="0">
                 <a:solidFill>
                   <a:schemeClr val="tx1"/>
                 </a:solidFill>
@@ -3679,7 +3662,7 @@
               <a:t>4.</a:t>
             </a:r>
             <a:r>
-              <a:rPr lang="zh-TW" altLang="zh-TW" sz="1100" b="1" dirty="0" smtClean="0">
+              <a:rPr lang="zh-TW" altLang="zh-TW" sz="1100" b="1" dirty="0">
                 <a:solidFill>
                   <a:schemeClr val="tx1"/>
                 </a:solidFill>
@@ -3688,7 +3671,7 @@
               </a:rPr>
               <a:t>電話</a:t>
             </a:r>
-            <a:endParaRPr lang="en-US" altLang="zh-TW" sz="1100" b="1" dirty="0" smtClean="0">
+            <a:endParaRPr lang="en-US" altLang="zh-TW" sz="1100" b="1" dirty="0">
               <a:solidFill>
                 <a:schemeClr val="tx1"/>
               </a:solidFill>
@@ -3699,7 +3682,7 @@
           <a:p>
             <a:pPr lvl="0"/>
             <a:r>
-              <a:rPr lang="en-US" altLang="zh-TW" sz="1100" b="1" dirty="0" smtClean="0">
+              <a:rPr lang="en-US" altLang="zh-TW" sz="1100" b="1" dirty="0">
                 <a:solidFill>
                   <a:schemeClr val="tx1"/>
                 </a:solidFill>
@@ -3712,7 +3695,7 @@
           <a:p>
             <a:pPr lvl="0"/>
             <a:r>
-              <a:rPr lang="en-US" altLang="zh-TW" sz="1100" b="1" dirty="0" smtClean="0">
+              <a:rPr lang="en-US" altLang="zh-TW" sz="1100" b="1" dirty="0">
                 <a:solidFill>
                   <a:schemeClr val="tx1"/>
                 </a:solidFill>
@@ -3722,7 +3705,7 @@
               <a:t>6.</a:t>
             </a:r>
             <a:r>
-              <a:rPr lang="zh-TW" altLang="zh-TW" sz="1100" b="1" dirty="0" smtClean="0">
+              <a:rPr lang="zh-TW" altLang="zh-TW" sz="1100" b="1" dirty="0">
                 <a:solidFill>
                   <a:schemeClr val="tx1"/>
                 </a:solidFill>
@@ -3731,7 +3714,7 @@
               </a:rPr>
               <a:t>地址</a:t>
             </a:r>
-            <a:endParaRPr lang="en-US" altLang="zh-TW" sz="1100" b="1" dirty="0" smtClean="0">
+            <a:endParaRPr lang="en-US" altLang="zh-TW" sz="1100" b="1" dirty="0">
               <a:solidFill>
                 <a:schemeClr val="tx1"/>
               </a:solidFill>
@@ -3742,7 +3725,7 @@
           <a:p>
             <a:pPr lvl="0"/>
             <a:r>
-              <a:rPr lang="en-US" altLang="zh-TW" sz="1100" b="1" dirty="0" smtClean="0">
+              <a:rPr lang="en-US" altLang="zh-TW" sz="1100" b="1" dirty="0">
                 <a:solidFill>
                   <a:schemeClr val="tx1"/>
                 </a:solidFill>
@@ -3752,7 +3735,7 @@
               <a:t>7.</a:t>
             </a:r>
             <a:r>
-              <a:rPr lang="zh-TW" altLang="zh-TW" sz="1100" b="1" dirty="0" smtClean="0">
+              <a:rPr lang="zh-TW" altLang="zh-TW" sz="1100" b="1" dirty="0">
                 <a:solidFill>
                   <a:schemeClr val="tx1"/>
                 </a:solidFill>
@@ -3761,13 +3744,6 @@
               </a:rPr>
               <a:t>生日</a:t>
             </a:r>
-            <a:endParaRPr lang="zh-TW" altLang="zh-TW" sz="1100" b="1" dirty="0">
-              <a:solidFill>
-                <a:schemeClr val="tx1"/>
-              </a:solidFill>
-              <a:latin typeface="標楷體" panose="03000509000000000000" pitchFamily="65" charset="-120"/>
-              <a:ea typeface="標楷體" panose="03000509000000000000" pitchFamily="65" charset="-120"/>
-            </a:endParaRPr>
           </a:p>
         </p:txBody>
       </p:sp>
@@ -3848,18 +3824,11 @@
           <a:p>
             <a:pPr algn="ctr"/>
             <a:r>
-              <a:rPr lang="zh-TW" altLang="en-US" sz="1200" b="1" dirty="0" smtClean="0">
-                <a:latin typeface="標楷體" panose="03000509000000000000" pitchFamily="65" charset="-120"/>
-                <a:ea typeface="標楷體" panose="03000509000000000000" pitchFamily="65" charset="-120"/>
-              </a:rPr>
-              <a:t>開</a:t>
-            </a:r>
-            <a:r>
               <a:rPr lang="zh-TW" altLang="en-US" sz="1200" b="1" dirty="0">
                 <a:latin typeface="標楷體" panose="03000509000000000000" pitchFamily="65" charset="-120"/>
                 <a:ea typeface="標楷體" panose="03000509000000000000" pitchFamily="65" charset="-120"/>
               </a:rPr>
-              <a:t>始</a:t>
+              <a:t>開始</a:t>
             </a:r>
           </a:p>
         </p:txBody>
@@ -3963,7 +3932,7 @@
           <a:p>
             <a:pPr algn="ctr"/>
             <a:r>
-              <a:rPr lang="zh-TW" altLang="en-US" sz="1200" b="1" dirty="0" smtClean="0">
+              <a:rPr lang="zh-TW" altLang="en-US" sz="1200" b="1" dirty="0">
                 <a:solidFill>
                   <a:schemeClr val="tx1"/>
                 </a:solidFill>
@@ -3972,13 +3941,6 @@
               </a:rPr>
               <a:t>查詢訂單記錄</a:t>
             </a:r>
-            <a:endParaRPr lang="zh-TW" altLang="en-US" sz="1200" b="1" dirty="0">
-              <a:solidFill>
-                <a:schemeClr val="tx1"/>
-              </a:solidFill>
-              <a:latin typeface="標楷體" pitchFamily="65" charset="-120"/>
-              <a:ea typeface="標楷體" pitchFamily="65" charset="-120"/>
-            </a:endParaRPr>
           </a:p>
         </p:txBody>
       </p:sp>
@@ -4082,21 +4044,21 @@
           <a:lstStyle/>
           <a:p>
             <a:r>
-              <a:rPr lang="en-US" altLang="zh-TW" sz="1200" b="1" dirty="0" smtClean="0">
+              <a:rPr lang="en-US" altLang="zh-TW" sz="1200" b="1" dirty="0">
                 <a:latin typeface="標楷體" panose="03000509000000000000" pitchFamily="65" charset="-120"/>
                 <a:ea typeface="標楷體" panose="03000509000000000000" pitchFamily="65" charset="-120"/>
               </a:rPr>
               <a:t>[</a:t>
             </a:r>
             <a:r>
-              <a:rPr lang="zh-TW" altLang="en-US" sz="1200" b="1" dirty="0" smtClean="0">
+              <a:rPr lang="zh-TW" altLang="en-US" sz="1200" b="1" dirty="0">
                 <a:latin typeface="標楷體" panose="03000509000000000000" pitchFamily="65" charset="-120"/>
                 <a:ea typeface="標楷體" panose="03000509000000000000" pitchFamily="65" charset="-120"/>
               </a:rPr>
               <a:t>使用者</a:t>
             </a:r>
             <a:r>
-              <a:rPr lang="en-US" altLang="zh-TW" sz="1200" b="1" dirty="0" smtClean="0">
+              <a:rPr lang="en-US" altLang="zh-TW" sz="1200" b="1" dirty="0">
                 <a:latin typeface="標楷體" panose="03000509000000000000" pitchFamily="65" charset="-120"/>
                 <a:ea typeface="標楷體" panose="03000509000000000000" pitchFamily="65" charset="-120"/>
               </a:rPr>
@@ -4132,21 +4094,21 @@
           <a:lstStyle/>
           <a:p>
             <a:r>
-              <a:rPr lang="en-US" altLang="zh-TW" sz="1200" b="1" dirty="0" smtClean="0">
+              <a:rPr lang="en-US" altLang="zh-TW" sz="1200" b="1" dirty="0">
                 <a:latin typeface="標楷體" panose="03000509000000000000" pitchFamily="65" charset="-120"/>
                 <a:ea typeface="標楷體" panose="03000509000000000000" pitchFamily="65" charset="-120"/>
               </a:rPr>
               <a:t>[</a:t>
             </a:r>
             <a:r>
-              <a:rPr lang="zh-TW" altLang="en-US" sz="1200" b="1" dirty="0" smtClean="0">
+              <a:rPr lang="zh-TW" altLang="en-US" sz="1200" b="1" dirty="0">
                 <a:latin typeface="標楷體" panose="03000509000000000000" pitchFamily="65" charset="-120"/>
                 <a:ea typeface="標楷體" panose="03000509000000000000" pitchFamily="65" charset="-120"/>
               </a:rPr>
               <a:t>管理者</a:t>
             </a:r>
             <a:r>
-              <a:rPr lang="en-US" altLang="zh-TW" sz="1200" b="1" dirty="0" smtClean="0">
+              <a:rPr lang="en-US" altLang="zh-TW" sz="1200" b="1" dirty="0">
                 <a:latin typeface="標楷體" panose="03000509000000000000" pitchFamily="65" charset="-120"/>
                 <a:ea typeface="標楷體" panose="03000509000000000000" pitchFamily="65" charset="-120"/>
               </a:rPr>
@@ -4182,21 +4144,21 @@
           <a:lstStyle/>
           <a:p>
             <a:r>
-              <a:rPr lang="en-US" altLang="zh-TW" sz="1200" b="1" dirty="0" smtClean="0">
+              <a:rPr lang="en-US" altLang="zh-TW" sz="1200" b="1" dirty="0">
                 <a:latin typeface="標楷體" panose="03000509000000000000" pitchFamily="65" charset="-120"/>
                 <a:ea typeface="標楷體" panose="03000509000000000000" pitchFamily="65" charset="-120"/>
               </a:rPr>
               <a:t>[</a:t>
             </a:r>
             <a:r>
-              <a:rPr lang="zh-TW" altLang="en-US" sz="1200" b="1" dirty="0" smtClean="0">
+              <a:rPr lang="zh-TW" altLang="en-US" sz="1200" b="1" dirty="0">
                 <a:latin typeface="標楷體" panose="03000509000000000000" pitchFamily="65" charset="-120"/>
                 <a:ea typeface="標楷體" panose="03000509000000000000" pitchFamily="65" charset="-120"/>
               </a:rPr>
               <a:t>判斷登入權限</a:t>
             </a:r>
             <a:r>
-              <a:rPr lang="en-US" altLang="zh-TW" sz="1200" b="1" dirty="0" smtClean="0">
+              <a:rPr lang="en-US" altLang="zh-TW" sz="1200" b="1" dirty="0">
                 <a:latin typeface="標楷體" panose="03000509000000000000" pitchFamily="65" charset="-120"/>
                 <a:ea typeface="標楷體" panose="03000509000000000000" pitchFamily="65" charset="-120"/>
               </a:rPr>
@@ -4324,21 +4286,21 @@
           <a:lstStyle/>
           <a:p>
             <a:r>
-              <a:rPr lang="en-US" altLang="zh-TW" sz="1200" b="1" dirty="0" smtClean="0">
+              <a:rPr lang="en-US" altLang="zh-TW" sz="1200" b="1" dirty="0">
                 <a:latin typeface="標楷體" panose="03000509000000000000" pitchFamily="65" charset="-120"/>
                 <a:ea typeface="標楷體" panose="03000509000000000000" pitchFamily="65" charset="-120"/>
               </a:rPr>
               <a:t>[</a:t>
             </a:r>
             <a:r>
-              <a:rPr lang="zh-TW" altLang="en-US" sz="1200" b="1" dirty="0" smtClean="0">
+              <a:rPr lang="zh-TW" altLang="en-US" sz="1200" b="1" dirty="0">
                 <a:latin typeface="標楷體" panose="03000509000000000000" pitchFamily="65" charset="-120"/>
                 <a:ea typeface="標楷體" panose="03000509000000000000" pitchFamily="65" charset="-120"/>
               </a:rPr>
               <a:t>是否取消訂單</a:t>
             </a:r>
             <a:r>
-              <a:rPr lang="en-US" altLang="zh-TW" sz="1200" b="1" dirty="0" smtClean="0">
+              <a:rPr lang="en-US" altLang="zh-TW" sz="1200" b="1" dirty="0">
                 <a:latin typeface="標楷體" panose="03000509000000000000" pitchFamily="65" charset="-120"/>
                 <a:ea typeface="標楷體" panose="03000509000000000000" pitchFamily="65" charset="-120"/>
               </a:rPr>
@@ -4415,21 +4377,21 @@
           <a:lstStyle/>
           <a:p>
             <a:r>
-              <a:rPr lang="en-US" altLang="zh-TW" sz="1200" b="1" dirty="0" smtClean="0">
+              <a:rPr lang="en-US" altLang="zh-TW" sz="1200" b="1" dirty="0">
                 <a:latin typeface="標楷體" panose="03000509000000000000" pitchFamily="65" charset="-120"/>
                 <a:ea typeface="標楷體" panose="03000509000000000000" pitchFamily="65" charset="-120"/>
               </a:rPr>
               <a:t>[</a:t>
             </a:r>
             <a:r>
-              <a:rPr lang="zh-TW" altLang="en-US" sz="1200" b="1" dirty="0" smtClean="0">
+              <a:rPr lang="zh-TW" altLang="en-US" sz="1200" b="1" dirty="0">
                 <a:latin typeface="標楷體" panose="03000509000000000000" pitchFamily="65" charset="-120"/>
                 <a:ea typeface="標楷體" panose="03000509000000000000" pitchFamily="65" charset="-120"/>
               </a:rPr>
               <a:t>是</a:t>
             </a:r>
             <a:r>
-              <a:rPr lang="en-US" altLang="zh-TW" sz="1200" b="1" dirty="0" smtClean="0">
+              <a:rPr lang="en-US" altLang="zh-TW" sz="1200" b="1" dirty="0">
                 <a:latin typeface="標楷體" panose="03000509000000000000" pitchFamily="65" charset="-120"/>
                 <a:ea typeface="標楷體" panose="03000509000000000000" pitchFamily="65" charset="-120"/>
               </a:rPr>
@@ -4491,7 +4453,7 @@
           <a:p>
             <a:pPr algn="ctr"/>
             <a:r>
-              <a:rPr lang="zh-TW" altLang="en-US" sz="1200" b="1" dirty="0" smtClean="0">
+              <a:rPr lang="zh-TW" altLang="en-US" sz="1200" b="1" dirty="0">
                 <a:solidFill>
                   <a:schemeClr val="tx1"/>
                 </a:solidFill>
@@ -4500,13 +4462,6 @@
               </a:rPr>
               <a:t>匯款等待</a:t>
             </a:r>
-            <a:endParaRPr lang="zh-TW" altLang="en-US" sz="1200" b="1" dirty="0">
-              <a:solidFill>
-                <a:schemeClr val="tx1"/>
-              </a:solidFill>
-              <a:latin typeface="標楷體" pitchFamily="65" charset="-120"/>
-              <a:ea typeface="標楷體" pitchFamily="65" charset="-120"/>
-            </a:endParaRPr>
           </a:p>
         </p:txBody>
       </p:sp>
@@ -4664,21 +4619,21 @@
           <a:lstStyle/>
           <a:p>
             <a:r>
-              <a:rPr lang="en-US" altLang="zh-TW" sz="1200" b="1" dirty="0" smtClean="0">
+              <a:rPr lang="en-US" altLang="zh-TW" sz="1200" b="1" dirty="0">
                 <a:latin typeface="標楷體" panose="03000509000000000000" pitchFamily="65" charset="-120"/>
                 <a:ea typeface="標楷體" panose="03000509000000000000" pitchFamily="65" charset="-120"/>
               </a:rPr>
               <a:t>[</a:t>
             </a:r>
             <a:r>
-              <a:rPr lang="zh-TW" altLang="en-US" sz="1200" b="1" dirty="0" smtClean="0">
+              <a:rPr lang="zh-TW" altLang="en-US" sz="1200" b="1" dirty="0">
                 <a:latin typeface="標楷體" panose="03000509000000000000" pitchFamily="65" charset="-120"/>
                 <a:ea typeface="標楷體" panose="03000509000000000000" pitchFamily="65" charset="-120"/>
               </a:rPr>
               <a:t>是否完成匯款</a:t>
             </a:r>
             <a:r>
-              <a:rPr lang="en-US" altLang="zh-TW" sz="1200" b="1" dirty="0" smtClean="0">
+              <a:rPr lang="en-US" altLang="zh-TW" sz="1200" b="1" dirty="0">
                 <a:latin typeface="標楷體" panose="03000509000000000000" pitchFamily="65" charset="-120"/>
                 <a:ea typeface="標楷體" panose="03000509000000000000" pitchFamily="65" charset="-120"/>
               </a:rPr>
@@ -4714,7 +4669,7 @@
           <a:lstStyle/>
           <a:p>
             <a:r>
-              <a:rPr lang="en-US" altLang="zh-TW" sz="1200" b="1" dirty="0" smtClean="0">
+              <a:rPr lang="en-US" altLang="zh-TW" sz="1200" b="1" dirty="0">
                 <a:latin typeface="標楷體" panose="03000509000000000000" pitchFamily="65" charset="-120"/>
                 <a:ea typeface="標楷體" panose="03000509000000000000" pitchFamily="65" charset="-120"/>
               </a:rPr>
@@ -4728,7 +4683,7 @@
               <a:t>否</a:t>
             </a:r>
             <a:r>
-              <a:rPr lang="en-US" altLang="zh-TW" sz="1200" b="1" dirty="0" smtClean="0">
+              <a:rPr lang="en-US" altLang="zh-TW" sz="1200" b="1" dirty="0">
                 <a:latin typeface="標楷體" panose="03000509000000000000" pitchFamily="65" charset="-120"/>
                 <a:ea typeface="標楷體" panose="03000509000000000000" pitchFamily="65" charset="-120"/>
               </a:rPr>
@@ -4790,7 +4745,7 @@
           <a:p>
             <a:pPr algn="ctr"/>
             <a:r>
-              <a:rPr lang="zh-TW" altLang="en-US" sz="1200" b="1" dirty="0" smtClean="0">
+              <a:rPr lang="zh-TW" altLang="en-US" sz="1200" b="1" dirty="0">
                 <a:solidFill>
                   <a:schemeClr val="tx1"/>
                 </a:solidFill>
@@ -4799,13 +4754,6 @@
               </a:rPr>
               <a:t>訂單鎖定</a:t>
             </a:r>
-            <a:endParaRPr lang="zh-TW" altLang="en-US" sz="1200" b="1" dirty="0">
-              <a:solidFill>
-                <a:schemeClr val="tx1"/>
-              </a:solidFill>
-              <a:latin typeface="標楷體" pitchFamily="65" charset="-120"/>
-              <a:ea typeface="標楷體" pitchFamily="65" charset="-120"/>
-            </a:endParaRPr>
           </a:p>
         </p:txBody>
       </p:sp>
@@ -4832,21 +4780,21 @@
           <a:lstStyle/>
           <a:p>
             <a:r>
-              <a:rPr lang="en-US" altLang="zh-TW" sz="1200" b="1" dirty="0" smtClean="0">
+              <a:rPr lang="en-US" altLang="zh-TW" sz="1200" b="1" dirty="0">
                 <a:latin typeface="標楷體" panose="03000509000000000000" pitchFamily="65" charset="-120"/>
                 <a:ea typeface="標楷體" panose="03000509000000000000" pitchFamily="65" charset="-120"/>
               </a:rPr>
               <a:t>[</a:t>
             </a:r>
             <a:r>
-              <a:rPr lang="zh-TW" altLang="en-US" sz="1200" b="1" dirty="0" smtClean="0">
+              <a:rPr lang="zh-TW" altLang="en-US" sz="1200" b="1" dirty="0">
                 <a:latin typeface="標楷體" panose="03000509000000000000" pitchFamily="65" charset="-120"/>
                 <a:ea typeface="標楷體" panose="03000509000000000000" pitchFamily="65" charset="-120"/>
               </a:rPr>
               <a:t>是</a:t>
             </a:r>
             <a:r>
-              <a:rPr lang="en-US" altLang="zh-TW" sz="1200" b="1" dirty="0" smtClean="0">
+              <a:rPr lang="en-US" altLang="zh-TW" sz="1200" b="1" dirty="0">
                 <a:latin typeface="標楷體" panose="03000509000000000000" pitchFamily="65" charset="-120"/>
                 <a:ea typeface="標楷體" panose="03000509000000000000" pitchFamily="65" charset="-120"/>
               </a:rPr>
@@ -4908,7 +4856,7 @@
           <a:p>
             <a:pPr algn="ctr"/>
             <a:r>
-              <a:rPr lang="zh-TW" altLang="en-US" sz="1200" b="1" dirty="0" smtClean="0">
+              <a:rPr lang="zh-TW" altLang="en-US" sz="1200" b="1" dirty="0">
                 <a:solidFill>
                   <a:schemeClr val="tx1"/>
                 </a:solidFill>
@@ -4917,13 +4865,6 @@
               </a:rPr>
               <a:t>訂單取消</a:t>
             </a:r>
-            <a:endParaRPr lang="zh-TW" altLang="en-US" sz="1200" b="1" dirty="0">
-              <a:solidFill>
-                <a:schemeClr val="tx1"/>
-              </a:solidFill>
-              <a:latin typeface="標楷體" pitchFamily="65" charset="-120"/>
-              <a:ea typeface="標楷體" pitchFamily="65" charset="-120"/>
-            </a:endParaRPr>
           </a:p>
         </p:txBody>
       </p:sp>
@@ -4989,7 +4930,7 @@
           <a:lstStyle/>
           <a:p>
             <a:r>
-              <a:rPr lang="en-US" altLang="zh-TW" sz="1200" b="1" dirty="0" smtClean="0">
+              <a:rPr lang="en-US" altLang="zh-TW" sz="1200" b="1" dirty="0">
                 <a:latin typeface="標楷體" panose="03000509000000000000" pitchFamily="65" charset="-120"/>
                 <a:ea typeface="標楷體" panose="03000509000000000000" pitchFamily="65" charset="-120"/>
               </a:rPr>
@@ -5003,7 +4944,7 @@
               <a:t>否</a:t>
             </a:r>
             <a:r>
-              <a:rPr lang="en-US" altLang="zh-TW" sz="1200" b="1" dirty="0" smtClean="0">
+              <a:rPr lang="en-US" altLang="zh-TW" sz="1200" b="1" dirty="0">
                 <a:latin typeface="標楷體" panose="03000509000000000000" pitchFamily="65" charset="-120"/>
                 <a:ea typeface="標楷體" panose="03000509000000000000" pitchFamily="65" charset="-120"/>
               </a:rPr>
@@ -5104,7 +5045,7 @@
           <a:p>
             <a:pPr algn="ctr"/>
             <a:r>
-              <a:rPr lang="zh-TW" altLang="en-US" sz="1200" b="1" dirty="0" smtClean="0">
+              <a:rPr lang="zh-TW" altLang="en-US" sz="1200" b="1" dirty="0">
                 <a:solidFill>
                   <a:schemeClr val="tx1"/>
                 </a:solidFill>
@@ -5113,13 +5054,6 @@
               </a:rPr>
               <a:t>發貨</a:t>
             </a:r>
-            <a:endParaRPr lang="zh-TW" altLang="en-US" sz="1200" b="1" dirty="0">
-              <a:solidFill>
-                <a:schemeClr val="tx1"/>
-              </a:solidFill>
-              <a:latin typeface="標楷體" pitchFamily="65" charset="-120"/>
-              <a:ea typeface="標楷體" pitchFamily="65" charset="-120"/>
-            </a:endParaRPr>
           </a:p>
         </p:txBody>
       </p:sp>
@@ -5282,16 +5216,12 @@
           <a:p>
             <a:pPr algn="ctr"/>
             <a:r>
-              <a:rPr lang="zh-TW" altLang="en-US" sz="1200" b="1" dirty="0" smtClean="0">
+              <a:rPr lang="zh-TW" altLang="en-US" sz="1200" b="1" dirty="0">
                 <a:latin typeface="標楷體" panose="03000509000000000000" pitchFamily="65" charset="-120"/>
                 <a:ea typeface="標楷體" panose="03000509000000000000" pitchFamily="65" charset="-120"/>
               </a:rPr>
               <a:t>結束</a:t>
             </a:r>
-            <a:endParaRPr lang="zh-TW" altLang="en-US" sz="1200" b="1" dirty="0">
-              <a:latin typeface="標楷體" panose="03000509000000000000" pitchFamily="65" charset="-120"/>
-              <a:ea typeface="標楷體" panose="03000509000000000000" pitchFamily="65" charset="-120"/>
-            </a:endParaRPr>
           </a:p>
         </p:txBody>
       </p:sp>
@@ -5344,7 +5274,7 @@
           <a:p>
             <a:pPr algn="ctr"/>
             <a:r>
-              <a:rPr lang="zh-TW" altLang="en-US" sz="1200" b="1" dirty="0" smtClean="0">
+              <a:rPr lang="zh-TW" altLang="en-US" sz="1200" b="1" dirty="0">
                 <a:solidFill>
                   <a:schemeClr val="tx1"/>
                 </a:solidFill>
@@ -5353,13 +5283,6 @@
               </a:rPr>
               <a:t>查詢訂單記錄</a:t>
             </a:r>
-            <a:endParaRPr lang="zh-TW" altLang="en-US" sz="1200" b="1" dirty="0">
-              <a:solidFill>
-                <a:schemeClr val="tx1"/>
-              </a:solidFill>
-              <a:latin typeface="標楷體" pitchFamily="65" charset="-120"/>
-              <a:ea typeface="標楷體" pitchFamily="65" charset="-120"/>
-            </a:endParaRPr>
           </a:p>
         </p:txBody>
       </p:sp>
@@ -5445,13 +5368,132 @@
       </p:cxnSp>
       <p:sp>
         <p:nvSpPr>
-          <p:cNvPr id="170" name="菱形 169"/>
+          <p:cNvPr id="48" name="圓角矩形 162">
+            <a:extLst>
+              <a:ext uri="{FF2B5EF4-FFF2-40B4-BE49-F238E27FC236}">
+                <a16:creationId xmlns:a16="http://schemas.microsoft.com/office/drawing/2014/main" id="{0C93E67B-1BAD-469D-8A95-A4E9084FDF67}"/>
+              </a:ext>
+            </a:extLst>
+          </p:cNvPr>
           <p:cNvSpPr/>
           <p:nvPr/>
         </p:nvSpPr>
         <p:spPr>
           <a:xfrm>
-            <a:off x="8832002" y="2423190"/>
+            <a:off x="8385519" y="2679045"/>
+            <a:ext cx="1258687" cy="314107"/>
+          </a:xfrm>
+          <a:prstGeom prst="roundRect">
+            <a:avLst/>
+          </a:prstGeom>
+          <a:solidFill>
+            <a:schemeClr val="bg1">
+              <a:lumMod val="75000"/>
+            </a:schemeClr>
+          </a:solidFill>
+          <a:ln>
+            <a:solidFill>
+              <a:schemeClr val="bg1">
+                <a:lumMod val="75000"/>
+              </a:schemeClr>
+            </a:solidFill>
+          </a:ln>
+        </p:spPr>
+        <p:style>
+          <a:lnRef idx="2">
+            <a:schemeClr val="accent1">
+              <a:shade val="50000"/>
+            </a:schemeClr>
+          </a:lnRef>
+          <a:fillRef idx="1">
+            <a:schemeClr val="accent1"/>
+          </a:fillRef>
+          <a:effectRef idx="0">
+            <a:schemeClr val="accent1"/>
+          </a:effectRef>
+          <a:fontRef idx="minor">
+            <a:schemeClr val="lt1"/>
+          </a:fontRef>
+        </p:style>
+        <p:txBody>
+          <a:bodyPr rtlCol="0" anchor="ctr"/>
+          <a:lstStyle/>
+          <a:p>
+            <a:pPr algn="ctr"/>
+            <a:r>
+              <a:rPr lang="zh-TW" altLang="en-US" sz="1200" b="1" dirty="0">
+                <a:solidFill>
+                  <a:schemeClr val="tx1"/>
+                </a:solidFill>
+                <a:latin typeface="標楷體" pitchFamily="65" charset="-120"/>
+                <a:ea typeface="標楷體" pitchFamily="65" charset="-120"/>
+              </a:rPr>
+              <a:t>修改訂單</a:t>
+            </a:r>
+          </a:p>
+        </p:txBody>
+      </p:sp>
+      <p:cxnSp>
+        <p:nvCxnSpPr>
+          <p:cNvPr id="49" name="直線單箭頭接點 48">
+            <a:extLst>
+              <a:ext uri="{FF2B5EF4-FFF2-40B4-BE49-F238E27FC236}">
+                <a16:creationId xmlns:a16="http://schemas.microsoft.com/office/drawing/2014/main" id="{D629512F-68B6-4E10-BE13-DA9FC1291DFA}"/>
+              </a:ext>
+            </a:extLst>
+          </p:cNvPr>
+          <p:cNvCxnSpPr>
+            <a:cxnSpLocks/>
+            <a:stCxn id="163" idx="2"/>
+            <a:endCxn id="48" idx="0"/>
+          </p:cNvCxnSpPr>
+          <p:nvPr/>
+        </p:nvCxnSpPr>
+        <p:spPr>
+          <a:xfrm flipH="1">
+            <a:off x="9014863" y="2082835"/>
+            <a:ext cx="1" cy="596210"/>
+          </a:xfrm>
+          <a:prstGeom prst="straightConnector1">
+            <a:avLst/>
+          </a:prstGeom>
+          <a:ln>
+            <a:solidFill>
+              <a:srgbClr val="C00000"/>
+            </a:solidFill>
+            <a:tailEnd type="arrow"/>
+          </a:ln>
+        </p:spPr>
+        <p:style>
+          <a:lnRef idx="1">
+            <a:schemeClr val="accent1"/>
+          </a:lnRef>
+          <a:fillRef idx="0">
+            <a:schemeClr val="accent1"/>
+          </a:fillRef>
+          <a:effectRef idx="0">
+            <a:schemeClr val="accent1"/>
+          </a:effectRef>
+          <a:fontRef idx="minor">
+            <a:schemeClr val="tx1"/>
+          </a:fontRef>
+        </p:style>
+      </p:cxnSp>
+      <p:sp>
+        <p:nvSpPr>
+          <p:cNvPr id="53" name="菱形 52">
+            <a:extLst>
+              <a:ext uri="{FF2B5EF4-FFF2-40B4-BE49-F238E27FC236}">
+                <a16:creationId xmlns:a16="http://schemas.microsoft.com/office/drawing/2014/main" id="{6BC8CF20-2850-4FE5-AF7C-70A50D7BB321}"/>
+              </a:ext>
+            </a:extLst>
+          </p:cNvPr>
+          <p:cNvSpPr/>
+          <p:nvPr/>
+        </p:nvSpPr>
+        <p:spPr>
+          <a:xfrm>
+            <a:off x="8832001" y="3483416"/>
             <a:ext cx="365722" cy="316257"/>
           </a:xfrm>
           <a:prstGeom prst="diamond">
@@ -5498,20 +5540,291 @@
       </p:sp>
       <p:cxnSp>
         <p:nvCxnSpPr>
-          <p:cNvPr id="171" name="直線單箭頭接點 170"/>
+          <p:cNvPr id="54" name="直線單箭頭接點 53">
+            <a:extLst>
+              <a:ext uri="{FF2B5EF4-FFF2-40B4-BE49-F238E27FC236}">
+                <a16:creationId xmlns:a16="http://schemas.microsoft.com/office/drawing/2014/main" id="{21EEC725-DFD3-4A21-99A3-ED01C966DD5A}"/>
+              </a:ext>
+            </a:extLst>
+          </p:cNvPr>
           <p:cNvCxnSpPr>
-            <a:stCxn id="163" idx="2"/>
-            <a:endCxn id="170" idx="0"/>
+            <a:cxnSpLocks/>
+            <a:stCxn id="48" idx="2"/>
+            <a:endCxn id="53" idx="0"/>
           </p:cNvCxnSpPr>
           <p:nvPr/>
         </p:nvCxnSpPr>
         <p:spPr>
           <a:xfrm flipH="1">
-            <a:off x="9014863" y="2082835"/>
-            <a:ext cx="1" cy="340355"/>
+            <a:off x="9014862" y="2993152"/>
+            <a:ext cx="1" cy="490264"/>
           </a:xfrm>
           <a:prstGeom prst="straightConnector1">
             <a:avLst/>
+          </a:prstGeom>
+          <a:ln>
+            <a:solidFill>
+              <a:srgbClr val="C00000"/>
+            </a:solidFill>
+            <a:tailEnd type="arrow"/>
+          </a:ln>
+        </p:spPr>
+        <p:style>
+          <a:lnRef idx="1">
+            <a:schemeClr val="accent1"/>
+          </a:lnRef>
+          <a:fillRef idx="0">
+            <a:schemeClr val="accent1"/>
+          </a:fillRef>
+          <a:effectRef idx="0">
+            <a:schemeClr val="accent1"/>
+          </a:effectRef>
+          <a:fontRef idx="minor">
+            <a:schemeClr val="tx1"/>
+          </a:fontRef>
+        </p:style>
+      </p:cxnSp>
+      <p:cxnSp>
+        <p:nvCxnSpPr>
+          <p:cNvPr id="56" name="肘形接點 119">
+            <a:extLst>
+              <a:ext uri="{FF2B5EF4-FFF2-40B4-BE49-F238E27FC236}">
+                <a16:creationId xmlns:a16="http://schemas.microsoft.com/office/drawing/2014/main" id="{0E66D56A-6051-4BEB-A03B-FFA950E52C3F}"/>
+              </a:ext>
+            </a:extLst>
+          </p:cNvPr>
+          <p:cNvCxnSpPr>
+            <a:cxnSpLocks/>
+            <a:stCxn id="53" idx="3"/>
+            <a:endCxn id="48" idx="3"/>
+          </p:cNvCxnSpPr>
+          <p:nvPr/>
+        </p:nvCxnSpPr>
+        <p:spPr>
+          <a:xfrm flipV="1">
+            <a:off x="9197723" y="2836099"/>
+            <a:ext cx="446483" cy="805446"/>
+          </a:xfrm>
+          <a:prstGeom prst="bentConnector3">
+            <a:avLst>
+              <a:gd name="adj1" fmla="val 302574"/>
+            </a:avLst>
+          </a:prstGeom>
+          <a:ln>
+            <a:solidFill>
+              <a:srgbClr val="C00000"/>
+            </a:solidFill>
+            <a:tailEnd type="arrow"/>
+          </a:ln>
+        </p:spPr>
+        <p:style>
+          <a:lnRef idx="1">
+            <a:schemeClr val="accent1"/>
+          </a:lnRef>
+          <a:fillRef idx="0">
+            <a:schemeClr val="accent1"/>
+          </a:fillRef>
+          <a:effectRef idx="0">
+            <a:schemeClr val="accent1"/>
+          </a:effectRef>
+          <a:fontRef idx="minor">
+            <a:schemeClr val="tx1"/>
+          </a:fontRef>
+        </p:style>
+      </p:cxnSp>
+      <p:sp>
+        <p:nvSpPr>
+          <p:cNvPr id="60" name="文字方塊 59">
+            <a:extLst>
+              <a:ext uri="{FF2B5EF4-FFF2-40B4-BE49-F238E27FC236}">
+                <a16:creationId xmlns:a16="http://schemas.microsoft.com/office/drawing/2014/main" id="{5D41B092-0FC4-4CED-912A-4772B6D4B6D7}"/>
+              </a:ext>
+            </a:extLst>
+          </p:cNvPr>
+          <p:cNvSpPr txBox="1"/>
+          <p:nvPr/>
+        </p:nvSpPr>
+        <p:spPr>
+          <a:xfrm>
+            <a:off x="9014862" y="3048289"/>
+            <a:ext cx="1237387" cy="276999"/>
+          </a:xfrm>
+          <a:prstGeom prst="rect">
+            <a:avLst/>
+          </a:prstGeom>
+          <a:noFill/>
+        </p:spPr>
+        <p:txBody>
+          <a:bodyPr wrap="square" rtlCol="0">
+            <a:spAutoFit/>
+          </a:bodyPr>
+          <a:lstStyle/>
+          <a:p>
+            <a:r>
+              <a:rPr lang="en-US" altLang="zh-TW" sz="1200" b="1" dirty="0">
+                <a:latin typeface="標楷體" panose="03000509000000000000" pitchFamily="65" charset="-120"/>
+                <a:ea typeface="標楷體" panose="03000509000000000000" pitchFamily="65" charset="-120"/>
+              </a:rPr>
+              <a:t>[</a:t>
+            </a:r>
+            <a:r>
+              <a:rPr lang="zh-TW" altLang="en-US" sz="1200" b="1" dirty="0">
+                <a:latin typeface="標楷體" panose="03000509000000000000" pitchFamily="65" charset="-120"/>
+                <a:ea typeface="標楷體" panose="03000509000000000000" pitchFamily="65" charset="-120"/>
+              </a:rPr>
+              <a:t>是否完成</a:t>
+            </a:r>
+            <a:r>
+              <a:rPr lang="en-US" altLang="zh-TW" sz="1200" b="1" dirty="0">
+                <a:latin typeface="標楷體" panose="03000509000000000000" pitchFamily="65" charset="-120"/>
+                <a:ea typeface="標楷體" panose="03000509000000000000" pitchFamily="65" charset="-120"/>
+              </a:rPr>
+              <a:t>]</a:t>
+            </a:r>
+            <a:endParaRPr lang="zh-TW" altLang="en-US" sz="1200" b="1" dirty="0">
+              <a:latin typeface="標楷體" panose="03000509000000000000" pitchFamily="65" charset="-120"/>
+              <a:ea typeface="標楷體" panose="03000509000000000000" pitchFamily="65" charset="-120"/>
+            </a:endParaRPr>
+          </a:p>
+        </p:txBody>
+      </p:sp>
+      <p:sp>
+        <p:nvSpPr>
+          <p:cNvPr id="62" name="文字方塊 61">
+            <a:extLst>
+              <a:ext uri="{FF2B5EF4-FFF2-40B4-BE49-F238E27FC236}">
+                <a16:creationId xmlns:a16="http://schemas.microsoft.com/office/drawing/2014/main" id="{04DF3DAE-3734-4876-9B5F-4C7C736276AA}"/>
+              </a:ext>
+            </a:extLst>
+          </p:cNvPr>
+          <p:cNvSpPr txBox="1"/>
+          <p:nvPr/>
+        </p:nvSpPr>
+        <p:spPr>
+          <a:xfrm>
+            <a:off x="8585647" y="3783099"/>
+            <a:ext cx="429214" cy="276999"/>
+          </a:xfrm>
+          <a:prstGeom prst="rect">
+            <a:avLst/>
+          </a:prstGeom>
+          <a:noFill/>
+        </p:spPr>
+        <p:txBody>
+          <a:bodyPr wrap="square" rtlCol="0">
+            <a:spAutoFit/>
+          </a:bodyPr>
+          <a:lstStyle/>
+          <a:p>
+            <a:r>
+              <a:rPr lang="en-US" altLang="zh-TW" sz="1200" b="1" dirty="0">
+                <a:latin typeface="標楷體" panose="03000509000000000000" pitchFamily="65" charset="-120"/>
+                <a:ea typeface="標楷體" panose="03000509000000000000" pitchFamily="65" charset="-120"/>
+              </a:rPr>
+              <a:t>[</a:t>
+            </a:r>
+            <a:r>
+              <a:rPr lang="zh-TW" altLang="en-US" sz="1200" b="1" dirty="0">
+                <a:latin typeface="標楷體" panose="03000509000000000000" pitchFamily="65" charset="-120"/>
+                <a:ea typeface="標楷體" panose="03000509000000000000" pitchFamily="65" charset="-120"/>
+              </a:rPr>
+              <a:t>是</a:t>
+            </a:r>
+            <a:r>
+              <a:rPr lang="en-US" altLang="zh-TW" sz="1200" b="1" dirty="0">
+                <a:latin typeface="標楷體" panose="03000509000000000000" pitchFamily="65" charset="-120"/>
+                <a:ea typeface="標楷體" panose="03000509000000000000" pitchFamily="65" charset="-120"/>
+              </a:rPr>
+              <a:t>]</a:t>
+            </a:r>
+            <a:endParaRPr lang="zh-TW" altLang="en-US" sz="1200" b="1" dirty="0">
+              <a:latin typeface="標楷體" panose="03000509000000000000" pitchFamily="65" charset="-120"/>
+              <a:ea typeface="標楷體" panose="03000509000000000000" pitchFamily="65" charset="-120"/>
+            </a:endParaRPr>
+          </a:p>
+        </p:txBody>
+      </p:sp>
+      <p:sp>
+        <p:nvSpPr>
+          <p:cNvPr id="63" name="文字方塊 62">
+            <a:extLst>
+              <a:ext uri="{FF2B5EF4-FFF2-40B4-BE49-F238E27FC236}">
+                <a16:creationId xmlns:a16="http://schemas.microsoft.com/office/drawing/2014/main" id="{41D025B8-6E0D-408A-8E14-4546E4A160F5}"/>
+              </a:ext>
+            </a:extLst>
+          </p:cNvPr>
+          <p:cNvSpPr txBox="1"/>
+          <p:nvPr/>
+        </p:nvSpPr>
+        <p:spPr>
+          <a:xfrm>
+            <a:off x="9151629" y="3394213"/>
+            <a:ext cx="492443" cy="276999"/>
+          </a:xfrm>
+          <a:prstGeom prst="rect">
+            <a:avLst/>
+          </a:prstGeom>
+          <a:noFill/>
+        </p:spPr>
+        <p:txBody>
+          <a:bodyPr wrap="none" rtlCol="0">
+            <a:spAutoFit/>
+          </a:bodyPr>
+          <a:lstStyle/>
+          <a:p>
+            <a:r>
+              <a:rPr lang="en-US" altLang="zh-TW" sz="1200" b="1" dirty="0">
+                <a:latin typeface="標楷體" panose="03000509000000000000" pitchFamily="65" charset="-120"/>
+                <a:ea typeface="標楷體" panose="03000509000000000000" pitchFamily="65" charset="-120"/>
+              </a:rPr>
+              <a:t>[</a:t>
+            </a:r>
+            <a:r>
+              <a:rPr lang="zh-TW" altLang="en-US" sz="1200" b="1" dirty="0">
+                <a:latin typeface="標楷體" panose="03000509000000000000" pitchFamily="65" charset="-120"/>
+                <a:ea typeface="標楷體" panose="03000509000000000000" pitchFamily="65" charset="-120"/>
+              </a:rPr>
+              <a:t>否</a:t>
+            </a:r>
+            <a:r>
+              <a:rPr lang="en-US" altLang="zh-TW" sz="1200" b="1" dirty="0">
+                <a:latin typeface="標楷體" panose="03000509000000000000" pitchFamily="65" charset="-120"/>
+                <a:ea typeface="標楷體" panose="03000509000000000000" pitchFamily="65" charset="-120"/>
+              </a:rPr>
+              <a:t>]</a:t>
+            </a:r>
+            <a:endParaRPr lang="zh-TW" altLang="en-US" sz="1200" b="1" dirty="0">
+              <a:latin typeface="標楷體" panose="03000509000000000000" pitchFamily="65" charset="-120"/>
+              <a:ea typeface="標楷體" panose="03000509000000000000" pitchFamily="65" charset="-120"/>
+            </a:endParaRPr>
+          </a:p>
+        </p:txBody>
+      </p:sp>
+      <p:cxnSp>
+        <p:nvCxnSpPr>
+          <p:cNvPr id="64" name="肘形接點 119">
+            <a:extLst>
+              <a:ext uri="{FF2B5EF4-FFF2-40B4-BE49-F238E27FC236}">
+                <a16:creationId xmlns:a16="http://schemas.microsoft.com/office/drawing/2014/main" id="{AE995CF3-E471-44C6-8717-EB3B48B388CD}"/>
+              </a:ext>
+            </a:extLst>
+          </p:cNvPr>
+          <p:cNvCxnSpPr>
+            <a:cxnSpLocks/>
+            <a:stCxn id="53" idx="2"/>
+            <a:endCxn id="135" idx="0"/>
+          </p:cNvCxnSpPr>
+          <p:nvPr/>
+        </p:nvCxnSpPr>
+        <p:spPr>
+          <a:xfrm rot="5400000">
+            <a:off x="8014071" y="3541780"/>
+            <a:ext cx="742898" cy="1258684"/>
+          </a:xfrm>
+          <a:prstGeom prst="bentConnector3">
+            <a:avLst>
+              <a:gd name="adj1" fmla="val 59633"/>
+            </a:avLst>
           </a:prstGeom>
           <a:ln>
             <a:solidFill>
@@ -5803,7 +6116,7 @@
   <a:extraClrSchemeLst/>
   <a:extLst>
     <a:ext uri="{05A4C25C-085E-4340-85A3-A5531E510DB2}">
-      <thm15:themeFamily xmlns:thm15="http://schemas.microsoft.com/office/thememl/2012/main" xmlns="" name="Office Theme" id="{62F939B6-93AF-4DB8-9C6B-D6C7DFDC589F}" vid="{4A3C46E8-61CC-4603-A589-7422A47A8E4A}"/>
+      <thm15:themeFamily xmlns:thm15="http://schemas.microsoft.com/office/thememl/2012/main" name="Office Theme" id="{62F939B6-93AF-4DB8-9C6B-D6C7DFDC589F}" vid="{4A3C46E8-61CC-4603-A589-7422A47A8E4A}"/>
     </a:ext>
   </a:extLst>
 </a:theme>

--- a/02_活動圖/活動圖_訂單管理.pptx
+++ b/02_活動圖/活動圖_訂單管理.pptx
@@ -107,7 +107,7 @@
   </p:defaultTextStyle>
   <p:extLst>
     <p:ext uri="{EFAFB233-063F-42B5-8137-9DF3F51BA10A}">
-      <p15:sldGuideLst xmlns:p15="http://schemas.microsoft.com/office/powerpoint/2012/main">
+      <p15:sldGuideLst xmlns:p15="http://schemas.microsoft.com/office/powerpoint/2012/main" xmlns="">
         <p15:guide id="1" orient="horz" pos="2160">
           <p15:clr>
             <a:srgbClr val="A4A3A4"/>
@@ -253,7 +253,7 @@
           <a:p>
             <a:fld id="{974EEC73-651C-4AB6-AB26-3342BCB710E8}" type="datetimeFigureOut">
               <a:rPr lang="zh-TW" altLang="en-US" smtClean="0"/>
-              <a:t>2021/1/16</a:t>
+              <a:t>2021/1/19</a:t>
             </a:fld>
             <a:endParaRPr lang="zh-TW" altLang="en-US"/>
           </a:p>
@@ -421,7 +421,7 @@
           <a:p>
             <a:fld id="{974EEC73-651C-4AB6-AB26-3342BCB710E8}" type="datetimeFigureOut">
               <a:rPr lang="zh-TW" altLang="en-US" smtClean="0"/>
-              <a:t>2021/1/16</a:t>
+              <a:t>2021/1/19</a:t>
             </a:fld>
             <a:endParaRPr lang="zh-TW" altLang="en-US"/>
           </a:p>
@@ -599,7 +599,7 @@
           <a:p>
             <a:fld id="{974EEC73-651C-4AB6-AB26-3342BCB710E8}" type="datetimeFigureOut">
               <a:rPr lang="zh-TW" altLang="en-US" smtClean="0"/>
-              <a:t>2021/1/16</a:t>
+              <a:t>2021/1/19</a:t>
             </a:fld>
             <a:endParaRPr lang="zh-TW" altLang="en-US"/>
           </a:p>
@@ -767,7 +767,7 @@
           <a:p>
             <a:fld id="{974EEC73-651C-4AB6-AB26-3342BCB710E8}" type="datetimeFigureOut">
               <a:rPr lang="zh-TW" altLang="en-US" smtClean="0"/>
-              <a:t>2021/1/16</a:t>
+              <a:t>2021/1/19</a:t>
             </a:fld>
             <a:endParaRPr lang="zh-TW" altLang="en-US"/>
           </a:p>
@@ -1012,7 +1012,7 @@
           <a:p>
             <a:fld id="{974EEC73-651C-4AB6-AB26-3342BCB710E8}" type="datetimeFigureOut">
               <a:rPr lang="zh-TW" altLang="en-US" smtClean="0"/>
-              <a:t>2021/1/16</a:t>
+              <a:t>2021/1/19</a:t>
             </a:fld>
             <a:endParaRPr lang="zh-TW" altLang="en-US"/>
           </a:p>
@@ -1241,7 +1241,7 @@
           <a:p>
             <a:fld id="{974EEC73-651C-4AB6-AB26-3342BCB710E8}" type="datetimeFigureOut">
               <a:rPr lang="zh-TW" altLang="en-US" smtClean="0"/>
-              <a:t>2021/1/16</a:t>
+              <a:t>2021/1/19</a:t>
             </a:fld>
             <a:endParaRPr lang="zh-TW" altLang="en-US"/>
           </a:p>
@@ -1605,7 +1605,7 @@
           <a:p>
             <a:fld id="{974EEC73-651C-4AB6-AB26-3342BCB710E8}" type="datetimeFigureOut">
               <a:rPr lang="zh-TW" altLang="en-US" smtClean="0"/>
-              <a:t>2021/1/16</a:t>
+              <a:t>2021/1/19</a:t>
             </a:fld>
             <a:endParaRPr lang="zh-TW" altLang="en-US"/>
           </a:p>
@@ -1722,7 +1722,7 @@
           <a:p>
             <a:fld id="{974EEC73-651C-4AB6-AB26-3342BCB710E8}" type="datetimeFigureOut">
               <a:rPr lang="zh-TW" altLang="en-US" smtClean="0"/>
-              <a:t>2021/1/16</a:t>
+              <a:t>2021/1/19</a:t>
             </a:fld>
             <a:endParaRPr lang="zh-TW" altLang="en-US"/>
           </a:p>
@@ -1817,7 +1817,7 @@
           <a:p>
             <a:fld id="{974EEC73-651C-4AB6-AB26-3342BCB710E8}" type="datetimeFigureOut">
               <a:rPr lang="zh-TW" altLang="en-US" smtClean="0"/>
-              <a:t>2021/1/16</a:t>
+              <a:t>2021/1/19</a:t>
             </a:fld>
             <a:endParaRPr lang="zh-TW" altLang="en-US"/>
           </a:p>
@@ -2092,7 +2092,7 @@
           <a:p>
             <a:fld id="{974EEC73-651C-4AB6-AB26-3342BCB710E8}" type="datetimeFigureOut">
               <a:rPr lang="zh-TW" altLang="en-US" smtClean="0"/>
-              <a:t>2021/1/16</a:t>
+              <a:t>2021/1/19</a:t>
             </a:fld>
             <a:endParaRPr lang="zh-TW" altLang="en-US"/>
           </a:p>
@@ -2344,7 +2344,7 @@
           <a:p>
             <a:fld id="{974EEC73-651C-4AB6-AB26-3342BCB710E8}" type="datetimeFigureOut">
               <a:rPr lang="zh-TW" altLang="en-US" smtClean="0"/>
-              <a:t>2021/1/16</a:t>
+              <a:t>2021/1/19</a:t>
             </a:fld>
             <a:endParaRPr lang="zh-TW" altLang="en-US"/>
           </a:p>
@@ -2555,7 +2555,7 @@
           <a:p>
             <a:fld id="{974EEC73-651C-4AB6-AB26-3342BCB710E8}" type="datetimeFigureOut">
               <a:rPr lang="zh-TW" altLang="en-US" smtClean="0"/>
-              <a:t>2021/1/16</a:t>
+              <a:t>2021/1/19</a:t>
             </a:fld>
             <a:endParaRPr lang="zh-TW" altLang="en-US"/>
           </a:p>
@@ -4704,7 +4704,7 @@
         </p:nvSpPr>
         <p:spPr>
           <a:xfrm>
-            <a:off x="7126834" y="4542571"/>
+            <a:off x="8385520" y="4198370"/>
             <a:ext cx="1258687" cy="314107"/>
           </a:xfrm>
           <a:prstGeom prst="roundRect">
@@ -5004,7 +5004,7 @@
         </p:nvSpPr>
         <p:spPr>
           <a:xfrm>
-            <a:off x="7126833" y="5234410"/>
+            <a:off x="8385520" y="4847872"/>
             <a:ext cx="1258687" cy="314107"/>
           </a:xfrm>
           <a:prstGeom prst="roundRect">
@@ -5153,45 +5153,6 @@
           </a:p>
         </p:txBody>
       </p:sp>
-      <p:cxnSp>
-        <p:nvCxnSpPr>
-          <p:cNvPr id="159" name="直線單箭頭接點 158"/>
-          <p:cNvCxnSpPr>
-            <a:stCxn id="153" idx="2"/>
-            <a:endCxn id="158" idx="0"/>
-          </p:cNvCxnSpPr>
-          <p:nvPr/>
-        </p:nvCxnSpPr>
-        <p:spPr>
-          <a:xfrm>
-            <a:off x="7756177" y="5548517"/>
-            <a:ext cx="1" cy="438317"/>
-          </a:xfrm>
-          <a:prstGeom prst="straightConnector1">
-            <a:avLst/>
-          </a:prstGeom>
-          <a:ln>
-            <a:solidFill>
-              <a:srgbClr val="C00000"/>
-            </a:solidFill>
-            <a:tailEnd type="arrow"/>
-          </a:ln>
-        </p:spPr>
-        <p:style>
-          <a:lnRef idx="1">
-            <a:schemeClr val="accent1"/>
-          </a:lnRef>
-          <a:fillRef idx="0">
-            <a:schemeClr val="accent1"/>
-          </a:fillRef>
-          <a:effectRef idx="0">
-            <a:schemeClr val="accent1"/>
-          </a:effectRef>
-          <a:fontRef idx="minor">
-            <a:schemeClr val="tx1"/>
-          </a:fontRef>
-        </p:style>
-      </p:cxnSp>
       <p:sp>
         <p:nvSpPr>
           <p:cNvPr id="162" name="文字方塊 161"/>
@@ -5296,9 +5257,9 @@
           <p:nvPr/>
         </p:nvCxnSpPr>
         <p:spPr>
-          <a:xfrm flipH="1">
-            <a:off x="7756177" y="4856678"/>
-            <a:ext cx="1" cy="377732"/>
+          <a:xfrm>
+            <a:off x="9014864" y="4512477"/>
+            <a:ext cx="0" cy="335395"/>
           </a:xfrm>
           <a:prstGeom prst="straightConnector1">
             <a:avLst/>
@@ -5325,53 +5286,12 @@
           </a:fontRef>
         </p:style>
       </p:cxnSp>
-      <p:cxnSp>
-        <p:nvCxnSpPr>
-          <p:cNvPr id="167" name="肘形接點 166"/>
-          <p:cNvCxnSpPr>
-            <a:stCxn id="129" idx="2"/>
-            <a:endCxn id="135" idx="0"/>
-          </p:cNvCxnSpPr>
-          <p:nvPr/>
-        </p:nvCxnSpPr>
-        <p:spPr>
-          <a:xfrm rot="16200000" flipH="1">
-            <a:off x="6878353" y="3664745"/>
-            <a:ext cx="591465" cy="1164185"/>
-          </a:xfrm>
-          <a:prstGeom prst="bentConnector3">
-            <a:avLst>
-              <a:gd name="adj1" fmla="val 50000"/>
-            </a:avLst>
-          </a:prstGeom>
-          <a:ln>
-            <a:solidFill>
-              <a:srgbClr val="C00000"/>
-            </a:solidFill>
-            <a:tailEnd type="arrow"/>
-          </a:ln>
-        </p:spPr>
-        <p:style>
-          <a:lnRef idx="1">
-            <a:schemeClr val="accent1"/>
-          </a:lnRef>
-          <a:fillRef idx="0">
-            <a:schemeClr val="accent1"/>
-          </a:fillRef>
-          <a:effectRef idx="0">
-            <a:schemeClr val="accent1"/>
-          </a:effectRef>
-          <a:fontRef idx="minor">
-            <a:schemeClr val="tx1"/>
-          </a:fontRef>
-        </p:style>
-      </p:cxnSp>
       <p:sp>
         <p:nvSpPr>
           <p:cNvPr id="48" name="圓角矩形 162">
             <a:extLst>
               <a:ext uri="{FF2B5EF4-FFF2-40B4-BE49-F238E27FC236}">
-                <a16:creationId xmlns:a16="http://schemas.microsoft.com/office/drawing/2014/main" id="{0C93E67B-1BAD-469D-8A95-A4E9084FDF67}"/>
+                <a16:creationId xmlns:a16="http://schemas.microsoft.com/office/drawing/2014/main" xmlns="" id="{0C93E67B-1BAD-469D-8A95-A4E9084FDF67}"/>
               </a:ext>
             </a:extLst>
           </p:cNvPr>
@@ -5438,7 +5358,7 @@
           <p:cNvPr id="49" name="直線單箭頭接點 48">
             <a:extLst>
               <a:ext uri="{FF2B5EF4-FFF2-40B4-BE49-F238E27FC236}">
-                <a16:creationId xmlns:a16="http://schemas.microsoft.com/office/drawing/2014/main" id="{D629512F-68B6-4E10-BE13-DA9FC1291DFA}"/>
+                <a16:creationId xmlns:a16="http://schemas.microsoft.com/office/drawing/2014/main" xmlns="" id="{D629512F-68B6-4E10-BE13-DA9FC1291DFA}"/>
               </a:ext>
             </a:extLst>
           </p:cNvPr>
@@ -5484,7 +5404,7 @@
           <p:cNvPr id="53" name="菱形 52">
             <a:extLst>
               <a:ext uri="{FF2B5EF4-FFF2-40B4-BE49-F238E27FC236}">
-                <a16:creationId xmlns:a16="http://schemas.microsoft.com/office/drawing/2014/main" id="{6BC8CF20-2850-4FE5-AF7C-70A50D7BB321}"/>
+                <a16:creationId xmlns:a16="http://schemas.microsoft.com/office/drawing/2014/main" xmlns="" id="{6BC8CF20-2850-4FE5-AF7C-70A50D7BB321}"/>
               </a:ext>
             </a:extLst>
           </p:cNvPr>
@@ -5543,7 +5463,7 @@
           <p:cNvPr id="54" name="直線單箭頭接點 53">
             <a:extLst>
               <a:ext uri="{FF2B5EF4-FFF2-40B4-BE49-F238E27FC236}">
-                <a16:creationId xmlns:a16="http://schemas.microsoft.com/office/drawing/2014/main" id="{21EEC725-DFD3-4A21-99A3-ED01C966DD5A}"/>
+                <a16:creationId xmlns:a16="http://schemas.microsoft.com/office/drawing/2014/main" xmlns="" id="{21EEC725-DFD3-4A21-99A3-ED01C966DD5A}"/>
               </a:ext>
             </a:extLst>
           </p:cNvPr>
@@ -5589,7 +5509,7 @@
           <p:cNvPr id="56" name="肘形接點 119">
             <a:extLst>
               <a:ext uri="{FF2B5EF4-FFF2-40B4-BE49-F238E27FC236}">
-                <a16:creationId xmlns:a16="http://schemas.microsoft.com/office/drawing/2014/main" id="{0E66D56A-6051-4BEB-A03B-FFA950E52C3F}"/>
+                <a16:creationId xmlns:a16="http://schemas.microsoft.com/office/drawing/2014/main" xmlns="" id="{0E66D56A-6051-4BEB-A03B-FFA950E52C3F}"/>
               </a:ext>
             </a:extLst>
           </p:cNvPr>
@@ -5637,7 +5557,7 @@
           <p:cNvPr id="60" name="文字方塊 59">
             <a:extLst>
               <a:ext uri="{FF2B5EF4-FFF2-40B4-BE49-F238E27FC236}">
-                <a16:creationId xmlns:a16="http://schemas.microsoft.com/office/drawing/2014/main" id="{5D41B092-0FC4-4CED-912A-4772B6D4B6D7}"/>
+                <a16:creationId xmlns:a16="http://schemas.microsoft.com/office/drawing/2014/main" xmlns="" id="{5D41B092-0FC4-4CED-912A-4772B6D4B6D7}"/>
               </a:ext>
             </a:extLst>
           </p:cNvPr>
@@ -5693,7 +5613,7 @@
           <p:cNvPr id="62" name="文字方塊 61">
             <a:extLst>
               <a:ext uri="{FF2B5EF4-FFF2-40B4-BE49-F238E27FC236}">
-                <a16:creationId xmlns:a16="http://schemas.microsoft.com/office/drawing/2014/main" id="{04DF3DAE-3734-4876-9B5F-4C7C736276AA}"/>
+                <a16:creationId xmlns:a16="http://schemas.microsoft.com/office/drawing/2014/main" xmlns="" id="{04DF3DAE-3734-4876-9B5F-4C7C736276AA}"/>
               </a:ext>
             </a:extLst>
           </p:cNvPr>
@@ -5749,7 +5669,7 @@
           <p:cNvPr id="63" name="文字方塊 62">
             <a:extLst>
               <a:ext uri="{FF2B5EF4-FFF2-40B4-BE49-F238E27FC236}">
-                <a16:creationId xmlns:a16="http://schemas.microsoft.com/office/drawing/2014/main" id="{41D025B8-6E0D-408A-8E14-4546E4A160F5}"/>
+                <a16:creationId xmlns:a16="http://schemas.microsoft.com/office/drawing/2014/main" xmlns="" id="{41D025B8-6E0D-408A-8E14-4546E4A160F5}"/>
               </a:ext>
             </a:extLst>
           </p:cNvPr>
@@ -5800,12 +5720,80 @@
           </a:p>
         </p:txBody>
       </p:sp>
+      <p:sp>
+        <p:nvSpPr>
+          <p:cNvPr id="55" name="圓角矩形 54"/>
+          <p:cNvSpPr/>
+          <p:nvPr/>
+        </p:nvSpPr>
+        <p:spPr>
+          <a:xfrm>
+            <a:off x="5961790" y="4850265"/>
+            <a:ext cx="1258687" cy="314107"/>
+          </a:xfrm>
+          <a:prstGeom prst="roundRect">
+            <a:avLst/>
+          </a:prstGeom>
+          <a:solidFill>
+            <a:schemeClr val="bg1">
+              <a:lumMod val="75000"/>
+            </a:schemeClr>
+          </a:solidFill>
+          <a:ln>
+            <a:solidFill>
+              <a:schemeClr val="bg1">
+                <a:lumMod val="75000"/>
+              </a:schemeClr>
+            </a:solidFill>
+          </a:ln>
+        </p:spPr>
+        <p:style>
+          <a:lnRef idx="2">
+            <a:schemeClr val="accent1">
+              <a:shade val="50000"/>
+            </a:schemeClr>
+          </a:lnRef>
+          <a:fillRef idx="1">
+            <a:schemeClr val="accent1"/>
+          </a:fillRef>
+          <a:effectRef idx="0">
+            <a:schemeClr val="accent1"/>
+          </a:effectRef>
+          <a:fontRef idx="minor">
+            <a:schemeClr val="lt1"/>
+          </a:fontRef>
+        </p:style>
+        <p:txBody>
+          <a:bodyPr rtlCol="0" anchor="ctr"/>
+          <a:lstStyle/>
+          <a:p>
+            <a:pPr algn="ctr"/>
+            <a:r>
+              <a:rPr lang="zh-TW" altLang="en-US" sz="1200" b="1" dirty="0">
+                <a:solidFill>
+                  <a:schemeClr val="tx1"/>
+                </a:solidFill>
+                <a:latin typeface="標楷體" pitchFamily="65" charset="-120"/>
+                <a:ea typeface="標楷體" pitchFamily="65" charset="-120"/>
+              </a:rPr>
+              <a:t>收貨</a:t>
+            </a:r>
+            <a:endParaRPr lang="zh-TW" altLang="en-US" sz="1200" b="1" dirty="0">
+              <a:solidFill>
+                <a:schemeClr val="tx1"/>
+              </a:solidFill>
+              <a:latin typeface="標楷體" pitchFamily="65" charset="-120"/>
+              <a:ea typeface="標楷體" pitchFamily="65" charset="-120"/>
+            </a:endParaRPr>
+          </a:p>
+        </p:txBody>
+      </p:sp>
       <p:cxnSp>
         <p:nvCxnSpPr>
-          <p:cNvPr id="64" name="肘形接點 119">
+          <p:cNvPr id="57" name="直線單箭頭接點 56">
             <a:extLst>
               <a:ext uri="{FF2B5EF4-FFF2-40B4-BE49-F238E27FC236}">
-                <a16:creationId xmlns:a16="http://schemas.microsoft.com/office/drawing/2014/main" id="{AE995CF3-E471-44C6-8717-EB3B48B388CD}"/>
+                <a16:creationId xmlns:a16="http://schemas.microsoft.com/office/drawing/2014/main" xmlns="" id="{21EEC725-DFD3-4A21-99A3-ED01C966DD5A}"/>
               </a:ext>
             </a:extLst>
           </p:cNvPr>
@@ -5817,13 +5805,132 @@
           <p:nvPr/>
         </p:nvCxnSpPr>
         <p:spPr>
-          <a:xfrm rot="5400000">
-            <a:off x="8014071" y="3541780"/>
-            <a:ext cx="742898" cy="1258684"/>
+          <a:xfrm>
+            <a:off x="9014862" y="3799673"/>
+            <a:ext cx="2" cy="398697"/>
+          </a:xfrm>
+          <a:prstGeom prst="straightConnector1">
+            <a:avLst/>
+          </a:prstGeom>
+          <a:ln>
+            <a:solidFill>
+              <a:srgbClr val="C00000"/>
+            </a:solidFill>
+            <a:tailEnd type="arrow"/>
+          </a:ln>
+        </p:spPr>
+        <p:style>
+          <a:lnRef idx="1">
+            <a:schemeClr val="accent1"/>
+          </a:lnRef>
+          <a:fillRef idx="0">
+            <a:schemeClr val="accent1"/>
+          </a:fillRef>
+          <a:effectRef idx="0">
+            <a:schemeClr val="accent1"/>
+          </a:effectRef>
+          <a:fontRef idx="minor">
+            <a:schemeClr val="tx1"/>
+          </a:fontRef>
+        </p:style>
+      </p:cxnSp>
+      <p:cxnSp>
+        <p:nvCxnSpPr>
+          <p:cNvPr id="65" name="直線單箭頭接點 64"/>
+          <p:cNvCxnSpPr>
+            <a:stCxn id="129" idx="2"/>
+            <a:endCxn id="55" idx="0"/>
+          </p:cNvCxnSpPr>
+          <p:nvPr/>
+        </p:nvCxnSpPr>
+        <p:spPr>
+          <a:xfrm flipH="1">
+            <a:off x="6591134" y="3951106"/>
+            <a:ext cx="859" cy="899159"/>
+          </a:xfrm>
+          <a:prstGeom prst="straightConnector1">
+            <a:avLst/>
+          </a:prstGeom>
+          <a:ln>
+            <a:solidFill>
+              <a:srgbClr val="C00000"/>
+            </a:solidFill>
+            <a:tailEnd type="arrow"/>
+          </a:ln>
+        </p:spPr>
+        <p:style>
+          <a:lnRef idx="1">
+            <a:schemeClr val="accent1"/>
+          </a:lnRef>
+          <a:fillRef idx="0">
+            <a:schemeClr val="accent1"/>
+          </a:fillRef>
+          <a:effectRef idx="0">
+            <a:schemeClr val="accent1"/>
+          </a:effectRef>
+          <a:fontRef idx="minor">
+            <a:schemeClr val="tx1"/>
+          </a:fontRef>
+        </p:style>
+      </p:cxnSp>
+      <p:cxnSp>
+        <p:nvCxnSpPr>
+          <p:cNvPr id="67" name="肘形接點 66"/>
+          <p:cNvCxnSpPr>
+            <a:stCxn id="55" idx="2"/>
+            <a:endCxn id="158" idx="0"/>
+          </p:cNvCxnSpPr>
+          <p:nvPr/>
+        </p:nvCxnSpPr>
+        <p:spPr>
+          <a:xfrm rot="16200000" flipH="1">
+            <a:off x="6762425" y="4993081"/>
+            <a:ext cx="822462" cy="1165044"/>
           </a:xfrm>
           <a:prstGeom prst="bentConnector3">
             <a:avLst>
-              <a:gd name="adj1" fmla="val 59633"/>
+              <a:gd name="adj1" fmla="val 50000"/>
+            </a:avLst>
+          </a:prstGeom>
+          <a:ln>
+            <a:solidFill>
+              <a:srgbClr val="C00000"/>
+            </a:solidFill>
+            <a:tailEnd type="arrow"/>
+          </a:ln>
+        </p:spPr>
+        <p:style>
+          <a:lnRef idx="1">
+            <a:schemeClr val="accent1"/>
+          </a:lnRef>
+          <a:fillRef idx="0">
+            <a:schemeClr val="accent1"/>
+          </a:fillRef>
+          <a:effectRef idx="0">
+            <a:schemeClr val="accent1"/>
+          </a:effectRef>
+          <a:fontRef idx="minor">
+            <a:schemeClr val="tx1"/>
+          </a:fontRef>
+        </p:style>
+      </p:cxnSp>
+      <p:cxnSp>
+        <p:nvCxnSpPr>
+          <p:cNvPr id="70" name="肘形接點 69"/>
+          <p:cNvCxnSpPr>
+            <a:stCxn id="153" idx="2"/>
+            <a:endCxn id="158" idx="0"/>
+          </p:cNvCxnSpPr>
+          <p:nvPr/>
+        </p:nvCxnSpPr>
+        <p:spPr>
+          <a:xfrm rot="5400000">
+            <a:off x="7973094" y="4945063"/>
+            <a:ext cx="824855" cy="1258686"/>
+          </a:xfrm>
+          <a:prstGeom prst="bentConnector3">
+            <a:avLst>
+              <a:gd name="adj1" fmla="val 50000"/>
             </a:avLst>
           </a:prstGeom>
           <a:ln>
@@ -6116,7 +6223,7 @@
   <a:extraClrSchemeLst/>
   <a:extLst>
     <a:ext uri="{05A4C25C-085E-4340-85A3-A5531E510DB2}">
-      <thm15:themeFamily xmlns:thm15="http://schemas.microsoft.com/office/thememl/2012/main" name="Office Theme" id="{62F939B6-93AF-4DB8-9C6B-D6C7DFDC589F}" vid="{4A3C46E8-61CC-4603-A589-7422A47A8E4A}"/>
+      <thm15:themeFamily xmlns:thm15="http://schemas.microsoft.com/office/thememl/2012/main" xmlns="" name="Office Theme" id="{62F939B6-93AF-4DB8-9C6B-D6C7DFDC589F}" vid="{4A3C46E8-61CC-4603-A589-7422A47A8E4A}"/>
     </a:ext>
   </a:extLst>
 </a:theme>
